--- a/New.pptx
+++ b/New.pptx
@@ -5,7 +5,7 @@
     <p:sldMasterId id="2147483659" r:id="rId1"/>
   </p:sldMasterIdLst>
   <p:notesMasterIdLst>
-    <p:notesMasterId r:id="rId12"/>
+    <p:notesMasterId r:id="rId17"/>
   </p:notesMasterIdLst>
   <p:sldIdLst>
     <p:sldId id="256" r:id="rId2"/>
@@ -18,21 +18,26 @@
     <p:sldId id="263" r:id="rId9"/>
     <p:sldId id="264" r:id="rId10"/>
     <p:sldId id="265" r:id="rId11"/>
+    <p:sldId id="266" r:id="rId12"/>
+    <p:sldId id="267" r:id="rId13"/>
+    <p:sldId id="268" r:id="rId14"/>
+    <p:sldId id="269" r:id="rId15"/>
+    <p:sldId id="270" r:id="rId16"/>
   </p:sldIdLst>
   <p:sldSz cx="9144000" cy="5143500" type="screen16x9"/>
   <p:notesSz cx="6858000" cy="9144000"/>
   <p:embeddedFontLst>
     <p:embeddedFont>
       <p:font typeface="Maven Pro" pitchFamily="2" charset="77"/>
-      <p:regular r:id="rId13"/>
-      <p:bold r:id="rId14"/>
+      <p:regular r:id="rId18"/>
+      <p:bold r:id="rId19"/>
     </p:embeddedFont>
     <p:embeddedFont>
       <p:font typeface="Nunito" pitchFamily="2" charset="77"/>
-      <p:regular r:id="rId15"/>
-      <p:bold r:id="rId16"/>
-      <p:italic r:id="rId17"/>
-      <p:boldItalic r:id="rId18"/>
+      <p:regular r:id="rId20"/>
+      <p:bold r:id="rId21"/>
+      <p:italic r:id="rId22"/>
+      <p:boldItalic r:id="rId23"/>
     </p:embeddedFont>
   </p:embeddedFontLst>
   <p:defaultTextStyle>
@@ -937,6 +942,551 @@
 </p:notes>
 </file>
 
+<file path=ppt/notesSlides/notesSlide11.xml><?xml version="1.0" encoding="utf-8"?>
+<p:notes xmlns:a="http://schemas.openxmlformats.org/drawingml/2006/main" xmlns:r="http://schemas.openxmlformats.org/officeDocument/2006/relationships" xmlns:p="http://schemas.openxmlformats.org/presentationml/2006/main" showMasterSp="0" showMasterPhAnim="0">
+  <p:cSld>
+    <p:spTree>
+      <p:nvGrpSpPr>
+        <p:cNvPr id="1" name="Shape 273"/>
+        <p:cNvGrpSpPr/>
+        <p:nvPr/>
+      </p:nvGrpSpPr>
+      <p:grpSpPr>
+        <a:xfrm>
+          <a:off x="0" y="0"/>
+          <a:ext cx="0" cy="0"/>
+          <a:chOff x="0" y="0"/>
+          <a:chExt cx="0" cy="0"/>
+        </a:xfrm>
+      </p:grpSpPr>
+      <p:sp>
+        <p:nvSpPr>
+          <p:cNvPr id="274" name="Google Shape;274;p:notes"/>
+          <p:cNvSpPr>
+            <a:spLocks noGrp="1" noRot="1" noChangeAspect="1"/>
+          </p:cNvSpPr>
+          <p:nvPr>
+            <p:ph type="sldImg" idx="2"/>
+          </p:nvPr>
+        </p:nvSpPr>
+        <p:spPr>
+          <a:xfrm>
+            <a:off x="381000" y="685800"/>
+            <a:ext cx="6096000" cy="3429000"/>
+          </a:xfrm>
+          <a:custGeom>
+            <a:avLst/>
+            <a:gdLst/>
+            <a:ahLst/>
+            <a:cxnLst/>
+            <a:rect l="l" t="t" r="r" b="b"/>
+            <a:pathLst>
+              <a:path w="120000" h="120000" extrusionOk="0">
+                <a:moveTo>
+                  <a:pt x="0" y="0"/>
+                </a:moveTo>
+                <a:lnTo>
+                  <a:pt x="120000" y="0"/>
+                </a:lnTo>
+                <a:lnTo>
+                  <a:pt x="120000" y="120000"/>
+                </a:lnTo>
+                <a:lnTo>
+                  <a:pt x="0" y="120000"/>
+                </a:lnTo>
+                <a:close/>
+              </a:path>
+            </a:pathLst>
+          </a:custGeom>
+        </p:spPr>
+      </p:sp>
+      <p:sp>
+        <p:nvSpPr>
+          <p:cNvPr id="275" name="Google Shape;275;p:notes"/>
+          <p:cNvSpPr txBox="1">
+            <a:spLocks noGrp="1"/>
+          </p:cNvSpPr>
+          <p:nvPr>
+            <p:ph type="body" idx="1"/>
+          </p:nvPr>
+        </p:nvSpPr>
+        <p:spPr>
+          <a:xfrm>
+            <a:off x="685800" y="4343400"/>
+            <a:ext cx="5486400" cy="4114800"/>
+          </a:xfrm>
+          <a:prstGeom prst="rect">
+            <a:avLst/>
+          </a:prstGeom>
+        </p:spPr>
+        <p:txBody>
+          <a:bodyPr spcFirstLastPara="1" wrap="square" lIns="91425" tIns="91425" rIns="91425" bIns="91425" anchor="t" anchorCtr="0">
+            <a:noAutofit/>
+          </a:bodyPr>
+          <a:lstStyle/>
+          <a:p>
+            <a:pPr marL="0" lvl="0" indent="0" algn="l" rtl="0">
+              <a:spcBef>
+                <a:spcPts val="0"/>
+              </a:spcBef>
+              <a:spcAft>
+                <a:spcPts val="0"/>
+              </a:spcAft>
+              <a:buNone/>
+            </a:pPr>
+            <a:endParaRPr dirty="0"/>
+          </a:p>
+        </p:txBody>
+      </p:sp>
+    </p:spTree>
+    <p:extLst>
+      <p:ext uri="{BB962C8B-B14F-4D97-AF65-F5344CB8AC3E}">
+        <p14:creationId xmlns:p14="http://schemas.microsoft.com/office/powerpoint/2010/main" val="2749030141"/>
+      </p:ext>
+    </p:extLst>
+  </p:cSld>
+  <p:clrMapOvr>
+    <a:masterClrMapping/>
+  </p:clrMapOvr>
+</p:notes>
+</file>
+
+<file path=ppt/notesSlides/notesSlide12.xml><?xml version="1.0" encoding="utf-8"?>
+<p:notes xmlns:a="http://schemas.openxmlformats.org/drawingml/2006/main" xmlns:r="http://schemas.openxmlformats.org/officeDocument/2006/relationships" xmlns:p="http://schemas.openxmlformats.org/presentationml/2006/main" showMasterSp="0" showMasterPhAnim="0">
+  <p:cSld>
+    <p:spTree>
+      <p:nvGrpSpPr>
+        <p:cNvPr id="1" name="Shape 273"/>
+        <p:cNvGrpSpPr/>
+        <p:nvPr/>
+      </p:nvGrpSpPr>
+      <p:grpSpPr>
+        <a:xfrm>
+          <a:off x="0" y="0"/>
+          <a:ext cx="0" cy="0"/>
+          <a:chOff x="0" y="0"/>
+          <a:chExt cx="0" cy="0"/>
+        </a:xfrm>
+      </p:grpSpPr>
+      <p:sp>
+        <p:nvSpPr>
+          <p:cNvPr id="274" name="Google Shape;274;p:notes"/>
+          <p:cNvSpPr>
+            <a:spLocks noGrp="1" noRot="1" noChangeAspect="1"/>
+          </p:cNvSpPr>
+          <p:nvPr>
+            <p:ph type="sldImg" idx="2"/>
+          </p:nvPr>
+        </p:nvSpPr>
+        <p:spPr>
+          <a:xfrm>
+            <a:off x="381000" y="685800"/>
+            <a:ext cx="6096000" cy="3429000"/>
+          </a:xfrm>
+          <a:custGeom>
+            <a:avLst/>
+            <a:gdLst/>
+            <a:ahLst/>
+            <a:cxnLst/>
+            <a:rect l="l" t="t" r="r" b="b"/>
+            <a:pathLst>
+              <a:path w="120000" h="120000" extrusionOk="0">
+                <a:moveTo>
+                  <a:pt x="0" y="0"/>
+                </a:moveTo>
+                <a:lnTo>
+                  <a:pt x="120000" y="0"/>
+                </a:lnTo>
+                <a:lnTo>
+                  <a:pt x="120000" y="120000"/>
+                </a:lnTo>
+                <a:lnTo>
+                  <a:pt x="0" y="120000"/>
+                </a:lnTo>
+                <a:close/>
+              </a:path>
+            </a:pathLst>
+          </a:custGeom>
+        </p:spPr>
+      </p:sp>
+      <p:sp>
+        <p:nvSpPr>
+          <p:cNvPr id="275" name="Google Shape;275;p:notes"/>
+          <p:cNvSpPr txBox="1">
+            <a:spLocks noGrp="1"/>
+          </p:cNvSpPr>
+          <p:nvPr>
+            <p:ph type="body" idx="1"/>
+          </p:nvPr>
+        </p:nvSpPr>
+        <p:spPr>
+          <a:xfrm>
+            <a:off x="685800" y="4343400"/>
+            <a:ext cx="5486400" cy="4114800"/>
+          </a:xfrm>
+          <a:prstGeom prst="rect">
+            <a:avLst/>
+          </a:prstGeom>
+        </p:spPr>
+        <p:txBody>
+          <a:bodyPr spcFirstLastPara="1" wrap="square" lIns="91425" tIns="91425" rIns="91425" bIns="91425" anchor="t" anchorCtr="0">
+            <a:noAutofit/>
+          </a:bodyPr>
+          <a:lstStyle/>
+          <a:p>
+            <a:pPr marL="0" lvl="0" indent="0" algn="l" rtl="0">
+              <a:spcBef>
+                <a:spcPts val="0"/>
+              </a:spcBef>
+              <a:spcAft>
+                <a:spcPts val="0"/>
+              </a:spcAft>
+              <a:buNone/>
+            </a:pPr>
+            <a:endParaRPr dirty="0"/>
+          </a:p>
+        </p:txBody>
+      </p:sp>
+    </p:spTree>
+    <p:extLst>
+      <p:ext uri="{BB962C8B-B14F-4D97-AF65-F5344CB8AC3E}">
+        <p14:creationId xmlns:p14="http://schemas.microsoft.com/office/powerpoint/2010/main" val="1466893971"/>
+      </p:ext>
+    </p:extLst>
+  </p:cSld>
+  <p:clrMapOvr>
+    <a:masterClrMapping/>
+  </p:clrMapOvr>
+</p:notes>
+</file>
+
+<file path=ppt/notesSlides/notesSlide13.xml><?xml version="1.0" encoding="utf-8"?>
+<p:notes xmlns:a="http://schemas.openxmlformats.org/drawingml/2006/main" xmlns:r="http://schemas.openxmlformats.org/officeDocument/2006/relationships" xmlns:p="http://schemas.openxmlformats.org/presentationml/2006/main" showMasterSp="0" showMasterPhAnim="0">
+  <p:cSld>
+    <p:spTree>
+      <p:nvGrpSpPr>
+        <p:cNvPr id="1" name="Shape 273"/>
+        <p:cNvGrpSpPr/>
+        <p:nvPr/>
+      </p:nvGrpSpPr>
+      <p:grpSpPr>
+        <a:xfrm>
+          <a:off x="0" y="0"/>
+          <a:ext cx="0" cy="0"/>
+          <a:chOff x="0" y="0"/>
+          <a:chExt cx="0" cy="0"/>
+        </a:xfrm>
+      </p:grpSpPr>
+      <p:sp>
+        <p:nvSpPr>
+          <p:cNvPr id="274" name="Google Shape;274;p:notes"/>
+          <p:cNvSpPr>
+            <a:spLocks noGrp="1" noRot="1" noChangeAspect="1"/>
+          </p:cNvSpPr>
+          <p:nvPr>
+            <p:ph type="sldImg" idx="2"/>
+          </p:nvPr>
+        </p:nvSpPr>
+        <p:spPr>
+          <a:xfrm>
+            <a:off x="381000" y="685800"/>
+            <a:ext cx="6096000" cy="3429000"/>
+          </a:xfrm>
+          <a:custGeom>
+            <a:avLst/>
+            <a:gdLst/>
+            <a:ahLst/>
+            <a:cxnLst/>
+            <a:rect l="l" t="t" r="r" b="b"/>
+            <a:pathLst>
+              <a:path w="120000" h="120000" extrusionOk="0">
+                <a:moveTo>
+                  <a:pt x="0" y="0"/>
+                </a:moveTo>
+                <a:lnTo>
+                  <a:pt x="120000" y="0"/>
+                </a:lnTo>
+                <a:lnTo>
+                  <a:pt x="120000" y="120000"/>
+                </a:lnTo>
+                <a:lnTo>
+                  <a:pt x="0" y="120000"/>
+                </a:lnTo>
+                <a:close/>
+              </a:path>
+            </a:pathLst>
+          </a:custGeom>
+        </p:spPr>
+      </p:sp>
+      <p:sp>
+        <p:nvSpPr>
+          <p:cNvPr id="275" name="Google Shape;275;p:notes"/>
+          <p:cNvSpPr txBox="1">
+            <a:spLocks noGrp="1"/>
+          </p:cNvSpPr>
+          <p:nvPr>
+            <p:ph type="body" idx="1"/>
+          </p:nvPr>
+        </p:nvSpPr>
+        <p:spPr>
+          <a:xfrm>
+            <a:off x="685800" y="4343400"/>
+            <a:ext cx="5486400" cy="4114800"/>
+          </a:xfrm>
+          <a:prstGeom prst="rect">
+            <a:avLst/>
+          </a:prstGeom>
+        </p:spPr>
+        <p:txBody>
+          <a:bodyPr spcFirstLastPara="1" wrap="square" lIns="91425" tIns="91425" rIns="91425" bIns="91425" anchor="t" anchorCtr="0">
+            <a:noAutofit/>
+          </a:bodyPr>
+          <a:lstStyle/>
+          <a:p>
+            <a:pPr marL="0" lvl="0" indent="0" algn="l" rtl="0">
+              <a:spcBef>
+                <a:spcPts val="0"/>
+              </a:spcBef>
+              <a:spcAft>
+                <a:spcPts val="0"/>
+              </a:spcAft>
+              <a:buNone/>
+            </a:pPr>
+            <a:endParaRPr dirty="0"/>
+          </a:p>
+        </p:txBody>
+      </p:sp>
+    </p:spTree>
+    <p:extLst>
+      <p:ext uri="{BB962C8B-B14F-4D97-AF65-F5344CB8AC3E}">
+        <p14:creationId xmlns:p14="http://schemas.microsoft.com/office/powerpoint/2010/main" val="1357199085"/>
+      </p:ext>
+    </p:extLst>
+  </p:cSld>
+  <p:clrMapOvr>
+    <a:masterClrMapping/>
+  </p:clrMapOvr>
+</p:notes>
+</file>
+
+<file path=ppt/notesSlides/notesSlide14.xml><?xml version="1.0" encoding="utf-8"?>
+<p:notes xmlns:a="http://schemas.openxmlformats.org/drawingml/2006/main" xmlns:r="http://schemas.openxmlformats.org/officeDocument/2006/relationships" xmlns:p="http://schemas.openxmlformats.org/presentationml/2006/main" showMasterSp="0" showMasterPhAnim="0">
+  <p:cSld>
+    <p:spTree>
+      <p:nvGrpSpPr>
+        <p:cNvPr id="1" name="Shape 273"/>
+        <p:cNvGrpSpPr/>
+        <p:nvPr/>
+      </p:nvGrpSpPr>
+      <p:grpSpPr>
+        <a:xfrm>
+          <a:off x="0" y="0"/>
+          <a:ext cx="0" cy="0"/>
+          <a:chOff x="0" y="0"/>
+          <a:chExt cx="0" cy="0"/>
+        </a:xfrm>
+      </p:grpSpPr>
+      <p:sp>
+        <p:nvSpPr>
+          <p:cNvPr id="274" name="Google Shape;274;p:notes"/>
+          <p:cNvSpPr>
+            <a:spLocks noGrp="1" noRot="1" noChangeAspect="1"/>
+          </p:cNvSpPr>
+          <p:nvPr>
+            <p:ph type="sldImg" idx="2"/>
+          </p:nvPr>
+        </p:nvSpPr>
+        <p:spPr>
+          <a:xfrm>
+            <a:off x="381000" y="685800"/>
+            <a:ext cx="6096000" cy="3429000"/>
+          </a:xfrm>
+          <a:custGeom>
+            <a:avLst/>
+            <a:gdLst/>
+            <a:ahLst/>
+            <a:cxnLst/>
+            <a:rect l="l" t="t" r="r" b="b"/>
+            <a:pathLst>
+              <a:path w="120000" h="120000" extrusionOk="0">
+                <a:moveTo>
+                  <a:pt x="0" y="0"/>
+                </a:moveTo>
+                <a:lnTo>
+                  <a:pt x="120000" y="0"/>
+                </a:lnTo>
+                <a:lnTo>
+                  <a:pt x="120000" y="120000"/>
+                </a:lnTo>
+                <a:lnTo>
+                  <a:pt x="0" y="120000"/>
+                </a:lnTo>
+                <a:close/>
+              </a:path>
+            </a:pathLst>
+          </a:custGeom>
+        </p:spPr>
+      </p:sp>
+      <p:sp>
+        <p:nvSpPr>
+          <p:cNvPr id="275" name="Google Shape;275;p:notes"/>
+          <p:cNvSpPr txBox="1">
+            <a:spLocks noGrp="1"/>
+          </p:cNvSpPr>
+          <p:nvPr>
+            <p:ph type="body" idx="1"/>
+          </p:nvPr>
+        </p:nvSpPr>
+        <p:spPr>
+          <a:xfrm>
+            <a:off x="685800" y="4343400"/>
+            <a:ext cx="5486400" cy="4114800"/>
+          </a:xfrm>
+          <a:prstGeom prst="rect">
+            <a:avLst/>
+          </a:prstGeom>
+        </p:spPr>
+        <p:txBody>
+          <a:bodyPr spcFirstLastPara="1" wrap="square" lIns="91425" tIns="91425" rIns="91425" bIns="91425" anchor="t" anchorCtr="0">
+            <a:noAutofit/>
+          </a:bodyPr>
+          <a:lstStyle/>
+          <a:p>
+            <a:pPr marL="0" lvl="0" indent="0" algn="l" rtl="0">
+              <a:spcBef>
+                <a:spcPts val="0"/>
+              </a:spcBef>
+              <a:spcAft>
+                <a:spcPts val="0"/>
+              </a:spcAft>
+              <a:buNone/>
+            </a:pPr>
+            <a:endParaRPr dirty="0"/>
+          </a:p>
+        </p:txBody>
+      </p:sp>
+    </p:spTree>
+    <p:extLst>
+      <p:ext uri="{BB962C8B-B14F-4D97-AF65-F5344CB8AC3E}">
+        <p14:creationId xmlns:p14="http://schemas.microsoft.com/office/powerpoint/2010/main" val="2570141115"/>
+      </p:ext>
+    </p:extLst>
+  </p:cSld>
+  <p:clrMapOvr>
+    <a:masterClrMapping/>
+  </p:clrMapOvr>
+</p:notes>
+</file>
+
+<file path=ppt/notesSlides/notesSlide15.xml><?xml version="1.0" encoding="utf-8"?>
+<p:notes xmlns:a="http://schemas.openxmlformats.org/drawingml/2006/main" xmlns:r="http://schemas.openxmlformats.org/officeDocument/2006/relationships" xmlns:p="http://schemas.openxmlformats.org/presentationml/2006/main" showMasterSp="0" showMasterPhAnim="0">
+  <p:cSld>
+    <p:spTree>
+      <p:nvGrpSpPr>
+        <p:cNvPr id="1" name="Shape 273"/>
+        <p:cNvGrpSpPr/>
+        <p:nvPr/>
+      </p:nvGrpSpPr>
+      <p:grpSpPr>
+        <a:xfrm>
+          <a:off x="0" y="0"/>
+          <a:ext cx="0" cy="0"/>
+          <a:chOff x="0" y="0"/>
+          <a:chExt cx="0" cy="0"/>
+        </a:xfrm>
+      </p:grpSpPr>
+      <p:sp>
+        <p:nvSpPr>
+          <p:cNvPr id="274" name="Google Shape;274;p:notes"/>
+          <p:cNvSpPr>
+            <a:spLocks noGrp="1" noRot="1" noChangeAspect="1"/>
+          </p:cNvSpPr>
+          <p:nvPr>
+            <p:ph type="sldImg" idx="2"/>
+          </p:nvPr>
+        </p:nvSpPr>
+        <p:spPr>
+          <a:xfrm>
+            <a:off x="381000" y="685800"/>
+            <a:ext cx="6096000" cy="3429000"/>
+          </a:xfrm>
+          <a:custGeom>
+            <a:avLst/>
+            <a:gdLst/>
+            <a:ahLst/>
+            <a:cxnLst/>
+            <a:rect l="l" t="t" r="r" b="b"/>
+            <a:pathLst>
+              <a:path w="120000" h="120000" extrusionOk="0">
+                <a:moveTo>
+                  <a:pt x="0" y="0"/>
+                </a:moveTo>
+                <a:lnTo>
+                  <a:pt x="120000" y="0"/>
+                </a:lnTo>
+                <a:lnTo>
+                  <a:pt x="120000" y="120000"/>
+                </a:lnTo>
+                <a:lnTo>
+                  <a:pt x="0" y="120000"/>
+                </a:lnTo>
+                <a:close/>
+              </a:path>
+            </a:pathLst>
+          </a:custGeom>
+        </p:spPr>
+      </p:sp>
+      <p:sp>
+        <p:nvSpPr>
+          <p:cNvPr id="275" name="Google Shape;275;p:notes"/>
+          <p:cNvSpPr txBox="1">
+            <a:spLocks noGrp="1"/>
+          </p:cNvSpPr>
+          <p:nvPr>
+            <p:ph type="body" idx="1"/>
+          </p:nvPr>
+        </p:nvSpPr>
+        <p:spPr>
+          <a:xfrm>
+            <a:off x="685800" y="4343400"/>
+            <a:ext cx="5486400" cy="4114800"/>
+          </a:xfrm>
+          <a:prstGeom prst="rect">
+            <a:avLst/>
+          </a:prstGeom>
+        </p:spPr>
+        <p:txBody>
+          <a:bodyPr spcFirstLastPara="1" wrap="square" lIns="91425" tIns="91425" rIns="91425" bIns="91425" anchor="t" anchorCtr="0">
+            <a:noAutofit/>
+          </a:bodyPr>
+          <a:lstStyle/>
+          <a:p>
+            <a:pPr marL="0" lvl="0" indent="0" algn="l" rtl="0">
+              <a:spcBef>
+                <a:spcPts val="0"/>
+              </a:spcBef>
+              <a:spcAft>
+                <a:spcPts val="0"/>
+              </a:spcAft>
+              <a:buNone/>
+            </a:pPr>
+            <a:endParaRPr dirty="0"/>
+          </a:p>
+        </p:txBody>
+      </p:sp>
+    </p:spTree>
+    <p:extLst>
+      <p:ext uri="{BB962C8B-B14F-4D97-AF65-F5344CB8AC3E}">
+        <p14:creationId xmlns:p14="http://schemas.microsoft.com/office/powerpoint/2010/main" val="2482711624"/>
+      </p:ext>
+    </p:extLst>
+  </p:cSld>
+  <p:clrMapOvr>
+    <a:masterClrMapping/>
+  </p:clrMapOvr>
+</p:notes>
+</file>
+
 <file path=ppt/notesSlides/notesSlide2.xml><?xml version="1.0" encoding="utf-8"?>
 <p:notes xmlns:a="http://schemas.openxmlformats.org/drawingml/2006/main" xmlns:r="http://schemas.openxmlformats.org/officeDocument/2006/relationships" xmlns:p="http://schemas.openxmlformats.org/presentationml/2006/main" showMasterSp="0" showMasterPhAnim="0">
   <p:cSld>
@@ -1029,7 +1579,7 @@
               </a:spcAft>
               <a:buNone/>
             </a:pPr>
-            <a:endParaRPr/>
+            <a:endParaRPr dirty="0"/>
           </a:p>
         </p:txBody>
       </p:sp>
@@ -16310,7 +16860,7 @@
         <p:spPr>
           <a:xfrm>
             <a:off x="1013293" y="790223"/>
-            <a:ext cx="3829640" cy="696422"/>
+            <a:ext cx="3829640" cy="1027288"/>
           </a:xfrm>
           <a:prstGeom prst="rect">
             <a:avLst/>
@@ -16330,7 +16880,7 @@
         </p:spPr>
         <p:txBody>
           <a:bodyPr spcFirstLastPara="1" wrap="square" lIns="91425" tIns="91425" rIns="91425" bIns="91425" anchor="ctr" anchorCtr="0">
-            <a:normAutofit/>
+            <a:normAutofit fontScale="90000"/>
           </a:bodyPr>
           <a:lstStyle/>
           <a:p>
@@ -16345,9 +16895,20 @@
             </a:pPr>
             <a:r>
               <a:rPr lang="en-US" sz="3200" dirty="0"/>
-              <a:t>  Power supply pin </a:t>
+              <a:t>  Power supply pin</a:t>
             </a:r>
-            <a:endParaRPr sz="3200" dirty="0"/>
+            <a:br>
+              <a:rPr lang="en-US" sz="3200" dirty="0"/>
+            </a:br>
+            <a:r>
+              <a:rPr lang="en-US" sz="3200" dirty="0"/>
+              <a:t> </a:t>
+            </a:r>
+            <a:r>
+              <a:rPr lang="en-US" sz="1300" dirty="0"/>
+              <a:t>supply power to input and output component </a:t>
+            </a:r>
+            <a:endParaRPr sz="1300" dirty="0"/>
           </a:p>
         </p:txBody>
       </p:sp>
@@ -16818,8 +17379,8 @@
         </p:nvSpPr>
         <p:spPr>
           <a:xfrm>
-            <a:off x="1127536" y="2571750"/>
-            <a:ext cx="2744554" cy="696421"/>
+            <a:off x="1049507" y="2571750"/>
+            <a:ext cx="3401994" cy="1158278"/>
           </a:xfrm>
           <a:prstGeom prst="rect">
             <a:avLst/>
@@ -17091,7 +17652,13 @@
           <a:p>
             <a:r>
               <a:rPr lang="en-US" sz="3200" dirty="0"/>
-              <a:t>capacitor</a:t>
+              <a:t>Capacitor</a:t>
+            </a:r>
+          </a:p>
+          <a:p>
+            <a:r>
+              <a:rPr lang="en-US" sz="1300" dirty="0"/>
+              <a:t>Back up power  supplies for Arduino and filtering out noise </a:t>
             </a:r>
           </a:p>
         </p:txBody>
@@ -17305,6 +17872,4496 @@
 </p:sld>
 </file>
 
+<file path=ppt/slides/slide11.xml><?xml version="1.0" encoding="utf-8"?>
+<p:sld xmlns:a="http://schemas.openxmlformats.org/drawingml/2006/main" xmlns:r="http://schemas.openxmlformats.org/officeDocument/2006/relationships" xmlns:p="http://schemas.openxmlformats.org/presentationml/2006/main">
+  <p:cSld>
+    <p:bg>
+      <p:bgPr>
+        <a:solidFill>
+          <a:srgbClr val="3D85C6"/>
+        </a:solidFill>
+        <a:effectLst/>
+      </p:bgPr>
+    </p:bg>
+    <p:spTree>
+      <p:nvGrpSpPr>
+        <p:cNvPr id="1" name="Shape 276"/>
+        <p:cNvGrpSpPr/>
+        <p:nvPr/>
+      </p:nvGrpSpPr>
+      <p:grpSpPr>
+        <a:xfrm>
+          <a:off x="0" y="0"/>
+          <a:ext cx="0" cy="0"/>
+          <a:chOff x="0" y="0"/>
+          <a:chExt cx="0" cy="0"/>
+        </a:xfrm>
+      </p:grpSpPr>
+      <p:sp>
+        <p:nvSpPr>
+          <p:cNvPr id="278" name="Google Shape;278;p13"/>
+          <p:cNvSpPr/>
+          <p:nvPr/>
+        </p:nvSpPr>
+        <p:spPr>
+          <a:xfrm>
+            <a:off x="8883300" y="107404"/>
+            <a:ext cx="156300" cy="161400"/>
+          </a:xfrm>
+          <a:prstGeom prst="ellipse">
+            <a:avLst/>
+          </a:prstGeom>
+          <a:solidFill>
+            <a:schemeClr val="lt1"/>
+          </a:solidFill>
+          <a:ln w="19050" cap="flat" cmpd="sng">
+            <a:solidFill>
+              <a:srgbClr val="4177D8"/>
+            </a:solidFill>
+            <a:prstDash val="solid"/>
+            <a:round/>
+            <a:headEnd type="none" w="sm" len="sm"/>
+            <a:tailEnd type="none" w="sm" len="sm"/>
+          </a:ln>
+        </p:spPr>
+        <p:txBody>
+          <a:bodyPr spcFirstLastPara="1" wrap="square" lIns="91425" tIns="91425" rIns="91425" bIns="91425" anchor="ctr" anchorCtr="0">
+            <a:noAutofit/>
+          </a:bodyPr>
+          <a:lstStyle/>
+          <a:p>
+            <a:pPr marL="0" lvl="0" indent="0" algn="l" rtl="0">
+              <a:spcBef>
+                <a:spcPts val="0"/>
+              </a:spcBef>
+              <a:spcAft>
+                <a:spcPts val="0"/>
+              </a:spcAft>
+              <a:buNone/>
+            </a:pPr>
+            <a:endParaRPr/>
+          </a:p>
+        </p:txBody>
+      </p:sp>
+      <p:grpSp>
+        <p:nvGrpSpPr>
+          <p:cNvPr id="279" name="Google Shape;279;p13"/>
+          <p:cNvGrpSpPr/>
+          <p:nvPr/>
+        </p:nvGrpSpPr>
+        <p:grpSpPr>
+          <a:xfrm>
+            <a:off x="-11" y="4061975"/>
+            <a:ext cx="942579" cy="1081522"/>
+            <a:chOff x="6790514" y="1306"/>
+            <a:chExt cx="2267451" cy="2601690"/>
+          </a:xfrm>
+        </p:grpSpPr>
+        <p:grpSp>
+          <p:nvGrpSpPr>
+            <p:cNvPr id="280" name="Google Shape;280;p13"/>
+            <p:cNvGrpSpPr/>
+            <p:nvPr/>
+          </p:nvGrpSpPr>
+          <p:grpSpPr>
+            <a:xfrm>
+              <a:off x="7067465" y="1306"/>
+              <a:ext cx="1990500" cy="1990200"/>
+              <a:chOff x="7067465" y="1306"/>
+              <a:chExt cx="1990500" cy="1990200"/>
+            </a:xfrm>
+          </p:grpSpPr>
+          <p:sp>
+            <p:nvSpPr>
+              <p:cNvPr id="281" name="Google Shape;281;p13"/>
+              <p:cNvSpPr/>
+              <p:nvPr/>
+            </p:nvSpPr>
+            <p:spPr>
+              <a:xfrm rot="-8648551">
+                <a:off x="7594313" y="527721"/>
+                <a:ext cx="937226" cy="937226"/>
+              </a:xfrm>
+              <a:prstGeom prst="ellipse">
+                <a:avLst/>
+              </a:prstGeom>
+              <a:solidFill>
+                <a:schemeClr val="lt1">
+                  <a:alpha val="9020"/>
+                </a:schemeClr>
+              </a:solidFill>
+              <a:ln>
+                <a:noFill/>
+              </a:ln>
+            </p:spPr>
+            <p:txBody>
+              <a:bodyPr spcFirstLastPara="1" wrap="square" lIns="91425" tIns="91425" rIns="91425" bIns="91425" anchor="ctr" anchorCtr="0">
+                <a:noAutofit/>
+              </a:bodyPr>
+              <a:lstStyle/>
+              <a:p>
+                <a:pPr marL="0" lvl="0" indent="0" algn="l" rtl="0">
+                  <a:spcBef>
+                    <a:spcPts val="0"/>
+                  </a:spcBef>
+                  <a:spcAft>
+                    <a:spcPts val="0"/>
+                  </a:spcAft>
+                  <a:buNone/>
+                </a:pPr>
+                <a:endParaRPr/>
+              </a:p>
+            </p:txBody>
+          </p:sp>
+          <p:sp>
+            <p:nvSpPr>
+              <p:cNvPr id="282" name="Google Shape;282;p13"/>
+              <p:cNvSpPr/>
+              <p:nvPr/>
+            </p:nvSpPr>
+            <p:spPr>
+              <a:xfrm rot="-8648551">
+                <a:off x="7594313" y="527721"/>
+                <a:ext cx="937226" cy="937226"/>
+              </a:xfrm>
+              <a:prstGeom prst="pie">
+                <a:avLst>
+                  <a:gd name="adj1" fmla="val 19376841"/>
+                  <a:gd name="adj2" fmla="val 12313574"/>
+                </a:avLst>
+              </a:prstGeom>
+              <a:solidFill>
+                <a:schemeClr val="lt1">
+                  <a:alpha val="9020"/>
+                </a:schemeClr>
+              </a:solidFill>
+              <a:ln>
+                <a:noFill/>
+              </a:ln>
+            </p:spPr>
+            <p:txBody>
+              <a:bodyPr spcFirstLastPara="1" wrap="square" lIns="91425" tIns="91425" rIns="91425" bIns="91425" anchor="ctr" anchorCtr="0">
+                <a:noAutofit/>
+              </a:bodyPr>
+              <a:lstStyle/>
+              <a:p>
+                <a:pPr marL="0" lvl="0" indent="0" algn="l" rtl="0">
+                  <a:spcBef>
+                    <a:spcPts val="0"/>
+                  </a:spcBef>
+                  <a:spcAft>
+                    <a:spcPts val="0"/>
+                  </a:spcAft>
+                  <a:buNone/>
+                </a:pPr>
+                <a:endParaRPr/>
+              </a:p>
+            </p:txBody>
+          </p:sp>
+          <p:sp>
+            <p:nvSpPr>
+              <p:cNvPr id="283" name="Google Shape;283;p13"/>
+              <p:cNvSpPr/>
+              <p:nvPr/>
+            </p:nvSpPr>
+            <p:spPr>
+              <a:xfrm rot="-8649154">
+                <a:off x="7349891" y="283705"/>
+                <a:ext cx="1425647" cy="1425404"/>
+              </a:xfrm>
+              <a:prstGeom prst="ellipse">
+                <a:avLst/>
+              </a:prstGeom>
+              <a:solidFill>
+                <a:schemeClr val="lt1">
+                  <a:alpha val="9020"/>
+                </a:schemeClr>
+              </a:solidFill>
+              <a:ln>
+                <a:noFill/>
+              </a:ln>
+            </p:spPr>
+            <p:txBody>
+              <a:bodyPr spcFirstLastPara="1" wrap="square" lIns="91425" tIns="91425" rIns="91425" bIns="91425" anchor="ctr" anchorCtr="0">
+                <a:noAutofit/>
+              </a:bodyPr>
+              <a:lstStyle/>
+              <a:p>
+                <a:pPr marL="0" lvl="0" indent="0" algn="l" rtl="0">
+                  <a:spcBef>
+                    <a:spcPts val="0"/>
+                  </a:spcBef>
+                  <a:spcAft>
+                    <a:spcPts val="0"/>
+                  </a:spcAft>
+                  <a:buNone/>
+                </a:pPr>
+                <a:endParaRPr/>
+              </a:p>
+            </p:txBody>
+          </p:sp>
+        </p:grpSp>
+        <p:grpSp>
+          <p:nvGrpSpPr>
+            <p:cNvPr id="284" name="Google Shape;284;p13"/>
+            <p:cNvGrpSpPr/>
+            <p:nvPr/>
+          </p:nvGrpSpPr>
+          <p:grpSpPr>
+            <a:xfrm>
+              <a:off x="8207126" y="1807996"/>
+              <a:ext cx="795000" cy="795000"/>
+              <a:chOff x="8207126" y="1807996"/>
+              <a:chExt cx="795000" cy="795000"/>
+            </a:xfrm>
+          </p:grpSpPr>
+          <p:sp>
+            <p:nvSpPr>
+              <p:cNvPr id="285" name="Google Shape;285;p13"/>
+              <p:cNvSpPr/>
+              <p:nvPr/>
+            </p:nvSpPr>
+            <p:spPr>
+              <a:xfrm rot="2152054">
+                <a:off x="8319942" y="1920813"/>
+                <a:ext cx="569367" cy="569367"/>
+              </a:xfrm>
+              <a:prstGeom prst="ellipse">
+                <a:avLst/>
+              </a:prstGeom>
+              <a:solidFill>
+                <a:schemeClr val="lt1">
+                  <a:alpha val="9020"/>
+                </a:schemeClr>
+              </a:solidFill>
+              <a:ln>
+                <a:noFill/>
+              </a:ln>
+            </p:spPr>
+            <p:txBody>
+              <a:bodyPr spcFirstLastPara="1" wrap="square" lIns="91425" tIns="91425" rIns="91425" bIns="91425" anchor="ctr" anchorCtr="0">
+                <a:noAutofit/>
+              </a:bodyPr>
+              <a:lstStyle/>
+              <a:p>
+                <a:pPr marL="0" lvl="0" indent="0" algn="l" rtl="0">
+                  <a:spcBef>
+                    <a:spcPts val="0"/>
+                  </a:spcBef>
+                  <a:spcAft>
+                    <a:spcPts val="0"/>
+                  </a:spcAft>
+                  <a:buNone/>
+                </a:pPr>
+                <a:endParaRPr/>
+              </a:p>
+            </p:txBody>
+          </p:sp>
+          <p:sp>
+            <p:nvSpPr>
+              <p:cNvPr id="286" name="Google Shape;286;p13"/>
+              <p:cNvSpPr/>
+              <p:nvPr/>
+            </p:nvSpPr>
+            <p:spPr>
+              <a:xfrm rot="2150259">
+                <a:off x="8408218" y="2008610"/>
+                <a:ext cx="393004" cy="393004"/>
+              </a:xfrm>
+              <a:prstGeom prst="ellipse">
+                <a:avLst/>
+              </a:prstGeom>
+              <a:solidFill>
+                <a:schemeClr val="lt1">
+                  <a:alpha val="9020"/>
+                </a:schemeClr>
+              </a:solidFill>
+              <a:ln>
+                <a:noFill/>
+              </a:ln>
+            </p:spPr>
+            <p:txBody>
+              <a:bodyPr spcFirstLastPara="1" wrap="square" lIns="91425" tIns="91425" rIns="91425" bIns="91425" anchor="ctr" anchorCtr="0">
+                <a:noAutofit/>
+              </a:bodyPr>
+              <a:lstStyle/>
+              <a:p>
+                <a:pPr marL="0" lvl="0" indent="0" algn="l" rtl="0">
+                  <a:spcBef>
+                    <a:spcPts val="0"/>
+                  </a:spcBef>
+                  <a:spcAft>
+                    <a:spcPts val="0"/>
+                  </a:spcAft>
+                  <a:buNone/>
+                </a:pPr>
+                <a:endParaRPr/>
+              </a:p>
+            </p:txBody>
+          </p:sp>
+          <p:sp>
+            <p:nvSpPr>
+              <p:cNvPr id="287" name="Google Shape;287;p13"/>
+              <p:cNvSpPr/>
+              <p:nvPr/>
+            </p:nvSpPr>
+            <p:spPr>
+              <a:xfrm rot="2150259">
+                <a:off x="8408218" y="2008610"/>
+                <a:ext cx="393004" cy="393004"/>
+              </a:xfrm>
+              <a:prstGeom prst="pie">
+                <a:avLst>
+                  <a:gd name="adj1" fmla="val 5699893"/>
+                  <a:gd name="adj2" fmla="val 12313574"/>
+                </a:avLst>
+              </a:prstGeom>
+              <a:solidFill>
+                <a:schemeClr val="lt1">
+                  <a:alpha val="9020"/>
+                </a:schemeClr>
+              </a:solidFill>
+              <a:ln>
+                <a:noFill/>
+              </a:ln>
+            </p:spPr>
+            <p:txBody>
+              <a:bodyPr spcFirstLastPara="1" wrap="square" lIns="91425" tIns="91425" rIns="91425" bIns="91425" anchor="ctr" anchorCtr="0">
+                <a:noAutofit/>
+              </a:bodyPr>
+              <a:lstStyle/>
+              <a:p>
+                <a:pPr marL="0" lvl="0" indent="0" algn="l" rtl="0">
+                  <a:spcBef>
+                    <a:spcPts val="0"/>
+                  </a:spcBef>
+                  <a:spcAft>
+                    <a:spcPts val="0"/>
+                  </a:spcAft>
+                  <a:buNone/>
+                </a:pPr>
+                <a:endParaRPr/>
+              </a:p>
+            </p:txBody>
+          </p:sp>
+        </p:grpSp>
+        <p:grpSp>
+          <p:nvGrpSpPr>
+            <p:cNvPr id="288" name="Google Shape;288;p13"/>
+            <p:cNvGrpSpPr/>
+            <p:nvPr/>
+          </p:nvGrpSpPr>
+          <p:grpSpPr>
+            <a:xfrm>
+              <a:off x="6790514" y="118857"/>
+              <a:ext cx="548700" cy="548700"/>
+              <a:chOff x="6790514" y="118857"/>
+              <a:chExt cx="548700" cy="548700"/>
+            </a:xfrm>
+          </p:grpSpPr>
+          <p:sp>
+            <p:nvSpPr>
+              <p:cNvPr id="289" name="Google Shape;289;p13"/>
+              <p:cNvSpPr/>
+              <p:nvPr/>
+            </p:nvSpPr>
+            <p:spPr>
+              <a:xfrm rot="2150259">
+                <a:off x="6868362" y="196705"/>
+                <a:ext cx="393004" cy="393004"/>
+              </a:xfrm>
+              <a:prstGeom prst="ellipse">
+                <a:avLst/>
+              </a:prstGeom>
+              <a:solidFill>
+                <a:schemeClr val="lt1">
+                  <a:alpha val="9020"/>
+                </a:schemeClr>
+              </a:solidFill>
+              <a:ln>
+                <a:noFill/>
+              </a:ln>
+            </p:spPr>
+            <p:txBody>
+              <a:bodyPr spcFirstLastPara="1" wrap="square" lIns="91425" tIns="91425" rIns="91425" bIns="91425" anchor="ctr" anchorCtr="0">
+                <a:noAutofit/>
+              </a:bodyPr>
+              <a:lstStyle/>
+              <a:p>
+                <a:pPr marL="0" lvl="0" indent="0" algn="l" rtl="0">
+                  <a:spcBef>
+                    <a:spcPts val="0"/>
+                  </a:spcBef>
+                  <a:spcAft>
+                    <a:spcPts val="0"/>
+                  </a:spcAft>
+                  <a:buNone/>
+                </a:pPr>
+                <a:endParaRPr/>
+              </a:p>
+            </p:txBody>
+          </p:sp>
+          <p:sp>
+            <p:nvSpPr>
+              <p:cNvPr id="290" name="Google Shape;290;p13"/>
+              <p:cNvSpPr/>
+              <p:nvPr/>
+            </p:nvSpPr>
+            <p:spPr>
+              <a:xfrm rot="2150259">
+                <a:off x="6868362" y="196705"/>
+                <a:ext cx="393004" cy="393004"/>
+              </a:xfrm>
+              <a:prstGeom prst="pie">
+                <a:avLst>
+                  <a:gd name="adj1" fmla="val 5699893"/>
+                  <a:gd name="adj2" fmla="val 12313574"/>
+                </a:avLst>
+              </a:prstGeom>
+              <a:solidFill>
+                <a:schemeClr val="lt1">
+                  <a:alpha val="9020"/>
+                </a:schemeClr>
+              </a:solidFill>
+              <a:ln>
+                <a:noFill/>
+              </a:ln>
+            </p:spPr>
+            <p:txBody>
+              <a:bodyPr spcFirstLastPara="1" wrap="square" lIns="91425" tIns="91425" rIns="91425" bIns="91425" anchor="ctr" anchorCtr="0">
+                <a:noAutofit/>
+              </a:bodyPr>
+              <a:lstStyle/>
+              <a:p>
+                <a:pPr marL="0" lvl="0" indent="0" algn="l" rtl="0">
+                  <a:spcBef>
+                    <a:spcPts val="0"/>
+                  </a:spcBef>
+                  <a:spcAft>
+                    <a:spcPts val="0"/>
+                  </a:spcAft>
+                  <a:buNone/>
+                </a:pPr>
+                <a:endParaRPr/>
+              </a:p>
+            </p:txBody>
+          </p:sp>
+        </p:grpSp>
+      </p:grpSp>
+      <p:sp>
+        <p:nvSpPr>
+          <p:cNvPr id="4" name="Google Shape;277;p13">
+            <a:extLst>
+              <a:ext uri="{FF2B5EF4-FFF2-40B4-BE49-F238E27FC236}">
+                <a16:creationId xmlns:a16="http://schemas.microsoft.com/office/drawing/2014/main" id="{FDFD52D1-086F-EC21-A3E4-40E3E34EBE2C}"/>
+              </a:ext>
+            </a:extLst>
+          </p:cNvPr>
+          <p:cNvSpPr txBox="1">
+            <a:spLocks/>
+          </p:cNvSpPr>
+          <p:nvPr/>
+        </p:nvSpPr>
+        <p:spPr>
+          <a:xfrm>
+            <a:off x="754115" y="1494952"/>
+            <a:ext cx="3365212" cy="1320675"/>
+          </a:xfrm>
+          <a:prstGeom prst="rect">
+            <a:avLst/>
+          </a:prstGeom>
+          <a:solidFill>
+            <a:srgbClr val="4177D8"/>
+          </a:solidFill>
+          <a:ln w="19050" cap="flat" cmpd="sng">
+            <a:solidFill>
+              <a:srgbClr val="FFFFFF"/>
+            </a:solidFill>
+            <a:prstDash val="solid"/>
+            <a:round/>
+            <a:headEnd type="none" w="sm" len="sm"/>
+            <a:tailEnd type="none" w="sm" len="sm"/>
+          </a:ln>
+        </p:spPr>
+        <p:txBody>
+          <a:bodyPr spcFirstLastPara="1" wrap="square" lIns="91425" tIns="91425" rIns="91425" bIns="91425" anchor="ctr" anchorCtr="0">
+            <a:normAutofit/>
+          </a:bodyPr>
+          <a:lstStyle>
+            <a:defPPr marR="0" lvl="0" algn="l" rtl="0">
+              <a:lnSpc>
+                <a:spcPct val="100000"/>
+              </a:lnSpc>
+              <a:spcBef>
+                <a:spcPts val="0"/>
+              </a:spcBef>
+              <a:spcAft>
+                <a:spcPts val="0"/>
+              </a:spcAft>
+            </a:defPPr>
+            <a:lvl1pPr marR="0" lvl="0" algn="l" rtl="0">
+              <a:lnSpc>
+                <a:spcPct val="100000"/>
+              </a:lnSpc>
+              <a:spcBef>
+                <a:spcPts val="0"/>
+              </a:spcBef>
+              <a:spcAft>
+                <a:spcPts val="0"/>
+              </a:spcAft>
+              <a:buClr>
+                <a:schemeClr val="lt1"/>
+              </a:buClr>
+              <a:buSzPts val="3600"/>
+              <a:buFont typeface="Maven Pro"/>
+              <a:buNone/>
+              <a:defRPr sz="3600" b="1" i="0" u="none" strike="noStrike" cap="none">
+                <a:solidFill>
+                  <a:schemeClr val="lt1"/>
+                </a:solidFill>
+                <a:latin typeface="Maven Pro"/>
+                <a:ea typeface="Maven Pro"/>
+                <a:cs typeface="Maven Pro"/>
+                <a:sym typeface="Maven Pro"/>
+              </a:defRPr>
+            </a:lvl1pPr>
+            <a:lvl2pPr marR="0" lvl="1" algn="l" rtl="0">
+              <a:lnSpc>
+                <a:spcPct val="100000"/>
+              </a:lnSpc>
+              <a:spcBef>
+                <a:spcPts val="0"/>
+              </a:spcBef>
+              <a:spcAft>
+                <a:spcPts val="0"/>
+              </a:spcAft>
+              <a:buClr>
+                <a:schemeClr val="lt1"/>
+              </a:buClr>
+              <a:buSzPts val="3600"/>
+              <a:buFont typeface="Maven Pro"/>
+              <a:buNone/>
+              <a:defRPr sz="3600" b="1" i="0" u="none" strike="noStrike" cap="none">
+                <a:solidFill>
+                  <a:schemeClr val="lt1"/>
+                </a:solidFill>
+                <a:latin typeface="Maven Pro"/>
+                <a:ea typeface="Maven Pro"/>
+                <a:cs typeface="Maven Pro"/>
+                <a:sym typeface="Maven Pro"/>
+              </a:defRPr>
+            </a:lvl2pPr>
+            <a:lvl3pPr marR="0" lvl="2" algn="l" rtl="0">
+              <a:lnSpc>
+                <a:spcPct val="100000"/>
+              </a:lnSpc>
+              <a:spcBef>
+                <a:spcPts val="0"/>
+              </a:spcBef>
+              <a:spcAft>
+                <a:spcPts val="0"/>
+              </a:spcAft>
+              <a:buClr>
+                <a:schemeClr val="lt1"/>
+              </a:buClr>
+              <a:buSzPts val="3600"/>
+              <a:buFont typeface="Maven Pro"/>
+              <a:buNone/>
+              <a:defRPr sz="3600" b="1" i="0" u="none" strike="noStrike" cap="none">
+                <a:solidFill>
+                  <a:schemeClr val="lt1"/>
+                </a:solidFill>
+                <a:latin typeface="Maven Pro"/>
+                <a:ea typeface="Maven Pro"/>
+                <a:cs typeface="Maven Pro"/>
+                <a:sym typeface="Maven Pro"/>
+              </a:defRPr>
+            </a:lvl3pPr>
+            <a:lvl4pPr marR="0" lvl="3" algn="l" rtl="0">
+              <a:lnSpc>
+                <a:spcPct val="100000"/>
+              </a:lnSpc>
+              <a:spcBef>
+                <a:spcPts val="0"/>
+              </a:spcBef>
+              <a:spcAft>
+                <a:spcPts val="0"/>
+              </a:spcAft>
+              <a:buClr>
+                <a:schemeClr val="lt1"/>
+              </a:buClr>
+              <a:buSzPts val="3600"/>
+              <a:buFont typeface="Maven Pro"/>
+              <a:buNone/>
+              <a:defRPr sz="3600" b="1" i="0" u="none" strike="noStrike" cap="none">
+                <a:solidFill>
+                  <a:schemeClr val="lt1"/>
+                </a:solidFill>
+                <a:latin typeface="Maven Pro"/>
+                <a:ea typeface="Maven Pro"/>
+                <a:cs typeface="Maven Pro"/>
+                <a:sym typeface="Maven Pro"/>
+              </a:defRPr>
+            </a:lvl4pPr>
+            <a:lvl5pPr marR="0" lvl="4" algn="l" rtl="0">
+              <a:lnSpc>
+                <a:spcPct val="100000"/>
+              </a:lnSpc>
+              <a:spcBef>
+                <a:spcPts val="0"/>
+              </a:spcBef>
+              <a:spcAft>
+                <a:spcPts val="0"/>
+              </a:spcAft>
+              <a:buClr>
+                <a:schemeClr val="lt1"/>
+              </a:buClr>
+              <a:buSzPts val="3600"/>
+              <a:buFont typeface="Maven Pro"/>
+              <a:buNone/>
+              <a:defRPr sz="3600" b="1" i="0" u="none" strike="noStrike" cap="none">
+                <a:solidFill>
+                  <a:schemeClr val="lt1"/>
+                </a:solidFill>
+                <a:latin typeface="Maven Pro"/>
+                <a:ea typeface="Maven Pro"/>
+                <a:cs typeface="Maven Pro"/>
+                <a:sym typeface="Maven Pro"/>
+              </a:defRPr>
+            </a:lvl5pPr>
+            <a:lvl6pPr marR="0" lvl="5" algn="l" rtl="0">
+              <a:lnSpc>
+                <a:spcPct val="100000"/>
+              </a:lnSpc>
+              <a:spcBef>
+                <a:spcPts val="0"/>
+              </a:spcBef>
+              <a:spcAft>
+                <a:spcPts val="0"/>
+              </a:spcAft>
+              <a:buClr>
+                <a:schemeClr val="lt1"/>
+              </a:buClr>
+              <a:buSzPts val="3600"/>
+              <a:buFont typeface="Maven Pro"/>
+              <a:buNone/>
+              <a:defRPr sz="3600" b="1" i="0" u="none" strike="noStrike" cap="none">
+                <a:solidFill>
+                  <a:schemeClr val="lt1"/>
+                </a:solidFill>
+                <a:latin typeface="Maven Pro"/>
+                <a:ea typeface="Maven Pro"/>
+                <a:cs typeface="Maven Pro"/>
+                <a:sym typeface="Maven Pro"/>
+              </a:defRPr>
+            </a:lvl6pPr>
+            <a:lvl7pPr marR="0" lvl="6" algn="l" rtl="0">
+              <a:lnSpc>
+                <a:spcPct val="100000"/>
+              </a:lnSpc>
+              <a:spcBef>
+                <a:spcPts val="0"/>
+              </a:spcBef>
+              <a:spcAft>
+                <a:spcPts val="0"/>
+              </a:spcAft>
+              <a:buClr>
+                <a:schemeClr val="lt1"/>
+              </a:buClr>
+              <a:buSzPts val="3600"/>
+              <a:buFont typeface="Maven Pro"/>
+              <a:buNone/>
+              <a:defRPr sz="3600" b="1" i="0" u="none" strike="noStrike" cap="none">
+                <a:solidFill>
+                  <a:schemeClr val="lt1"/>
+                </a:solidFill>
+                <a:latin typeface="Maven Pro"/>
+                <a:ea typeface="Maven Pro"/>
+                <a:cs typeface="Maven Pro"/>
+                <a:sym typeface="Maven Pro"/>
+              </a:defRPr>
+            </a:lvl7pPr>
+            <a:lvl8pPr marR="0" lvl="7" algn="l" rtl="0">
+              <a:lnSpc>
+                <a:spcPct val="100000"/>
+              </a:lnSpc>
+              <a:spcBef>
+                <a:spcPts val="0"/>
+              </a:spcBef>
+              <a:spcAft>
+                <a:spcPts val="0"/>
+              </a:spcAft>
+              <a:buClr>
+                <a:schemeClr val="lt1"/>
+              </a:buClr>
+              <a:buSzPts val="3600"/>
+              <a:buFont typeface="Maven Pro"/>
+              <a:buNone/>
+              <a:defRPr sz="3600" b="1" i="0" u="none" strike="noStrike" cap="none">
+                <a:solidFill>
+                  <a:schemeClr val="lt1"/>
+                </a:solidFill>
+                <a:latin typeface="Maven Pro"/>
+                <a:ea typeface="Maven Pro"/>
+                <a:cs typeface="Maven Pro"/>
+                <a:sym typeface="Maven Pro"/>
+              </a:defRPr>
+            </a:lvl8pPr>
+            <a:lvl9pPr marR="0" lvl="8" algn="l" rtl="0">
+              <a:lnSpc>
+                <a:spcPct val="100000"/>
+              </a:lnSpc>
+              <a:spcBef>
+                <a:spcPts val="0"/>
+              </a:spcBef>
+              <a:spcAft>
+                <a:spcPts val="0"/>
+              </a:spcAft>
+              <a:buClr>
+                <a:schemeClr val="lt1"/>
+              </a:buClr>
+              <a:buSzPts val="3600"/>
+              <a:buFont typeface="Maven Pro"/>
+              <a:buNone/>
+              <a:defRPr sz="3600" b="1" i="0" u="none" strike="noStrike" cap="none">
+                <a:solidFill>
+                  <a:schemeClr val="lt1"/>
+                </a:solidFill>
+                <a:latin typeface="Maven Pro"/>
+                <a:ea typeface="Maven Pro"/>
+                <a:cs typeface="Maven Pro"/>
+                <a:sym typeface="Maven Pro"/>
+              </a:defRPr>
+            </a:lvl9pPr>
+          </a:lstStyle>
+          <a:p>
+            <a:r>
+              <a:rPr lang="en-US" sz="2800" dirty="0"/>
+              <a:t>Arduino modules</a:t>
+            </a:r>
+          </a:p>
+          <a:p>
+            <a:r>
+              <a:rPr lang="en-US" sz="1300" dirty="0"/>
+              <a:t>It is a ready-to-use board for enhancing the functionality of Arduino</a:t>
+            </a:r>
+          </a:p>
+        </p:txBody>
+      </p:sp>
+    </p:spTree>
+    <p:extLst>
+      <p:ext uri="{BB962C8B-B14F-4D97-AF65-F5344CB8AC3E}">
+        <p14:creationId xmlns:p14="http://schemas.microsoft.com/office/powerpoint/2010/main" val="1014216835"/>
+      </p:ext>
+    </p:extLst>
+  </p:cSld>
+  <p:clrMapOvr>
+    <a:masterClrMapping/>
+  </p:clrMapOvr>
+  <p:timing>
+    <p:tnLst>
+      <p:par>
+        <p:cTn id="1" dur="indefinite" restart="never" nodeType="tmRoot">
+          <p:childTnLst>
+            <p:seq concurrent="1" nextAc="seek">
+              <p:cTn id="2" dur="indefinite" nodeType="mainSeq">
+                <p:childTnLst>
+                  <p:par>
+                    <p:cTn id="3" fill="hold">
+                      <p:stCondLst>
+                        <p:cond delay="indefinite"/>
+                      </p:stCondLst>
+                      <p:childTnLst>
+                        <p:par>
+                          <p:cTn id="4" fill="hold">
+                            <p:stCondLst>
+                              <p:cond delay="0"/>
+                            </p:stCondLst>
+                            <p:childTnLst>
+                              <p:par>
+                                <p:cTn id="5" presetID="10" presetClass="entr" presetSubtype="0" fill="hold" nodeType="clickEffect">
+                                  <p:stCondLst>
+                                    <p:cond delay="0"/>
+                                  </p:stCondLst>
+                                  <p:childTnLst>
+                                    <p:set>
+                                      <p:cBhvr>
+                                        <p:cTn id="6" dur="1" fill="hold">
+                                          <p:stCondLst>
+                                            <p:cond delay="0"/>
+                                          </p:stCondLst>
+                                        </p:cTn>
+                                        <p:tgtEl>
+                                          <p:spTgt spid="4"/>
+                                        </p:tgtEl>
+                                        <p:attrNameLst>
+                                          <p:attrName>style.visibility</p:attrName>
+                                        </p:attrNameLst>
+                                      </p:cBhvr>
+                                      <p:to>
+                                        <p:strVal val="visible"/>
+                                      </p:to>
+                                    </p:set>
+                                    <p:animEffect transition="in" filter="fade">
+                                      <p:cBhvr>
+                                        <p:cTn id="7" dur="1000"/>
+                                        <p:tgtEl>
+                                          <p:spTgt spid="4"/>
+                                        </p:tgtEl>
+                                      </p:cBhvr>
+                                    </p:animEffect>
+                                  </p:childTnLst>
+                                </p:cTn>
+                              </p:par>
+                            </p:childTnLst>
+                          </p:cTn>
+                        </p:par>
+                      </p:childTnLst>
+                    </p:cTn>
+                  </p:par>
+                </p:childTnLst>
+              </p:cTn>
+              <p:prevCondLst>
+                <p:cond evt="onPrev" delay="0">
+                  <p:tgtEl>
+                    <p:sldTgt/>
+                  </p:tgtEl>
+                </p:cond>
+              </p:prevCondLst>
+              <p:nextCondLst>
+                <p:cond evt="onNext" delay="0">
+                  <p:tgtEl>
+                    <p:sldTgt/>
+                  </p:tgtEl>
+                </p:cond>
+              </p:nextCondLst>
+            </p:seq>
+          </p:childTnLst>
+        </p:cTn>
+      </p:par>
+    </p:tnLst>
+  </p:timing>
+</p:sld>
+</file>
+
+<file path=ppt/slides/slide12.xml><?xml version="1.0" encoding="utf-8"?>
+<p:sld xmlns:a="http://schemas.openxmlformats.org/drawingml/2006/main" xmlns:r="http://schemas.openxmlformats.org/officeDocument/2006/relationships" xmlns:p="http://schemas.openxmlformats.org/presentationml/2006/main">
+  <p:cSld>
+    <p:bg>
+      <p:bgPr>
+        <a:solidFill>
+          <a:srgbClr val="3D85C6"/>
+        </a:solidFill>
+        <a:effectLst/>
+      </p:bgPr>
+    </p:bg>
+    <p:spTree>
+      <p:nvGrpSpPr>
+        <p:cNvPr id="1" name="Shape 276"/>
+        <p:cNvGrpSpPr/>
+        <p:nvPr/>
+      </p:nvGrpSpPr>
+      <p:grpSpPr>
+        <a:xfrm>
+          <a:off x="0" y="0"/>
+          <a:ext cx="0" cy="0"/>
+          <a:chOff x="0" y="0"/>
+          <a:chExt cx="0" cy="0"/>
+        </a:xfrm>
+      </p:grpSpPr>
+      <p:sp>
+        <p:nvSpPr>
+          <p:cNvPr id="278" name="Google Shape;278;p13"/>
+          <p:cNvSpPr/>
+          <p:nvPr/>
+        </p:nvSpPr>
+        <p:spPr>
+          <a:xfrm>
+            <a:off x="8883300" y="107404"/>
+            <a:ext cx="156300" cy="161400"/>
+          </a:xfrm>
+          <a:prstGeom prst="ellipse">
+            <a:avLst/>
+          </a:prstGeom>
+          <a:solidFill>
+            <a:schemeClr val="lt1"/>
+          </a:solidFill>
+          <a:ln w="19050" cap="flat" cmpd="sng">
+            <a:solidFill>
+              <a:srgbClr val="4177D8"/>
+            </a:solidFill>
+            <a:prstDash val="solid"/>
+            <a:round/>
+            <a:headEnd type="none" w="sm" len="sm"/>
+            <a:tailEnd type="none" w="sm" len="sm"/>
+          </a:ln>
+        </p:spPr>
+        <p:txBody>
+          <a:bodyPr spcFirstLastPara="1" wrap="square" lIns="91425" tIns="91425" rIns="91425" bIns="91425" anchor="ctr" anchorCtr="0">
+            <a:noAutofit/>
+          </a:bodyPr>
+          <a:lstStyle/>
+          <a:p>
+            <a:pPr marL="0" lvl="0" indent="0" algn="l" rtl="0">
+              <a:spcBef>
+                <a:spcPts val="0"/>
+              </a:spcBef>
+              <a:spcAft>
+                <a:spcPts val="0"/>
+              </a:spcAft>
+              <a:buNone/>
+            </a:pPr>
+            <a:endParaRPr/>
+          </a:p>
+        </p:txBody>
+      </p:sp>
+      <p:grpSp>
+        <p:nvGrpSpPr>
+          <p:cNvPr id="279" name="Google Shape;279;p13"/>
+          <p:cNvGrpSpPr/>
+          <p:nvPr/>
+        </p:nvGrpSpPr>
+        <p:grpSpPr>
+          <a:xfrm>
+            <a:off x="-11" y="4061975"/>
+            <a:ext cx="942579" cy="1081522"/>
+            <a:chOff x="6790514" y="1306"/>
+            <a:chExt cx="2267451" cy="2601690"/>
+          </a:xfrm>
+        </p:grpSpPr>
+        <p:grpSp>
+          <p:nvGrpSpPr>
+            <p:cNvPr id="280" name="Google Shape;280;p13"/>
+            <p:cNvGrpSpPr/>
+            <p:nvPr/>
+          </p:nvGrpSpPr>
+          <p:grpSpPr>
+            <a:xfrm>
+              <a:off x="7067465" y="1306"/>
+              <a:ext cx="1990500" cy="1990200"/>
+              <a:chOff x="7067465" y="1306"/>
+              <a:chExt cx="1990500" cy="1990200"/>
+            </a:xfrm>
+          </p:grpSpPr>
+          <p:sp>
+            <p:nvSpPr>
+              <p:cNvPr id="281" name="Google Shape;281;p13"/>
+              <p:cNvSpPr/>
+              <p:nvPr/>
+            </p:nvSpPr>
+            <p:spPr>
+              <a:xfrm rot="-8648551">
+                <a:off x="7594313" y="527721"/>
+                <a:ext cx="937226" cy="937226"/>
+              </a:xfrm>
+              <a:prstGeom prst="ellipse">
+                <a:avLst/>
+              </a:prstGeom>
+              <a:solidFill>
+                <a:schemeClr val="lt1">
+                  <a:alpha val="9020"/>
+                </a:schemeClr>
+              </a:solidFill>
+              <a:ln>
+                <a:noFill/>
+              </a:ln>
+            </p:spPr>
+            <p:txBody>
+              <a:bodyPr spcFirstLastPara="1" wrap="square" lIns="91425" tIns="91425" rIns="91425" bIns="91425" anchor="ctr" anchorCtr="0">
+                <a:noAutofit/>
+              </a:bodyPr>
+              <a:lstStyle/>
+              <a:p>
+                <a:pPr marL="0" lvl="0" indent="0" algn="l" rtl="0">
+                  <a:spcBef>
+                    <a:spcPts val="0"/>
+                  </a:spcBef>
+                  <a:spcAft>
+                    <a:spcPts val="0"/>
+                  </a:spcAft>
+                  <a:buNone/>
+                </a:pPr>
+                <a:endParaRPr/>
+              </a:p>
+            </p:txBody>
+          </p:sp>
+          <p:sp>
+            <p:nvSpPr>
+              <p:cNvPr id="282" name="Google Shape;282;p13"/>
+              <p:cNvSpPr/>
+              <p:nvPr/>
+            </p:nvSpPr>
+            <p:spPr>
+              <a:xfrm rot="-8648551">
+                <a:off x="7594313" y="527721"/>
+                <a:ext cx="937226" cy="937226"/>
+              </a:xfrm>
+              <a:prstGeom prst="pie">
+                <a:avLst>
+                  <a:gd name="adj1" fmla="val 19376841"/>
+                  <a:gd name="adj2" fmla="val 12313574"/>
+                </a:avLst>
+              </a:prstGeom>
+              <a:solidFill>
+                <a:schemeClr val="lt1">
+                  <a:alpha val="9020"/>
+                </a:schemeClr>
+              </a:solidFill>
+              <a:ln>
+                <a:noFill/>
+              </a:ln>
+            </p:spPr>
+            <p:txBody>
+              <a:bodyPr spcFirstLastPara="1" wrap="square" lIns="91425" tIns="91425" rIns="91425" bIns="91425" anchor="ctr" anchorCtr="0">
+                <a:noAutofit/>
+              </a:bodyPr>
+              <a:lstStyle/>
+              <a:p>
+                <a:pPr marL="0" lvl="0" indent="0" algn="l" rtl="0">
+                  <a:spcBef>
+                    <a:spcPts val="0"/>
+                  </a:spcBef>
+                  <a:spcAft>
+                    <a:spcPts val="0"/>
+                  </a:spcAft>
+                  <a:buNone/>
+                </a:pPr>
+                <a:endParaRPr/>
+              </a:p>
+            </p:txBody>
+          </p:sp>
+          <p:sp>
+            <p:nvSpPr>
+              <p:cNvPr id="283" name="Google Shape;283;p13"/>
+              <p:cNvSpPr/>
+              <p:nvPr/>
+            </p:nvSpPr>
+            <p:spPr>
+              <a:xfrm rot="-8649154">
+                <a:off x="7349891" y="283705"/>
+                <a:ext cx="1425647" cy="1425404"/>
+              </a:xfrm>
+              <a:prstGeom prst="ellipse">
+                <a:avLst/>
+              </a:prstGeom>
+              <a:solidFill>
+                <a:schemeClr val="lt1">
+                  <a:alpha val="9020"/>
+                </a:schemeClr>
+              </a:solidFill>
+              <a:ln>
+                <a:noFill/>
+              </a:ln>
+            </p:spPr>
+            <p:txBody>
+              <a:bodyPr spcFirstLastPara="1" wrap="square" lIns="91425" tIns="91425" rIns="91425" bIns="91425" anchor="ctr" anchorCtr="0">
+                <a:noAutofit/>
+              </a:bodyPr>
+              <a:lstStyle/>
+              <a:p>
+                <a:pPr marL="0" lvl="0" indent="0" algn="l" rtl="0">
+                  <a:spcBef>
+                    <a:spcPts val="0"/>
+                  </a:spcBef>
+                  <a:spcAft>
+                    <a:spcPts val="0"/>
+                  </a:spcAft>
+                  <a:buNone/>
+                </a:pPr>
+                <a:endParaRPr/>
+              </a:p>
+            </p:txBody>
+          </p:sp>
+        </p:grpSp>
+        <p:grpSp>
+          <p:nvGrpSpPr>
+            <p:cNvPr id="284" name="Google Shape;284;p13"/>
+            <p:cNvGrpSpPr/>
+            <p:nvPr/>
+          </p:nvGrpSpPr>
+          <p:grpSpPr>
+            <a:xfrm>
+              <a:off x="8207126" y="1807996"/>
+              <a:ext cx="795000" cy="795000"/>
+              <a:chOff x="8207126" y="1807996"/>
+              <a:chExt cx="795000" cy="795000"/>
+            </a:xfrm>
+          </p:grpSpPr>
+          <p:sp>
+            <p:nvSpPr>
+              <p:cNvPr id="285" name="Google Shape;285;p13"/>
+              <p:cNvSpPr/>
+              <p:nvPr/>
+            </p:nvSpPr>
+            <p:spPr>
+              <a:xfrm rot="2152054">
+                <a:off x="8319942" y="1920813"/>
+                <a:ext cx="569367" cy="569367"/>
+              </a:xfrm>
+              <a:prstGeom prst="ellipse">
+                <a:avLst/>
+              </a:prstGeom>
+              <a:solidFill>
+                <a:schemeClr val="lt1">
+                  <a:alpha val="9020"/>
+                </a:schemeClr>
+              </a:solidFill>
+              <a:ln>
+                <a:noFill/>
+              </a:ln>
+            </p:spPr>
+            <p:txBody>
+              <a:bodyPr spcFirstLastPara="1" wrap="square" lIns="91425" tIns="91425" rIns="91425" bIns="91425" anchor="ctr" anchorCtr="0">
+                <a:noAutofit/>
+              </a:bodyPr>
+              <a:lstStyle/>
+              <a:p>
+                <a:pPr marL="0" lvl="0" indent="0" algn="l" rtl="0">
+                  <a:spcBef>
+                    <a:spcPts val="0"/>
+                  </a:spcBef>
+                  <a:spcAft>
+                    <a:spcPts val="0"/>
+                  </a:spcAft>
+                  <a:buNone/>
+                </a:pPr>
+                <a:endParaRPr/>
+              </a:p>
+            </p:txBody>
+          </p:sp>
+          <p:sp>
+            <p:nvSpPr>
+              <p:cNvPr id="286" name="Google Shape;286;p13"/>
+              <p:cNvSpPr/>
+              <p:nvPr/>
+            </p:nvSpPr>
+            <p:spPr>
+              <a:xfrm rot="2150259">
+                <a:off x="8408218" y="2008610"/>
+                <a:ext cx="393004" cy="393004"/>
+              </a:xfrm>
+              <a:prstGeom prst="ellipse">
+                <a:avLst/>
+              </a:prstGeom>
+              <a:solidFill>
+                <a:schemeClr val="lt1">
+                  <a:alpha val="9020"/>
+                </a:schemeClr>
+              </a:solidFill>
+              <a:ln>
+                <a:noFill/>
+              </a:ln>
+            </p:spPr>
+            <p:txBody>
+              <a:bodyPr spcFirstLastPara="1" wrap="square" lIns="91425" tIns="91425" rIns="91425" bIns="91425" anchor="ctr" anchorCtr="0">
+                <a:noAutofit/>
+              </a:bodyPr>
+              <a:lstStyle/>
+              <a:p>
+                <a:pPr marL="0" lvl="0" indent="0" algn="l" rtl="0">
+                  <a:spcBef>
+                    <a:spcPts val="0"/>
+                  </a:spcBef>
+                  <a:spcAft>
+                    <a:spcPts val="0"/>
+                  </a:spcAft>
+                  <a:buNone/>
+                </a:pPr>
+                <a:endParaRPr/>
+              </a:p>
+            </p:txBody>
+          </p:sp>
+          <p:sp>
+            <p:nvSpPr>
+              <p:cNvPr id="287" name="Google Shape;287;p13"/>
+              <p:cNvSpPr/>
+              <p:nvPr/>
+            </p:nvSpPr>
+            <p:spPr>
+              <a:xfrm rot="2150259">
+                <a:off x="8408218" y="2008610"/>
+                <a:ext cx="393004" cy="393004"/>
+              </a:xfrm>
+              <a:prstGeom prst="pie">
+                <a:avLst>
+                  <a:gd name="adj1" fmla="val 5699893"/>
+                  <a:gd name="adj2" fmla="val 12313574"/>
+                </a:avLst>
+              </a:prstGeom>
+              <a:solidFill>
+                <a:schemeClr val="lt1">
+                  <a:alpha val="9020"/>
+                </a:schemeClr>
+              </a:solidFill>
+              <a:ln>
+                <a:noFill/>
+              </a:ln>
+            </p:spPr>
+            <p:txBody>
+              <a:bodyPr spcFirstLastPara="1" wrap="square" lIns="91425" tIns="91425" rIns="91425" bIns="91425" anchor="ctr" anchorCtr="0">
+                <a:noAutofit/>
+              </a:bodyPr>
+              <a:lstStyle/>
+              <a:p>
+                <a:pPr marL="0" lvl="0" indent="0" algn="l" rtl="0">
+                  <a:spcBef>
+                    <a:spcPts val="0"/>
+                  </a:spcBef>
+                  <a:spcAft>
+                    <a:spcPts val="0"/>
+                  </a:spcAft>
+                  <a:buNone/>
+                </a:pPr>
+                <a:endParaRPr/>
+              </a:p>
+            </p:txBody>
+          </p:sp>
+        </p:grpSp>
+        <p:grpSp>
+          <p:nvGrpSpPr>
+            <p:cNvPr id="288" name="Google Shape;288;p13"/>
+            <p:cNvGrpSpPr/>
+            <p:nvPr/>
+          </p:nvGrpSpPr>
+          <p:grpSpPr>
+            <a:xfrm>
+              <a:off x="6790514" y="118857"/>
+              <a:ext cx="548700" cy="548700"/>
+              <a:chOff x="6790514" y="118857"/>
+              <a:chExt cx="548700" cy="548700"/>
+            </a:xfrm>
+          </p:grpSpPr>
+          <p:sp>
+            <p:nvSpPr>
+              <p:cNvPr id="289" name="Google Shape;289;p13"/>
+              <p:cNvSpPr/>
+              <p:nvPr/>
+            </p:nvSpPr>
+            <p:spPr>
+              <a:xfrm rot="2150259">
+                <a:off x="6868362" y="196705"/>
+                <a:ext cx="393004" cy="393004"/>
+              </a:xfrm>
+              <a:prstGeom prst="ellipse">
+                <a:avLst/>
+              </a:prstGeom>
+              <a:solidFill>
+                <a:schemeClr val="lt1">
+                  <a:alpha val="9020"/>
+                </a:schemeClr>
+              </a:solidFill>
+              <a:ln>
+                <a:noFill/>
+              </a:ln>
+            </p:spPr>
+            <p:txBody>
+              <a:bodyPr spcFirstLastPara="1" wrap="square" lIns="91425" tIns="91425" rIns="91425" bIns="91425" anchor="ctr" anchorCtr="0">
+                <a:noAutofit/>
+              </a:bodyPr>
+              <a:lstStyle/>
+              <a:p>
+                <a:pPr marL="0" lvl="0" indent="0" algn="l" rtl="0">
+                  <a:spcBef>
+                    <a:spcPts val="0"/>
+                  </a:spcBef>
+                  <a:spcAft>
+                    <a:spcPts val="0"/>
+                  </a:spcAft>
+                  <a:buNone/>
+                </a:pPr>
+                <a:endParaRPr/>
+              </a:p>
+            </p:txBody>
+          </p:sp>
+          <p:sp>
+            <p:nvSpPr>
+              <p:cNvPr id="290" name="Google Shape;290;p13"/>
+              <p:cNvSpPr/>
+              <p:nvPr/>
+            </p:nvSpPr>
+            <p:spPr>
+              <a:xfrm rot="2150259">
+                <a:off x="6868362" y="196705"/>
+                <a:ext cx="393004" cy="393004"/>
+              </a:xfrm>
+              <a:prstGeom prst="pie">
+                <a:avLst>
+                  <a:gd name="adj1" fmla="val 5699893"/>
+                  <a:gd name="adj2" fmla="val 12313574"/>
+                </a:avLst>
+              </a:prstGeom>
+              <a:solidFill>
+                <a:schemeClr val="lt1">
+                  <a:alpha val="9020"/>
+                </a:schemeClr>
+              </a:solidFill>
+              <a:ln>
+                <a:noFill/>
+              </a:ln>
+            </p:spPr>
+            <p:txBody>
+              <a:bodyPr spcFirstLastPara="1" wrap="square" lIns="91425" tIns="91425" rIns="91425" bIns="91425" anchor="ctr" anchorCtr="0">
+                <a:noAutofit/>
+              </a:bodyPr>
+              <a:lstStyle/>
+              <a:p>
+                <a:pPr marL="0" lvl="0" indent="0" algn="l" rtl="0">
+                  <a:spcBef>
+                    <a:spcPts val="0"/>
+                  </a:spcBef>
+                  <a:spcAft>
+                    <a:spcPts val="0"/>
+                  </a:spcAft>
+                  <a:buNone/>
+                </a:pPr>
+                <a:endParaRPr/>
+              </a:p>
+            </p:txBody>
+          </p:sp>
+        </p:grpSp>
+      </p:grpSp>
+      <p:sp>
+        <p:nvSpPr>
+          <p:cNvPr id="4" name="Google Shape;277;p13">
+            <a:extLst>
+              <a:ext uri="{FF2B5EF4-FFF2-40B4-BE49-F238E27FC236}">
+                <a16:creationId xmlns:a16="http://schemas.microsoft.com/office/drawing/2014/main" id="{FDFD52D1-086F-EC21-A3E4-40E3E34EBE2C}"/>
+              </a:ext>
+            </a:extLst>
+          </p:cNvPr>
+          <p:cNvSpPr txBox="1">
+            <a:spLocks/>
+          </p:cNvSpPr>
+          <p:nvPr/>
+        </p:nvSpPr>
+        <p:spPr>
+          <a:xfrm>
+            <a:off x="588874" y="1639808"/>
+            <a:ext cx="3365212" cy="1320675"/>
+          </a:xfrm>
+          <a:prstGeom prst="rect">
+            <a:avLst/>
+          </a:prstGeom>
+          <a:solidFill>
+            <a:srgbClr val="4177D8"/>
+          </a:solidFill>
+          <a:ln w="19050" cap="flat" cmpd="sng">
+            <a:solidFill>
+              <a:srgbClr val="FFFFFF"/>
+            </a:solidFill>
+            <a:prstDash val="solid"/>
+            <a:round/>
+            <a:headEnd type="none" w="sm" len="sm"/>
+            <a:tailEnd type="none" w="sm" len="sm"/>
+          </a:ln>
+        </p:spPr>
+        <p:txBody>
+          <a:bodyPr spcFirstLastPara="1" wrap="square" lIns="91425" tIns="91425" rIns="91425" bIns="91425" anchor="ctr" anchorCtr="0">
+            <a:normAutofit fontScale="92500" lnSpcReduction="20000"/>
+          </a:bodyPr>
+          <a:lstStyle>
+            <a:defPPr marR="0" lvl="0" algn="l" rtl="0">
+              <a:lnSpc>
+                <a:spcPct val="100000"/>
+              </a:lnSpc>
+              <a:spcBef>
+                <a:spcPts val="0"/>
+              </a:spcBef>
+              <a:spcAft>
+                <a:spcPts val="0"/>
+              </a:spcAft>
+            </a:defPPr>
+            <a:lvl1pPr marR="0" lvl="0" algn="l" rtl="0">
+              <a:lnSpc>
+                <a:spcPct val="100000"/>
+              </a:lnSpc>
+              <a:spcBef>
+                <a:spcPts val="0"/>
+              </a:spcBef>
+              <a:spcAft>
+                <a:spcPts val="0"/>
+              </a:spcAft>
+              <a:buClr>
+                <a:schemeClr val="lt1"/>
+              </a:buClr>
+              <a:buSzPts val="3600"/>
+              <a:buFont typeface="Maven Pro"/>
+              <a:buNone/>
+              <a:defRPr sz="3600" b="1" i="0" u="none" strike="noStrike" cap="none">
+                <a:solidFill>
+                  <a:schemeClr val="lt1"/>
+                </a:solidFill>
+                <a:latin typeface="Maven Pro"/>
+                <a:ea typeface="Maven Pro"/>
+                <a:cs typeface="Maven Pro"/>
+                <a:sym typeface="Maven Pro"/>
+              </a:defRPr>
+            </a:lvl1pPr>
+            <a:lvl2pPr marR="0" lvl="1" algn="l" rtl="0">
+              <a:lnSpc>
+                <a:spcPct val="100000"/>
+              </a:lnSpc>
+              <a:spcBef>
+                <a:spcPts val="0"/>
+              </a:spcBef>
+              <a:spcAft>
+                <a:spcPts val="0"/>
+              </a:spcAft>
+              <a:buClr>
+                <a:schemeClr val="lt1"/>
+              </a:buClr>
+              <a:buSzPts val="3600"/>
+              <a:buFont typeface="Maven Pro"/>
+              <a:buNone/>
+              <a:defRPr sz="3600" b="1" i="0" u="none" strike="noStrike" cap="none">
+                <a:solidFill>
+                  <a:schemeClr val="lt1"/>
+                </a:solidFill>
+                <a:latin typeface="Maven Pro"/>
+                <a:ea typeface="Maven Pro"/>
+                <a:cs typeface="Maven Pro"/>
+                <a:sym typeface="Maven Pro"/>
+              </a:defRPr>
+            </a:lvl2pPr>
+            <a:lvl3pPr marR="0" lvl="2" algn="l" rtl="0">
+              <a:lnSpc>
+                <a:spcPct val="100000"/>
+              </a:lnSpc>
+              <a:spcBef>
+                <a:spcPts val="0"/>
+              </a:spcBef>
+              <a:spcAft>
+                <a:spcPts val="0"/>
+              </a:spcAft>
+              <a:buClr>
+                <a:schemeClr val="lt1"/>
+              </a:buClr>
+              <a:buSzPts val="3600"/>
+              <a:buFont typeface="Maven Pro"/>
+              <a:buNone/>
+              <a:defRPr sz="3600" b="1" i="0" u="none" strike="noStrike" cap="none">
+                <a:solidFill>
+                  <a:schemeClr val="lt1"/>
+                </a:solidFill>
+                <a:latin typeface="Maven Pro"/>
+                <a:ea typeface="Maven Pro"/>
+                <a:cs typeface="Maven Pro"/>
+                <a:sym typeface="Maven Pro"/>
+              </a:defRPr>
+            </a:lvl3pPr>
+            <a:lvl4pPr marR="0" lvl="3" algn="l" rtl="0">
+              <a:lnSpc>
+                <a:spcPct val="100000"/>
+              </a:lnSpc>
+              <a:spcBef>
+                <a:spcPts val="0"/>
+              </a:spcBef>
+              <a:spcAft>
+                <a:spcPts val="0"/>
+              </a:spcAft>
+              <a:buClr>
+                <a:schemeClr val="lt1"/>
+              </a:buClr>
+              <a:buSzPts val="3600"/>
+              <a:buFont typeface="Maven Pro"/>
+              <a:buNone/>
+              <a:defRPr sz="3600" b="1" i="0" u="none" strike="noStrike" cap="none">
+                <a:solidFill>
+                  <a:schemeClr val="lt1"/>
+                </a:solidFill>
+                <a:latin typeface="Maven Pro"/>
+                <a:ea typeface="Maven Pro"/>
+                <a:cs typeface="Maven Pro"/>
+                <a:sym typeface="Maven Pro"/>
+              </a:defRPr>
+            </a:lvl4pPr>
+            <a:lvl5pPr marR="0" lvl="4" algn="l" rtl="0">
+              <a:lnSpc>
+                <a:spcPct val="100000"/>
+              </a:lnSpc>
+              <a:spcBef>
+                <a:spcPts val="0"/>
+              </a:spcBef>
+              <a:spcAft>
+                <a:spcPts val="0"/>
+              </a:spcAft>
+              <a:buClr>
+                <a:schemeClr val="lt1"/>
+              </a:buClr>
+              <a:buSzPts val="3600"/>
+              <a:buFont typeface="Maven Pro"/>
+              <a:buNone/>
+              <a:defRPr sz="3600" b="1" i="0" u="none" strike="noStrike" cap="none">
+                <a:solidFill>
+                  <a:schemeClr val="lt1"/>
+                </a:solidFill>
+                <a:latin typeface="Maven Pro"/>
+                <a:ea typeface="Maven Pro"/>
+                <a:cs typeface="Maven Pro"/>
+                <a:sym typeface="Maven Pro"/>
+              </a:defRPr>
+            </a:lvl5pPr>
+            <a:lvl6pPr marR="0" lvl="5" algn="l" rtl="0">
+              <a:lnSpc>
+                <a:spcPct val="100000"/>
+              </a:lnSpc>
+              <a:spcBef>
+                <a:spcPts val="0"/>
+              </a:spcBef>
+              <a:spcAft>
+                <a:spcPts val="0"/>
+              </a:spcAft>
+              <a:buClr>
+                <a:schemeClr val="lt1"/>
+              </a:buClr>
+              <a:buSzPts val="3600"/>
+              <a:buFont typeface="Maven Pro"/>
+              <a:buNone/>
+              <a:defRPr sz="3600" b="1" i="0" u="none" strike="noStrike" cap="none">
+                <a:solidFill>
+                  <a:schemeClr val="lt1"/>
+                </a:solidFill>
+                <a:latin typeface="Maven Pro"/>
+                <a:ea typeface="Maven Pro"/>
+                <a:cs typeface="Maven Pro"/>
+                <a:sym typeface="Maven Pro"/>
+              </a:defRPr>
+            </a:lvl6pPr>
+            <a:lvl7pPr marR="0" lvl="6" algn="l" rtl="0">
+              <a:lnSpc>
+                <a:spcPct val="100000"/>
+              </a:lnSpc>
+              <a:spcBef>
+                <a:spcPts val="0"/>
+              </a:spcBef>
+              <a:spcAft>
+                <a:spcPts val="0"/>
+              </a:spcAft>
+              <a:buClr>
+                <a:schemeClr val="lt1"/>
+              </a:buClr>
+              <a:buSzPts val="3600"/>
+              <a:buFont typeface="Maven Pro"/>
+              <a:buNone/>
+              <a:defRPr sz="3600" b="1" i="0" u="none" strike="noStrike" cap="none">
+                <a:solidFill>
+                  <a:schemeClr val="lt1"/>
+                </a:solidFill>
+                <a:latin typeface="Maven Pro"/>
+                <a:ea typeface="Maven Pro"/>
+                <a:cs typeface="Maven Pro"/>
+                <a:sym typeface="Maven Pro"/>
+              </a:defRPr>
+            </a:lvl7pPr>
+            <a:lvl8pPr marR="0" lvl="7" algn="l" rtl="0">
+              <a:lnSpc>
+                <a:spcPct val="100000"/>
+              </a:lnSpc>
+              <a:spcBef>
+                <a:spcPts val="0"/>
+              </a:spcBef>
+              <a:spcAft>
+                <a:spcPts val="0"/>
+              </a:spcAft>
+              <a:buClr>
+                <a:schemeClr val="lt1"/>
+              </a:buClr>
+              <a:buSzPts val="3600"/>
+              <a:buFont typeface="Maven Pro"/>
+              <a:buNone/>
+              <a:defRPr sz="3600" b="1" i="0" u="none" strike="noStrike" cap="none">
+                <a:solidFill>
+                  <a:schemeClr val="lt1"/>
+                </a:solidFill>
+                <a:latin typeface="Maven Pro"/>
+                <a:ea typeface="Maven Pro"/>
+                <a:cs typeface="Maven Pro"/>
+                <a:sym typeface="Maven Pro"/>
+              </a:defRPr>
+            </a:lvl8pPr>
+            <a:lvl9pPr marR="0" lvl="8" algn="l" rtl="0">
+              <a:lnSpc>
+                <a:spcPct val="100000"/>
+              </a:lnSpc>
+              <a:spcBef>
+                <a:spcPts val="0"/>
+              </a:spcBef>
+              <a:spcAft>
+                <a:spcPts val="0"/>
+              </a:spcAft>
+              <a:buClr>
+                <a:schemeClr val="lt1"/>
+              </a:buClr>
+              <a:buSzPts val="3600"/>
+              <a:buFont typeface="Maven Pro"/>
+              <a:buNone/>
+              <a:defRPr sz="3600" b="1" i="0" u="none" strike="noStrike" cap="none">
+                <a:solidFill>
+                  <a:schemeClr val="lt1"/>
+                </a:solidFill>
+                <a:latin typeface="Maven Pro"/>
+                <a:ea typeface="Maven Pro"/>
+                <a:cs typeface="Maven Pro"/>
+                <a:sym typeface="Maven Pro"/>
+              </a:defRPr>
+            </a:lvl9pPr>
+          </a:lstStyle>
+          <a:p>
+            <a:endParaRPr lang="en-US" sz="2800" dirty="0"/>
+          </a:p>
+          <a:p>
+            <a:r>
+              <a:rPr lang="en-US" sz="2800" dirty="0"/>
+              <a:t>ESP8266 WIFI Module</a:t>
+            </a:r>
+          </a:p>
+          <a:p>
+            <a:r>
+              <a:rPr lang="en-US" sz="1300" dirty="0"/>
+              <a:t>Add WIFI connectivity feature on Arduino </a:t>
+            </a:r>
+          </a:p>
+          <a:p>
+            <a:endParaRPr lang="en-US" sz="2800" dirty="0"/>
+          </a:p>
+        </p:txBody>
+      </p:sp>
+      <p:pic>
+        <p:nvPicPr>
+          <p:cNvPr id="2" name="Picture 1">
+            <a:extLst>
+              <a:ext uri="{FF2B5EF4-FFF2-40B4-BE49-F238E27FC236}">
+                <a16:creationId xmlns:a16="http://schemas.microsoft.com/office/drawing/2014/main" id="{AAFD389B-AB12-EFAD-6243-2D201342B353}"/>
+              </a:ext>
+            </a:extLst>
+          </p:cNvPr>
+          <p:cNvPicPr>
+            <a:picLocks noChangeAspect="1"/>
+          </p:cNvPicPr>
+          <p:nvPr/>
+        </p:nvPicPr>
+        <p:blipFill>
+          <a:blip r:embed="rId3"/>
+          <a:stretch>
+            <a:fillRect/>
+          </a:stretch>
+        </p:blipFill>
+        <p:spPr>
+          <a:xfrm>
+            <a:off x="4985242" y="1018395"/>
+            <a:ext cx="2221315" cy="1942088"/>
+          </a:xfrm>
+          <a:prstGeom prst="rect">
+            <a:avLst/>
+          </a:prstGeom>
+        </p:spPr>
+      </p:pic>
+    </p:spTree>
+    <p:extLst>
+      <p:ext uri="{BB962C8B-B14F-4D97-AF65-F5344CB8AC3E}">
+        <p14:creationId xmlns:p14="http://schemas.microsoft.com/office/powerpoint/2010/main" val="1054585104"/>
+      </p:ext>
+    </p:extLst>
+  </p:cSld>
+  <p:clrMapOvr>
+    <a:masterClrMapping/>
+  </p:clrMapOvr>
+  <p:timing>
+    <p:tnLst>
+      <p:par>
+        <p:cTn id="1" dur="indefinite" restart="never" nodeType="tmRoot">
+          <p:childTnLst>
+            <p:seq concurrent="1" nextAc="seek">
+              <p:cTn id="2" dur="indefinite" nodeType="mainSeq">
+                <p:childTnLst>
+                  <p:par>
+                    <p:cTn id="3" fill="hold">
+                      <p:stCondLst>
+                        <p:cond delay="indefinite"/>
+                      </p:stCondLst>
+                      <p:childTnLst>
+                        <p:par>
+                          <p:cTn id="4" fill="hold">
+                            <p:stCondLst>
+                              <p:cond delay="0"/>
+                            </p:stCondLst>
+                            <p:childTnLst>
+                              <p:par>
+                                <p:cTn id="5" presetID="10" presetClass="entr" presetSubtype="0" fill="hold" nodeType="clickEffect">
+                                  <p:stCondLst>
+                                    <p:cond delay="0"/>
+                                  </p:stCondLst>
+                                  <p:childTnLst>
+                                    <p:set>
+                                      <p:cBhvr>
+                                        <p:cTn id="6" dur="1" fill="hold">
+                                          <p:stCondLst>
+                                            <p:cond delay="0"/>
+                                          </p:stCondLst>
+                                        </p:cTn>
+                                        <p:tgtEl>
+                                          <p:spTgt spid="4"/>
+                                        </p:tgtEl>
+                                        <p:attrNameLst>
+                                          <p:attrName>style.visibility</p:attrName>
+                                        </p:attrNameLst>
+                                      </p:cBhvr>
+                                      <p:to>
+                                        <p:strVal val="visible"/>
+                                      </p:to>
+                                    </p:set>
+                                    <p:animEffect transition="in" filter="fade">
+                                      <p:cBhvr>
+                                        <p:cTn id="7" dur="1000"/>
+                                        <p:tgtEl>
+                                          <p:spTgt spid="4"/>
+                                        </p:tgtEl>
+                                      </p:cBhvr>
+                                    </p:animEffect>
+                                  </p:childTnLst>
+                                </p:cTn>
+                              </p:par>
+                            </p:childTnLst>
+                          </p:cTn>
+                        </p:par>
+                      </p:childTnLst>
+                    </p:cTn>
+                  </p:par>
+                </p:childTnLst>
+              </p:cTn>
+              <p:prevCondLst>
+                <p:cond evt="onPrev" delay="0">
+                  <p:tgtEl>
+                    <p:sldTgt/>
+                  </p:tgtEl>
+                </p:cond>
+              </p:prevCondLst>
+              <p:nextCondLst>
+                <p:cond evt="onNext" delay="0">
+                  <p:tgtEl>
+                    <p:sldTgt/>
+                  </p:tgtEl>
+                </p:cond>
+              </p:nextCondLst>
+            </p:seq>
+          </p:childTnLst>
+        </p:cTn>
+      </p:par>
+    </p:tnLst>
+  </p:timing>
+</p:sld>
+</file>
+
+<file path=ppt/slides/slide13.xml><?xml version="1.0" encoding="utf-8"?>
+<p:sld xmlns:a="http://schemas.openxmlformats.org/drawingml/2006/main" xmlns:r="http://schemas.openxmlformats.org/officeDocument/2006/relationships" xmlns:p="http://schemas.openxmlformats.org/presentationml/2006/main">
+  <p:cSld>
+    <p:bg>
+      <p:bgPr>
+        <a:solidFill>
+          <a:srgbClr val="3D85C6"/>
+        </a:solidFill>
+        <a:effectLst/>
+      </p:bgPr>
+    </p:bg>
+    <p:spTree>
+      <p:nvGrpSpPr>
+        <p:cNvPr id="1" name="Shape 276"/>
+        <p:cNvGrpSpPr/>
+        <p:nvPr/>
+      </p:nvGrpSpPr>
+      <p:grpSpPr>
+        <a:xfrm>
+          <a:off x="0" y="0"/>
+          <a:ext cx="0" cy="0"/>
+          <a:chOff x="0" y="0"/>
+          <a:chExt cx="0" cy="0"/>
+        </a:xfrm>
+      </p:grpSpPr>
+      <p:sp>
+        <p:nvSpPr>
+          <p:cNvPr id="278" name="Google Shape;278;p13"/>
+          <p:cNvSpPr/>
+          <p:nvPr/>
+        </p:nvSpPr>
+        <p:spPr>
+          <a:xfrm>
+            <a:off x="8883300" y="107404"/>
+            <a:ext cx="156300" cy="161400"/>
+          </a:xfrm>
+          <a:prstGeom prst="ellipse">
+            <a:avLst/>
+          </a:prstGeom>
+          <a:solidFill>
+            <a:schemeClr val="lt1"/>
+          </a:solidFill>
+          <a:ln w="19050" cap="flat" cmpd="sng">
+            <a:solidFill>
+              <a:srgbClr val="4177D8"/>
+            </a:solidFill>
+            <a:prstDash val="solid"/>
+            <a:round/>
+            <a:headEnd type="none" w="sm" len="sm"/>
+            <a:tailEnd type="none" w="sm" len="sm"/>
+          </a:ln>
+        </p:spPr>
+        <p:txBody>
+          <a:bodyPr spcFirstLastPara="1" wrap="square" lIns="91425" tIns="91425" rIns="91425" bIns="91425" anchor="ctr" anchorCtr="0">
+            <a:noAutofit/>
+          </a:bodyPr>
+          <a:lstStyle/>
+          <a:p>
+            <a:pPr marL="0" lvl="0" indent="0" algn="l" rtl="0">
+              <a:spcBef>
+                <a:spcPts val="0"/>
+              </a:spcBef>
+              <a:spcAft>
+                <a:spcPts val="0"/>
+              </a:spcAft>
+              <a:buNone/>
+            </a:pPr>
+            <a:endParaRPr/>
+          </a:p>
+        </p:txBody>
+      </p:sp>
+      <p:grpSp>
+        <p:nvGrpSpPr>
+          <p:cNvPr id="279" name="Google Shape;279;p13"/>
+          <p:cNvGrpSpPr/>
+          <p:nvPr/>
+        </p:nvGrpSpPr>
+        <p:grpSpPr>
+          <a:xfrm>
+            <a:off x="-11" y="4061975"/>
+            <a:ext cx="942579" cy="1081522"/>
+            <a:chOff x="6790514" y="1306"/>
+            <a:chExt cx="2267451" cy="2601690"/>
+          </a:xfrm>
+        </p:grpSpPr>
+        <p:grpSp>
+          <p:nvGrpSpPr>
+            <p:cNvPr id="280" name="Google Shape;280;p13"/>
+            <p:cNvGrpSpPr/>
+            <p:nvPr/>
+          </p:nvGrpSpPr>
+          <p:grpSpPr>
+            <a:xfrm>
+              <a:off x="7067465" y="1306"/>
+              <a:ext cx="1990500" cy="1990200"/>
+              <a:chOff x="7067465" y="1306"/>
+              <a:chExt cx="1990500" cy="1990200"/>
+            </a:xfrm>
+          </p:grpSpPr>
+          <p:sp>
+            <p:nvSpPr>
+              <p:cNvPr id="281" name="Google Shape;281;p13"/>
+              <p:cNvSpPr/>
+              <p:nvPr/>
+            </p:nvSpPr>
+            <p:spPr>
+              <a:xfrm rot="-8648551">
+                <a:off x="7594313" y="527721"/>
+                <a:ext cx="937226" cy="937226"/>
+              </a:xfrm>
+              <a:prstGeom prst="ellipse">
+                <a:avLst/>
+              </a:prstGeom>
+              <a:solidFill>
+                <a:schemeClr val="lt1">
+                  <a:alpha val="9020"/>
+                </a:schemeClr>
+              </a:solidFill>
+              <a:ln>
+                <a:noFill/>
+              </a:ln>
+            </p:spPr>
+            <p:txBody>
+              <a:bodyPr spcFirstLastPara="1" wrap="square" lIns="91425" tIns="91425" rIns="91425" bIns="91425" anchor="ctr" anchorCtr="0">
+                <a:noAutofit/>
+              </a:bodyPr>
+              <a:lstStyle/>
+              <a:p>
+                <a:pPr marL="0" lvl="0" indent="0" algn="l" rtl="0">
+                  <a:spcBef>
+                    <a:spcPts val="0"/>
+                  </a:spcBef>
+                  <a:spcAft>
+                    <a:spcPts val="0"/>
+                  </a:spcAft>
+                  <a:buNone/>
+                </a:pPr>
+                <a:endParaRPr/>
+              </a:p>
+            </p:txBody>
+          </p:sp>
+          <p:sp>
+            <p:nvSpPr>
+              <p:cNvPr id="282" name="Google Shape;282;p13"/>
+              <p:cNvSpPr/>
+              <p:nvPr/>
+            </p:nvSpPr>
+            <p:spPr>
+              <a:xfrm rot="-8648551">
+                <a:off x="7594313" y="527721"/>
+                <a:ext cx="937226" cy="937226"/>
+              </a:xfrm>
+              <a:prstGeom prst="pie">
+                <a:avLst>
+                  <a:gd name="adj1" fmla="val 19376841"/>
+                  <a:gd name="adj2" fmla="val 12313574"/>
+                </a:avLst>
+              </a:prstGeom>
+              <a:solidFill>
+                <a:schemeClr val="lt1">
+                  <a:alpha val="9020"/>
+                </a:schemeClr>
+              </a:solidFill>
+              <a:ln>
+                <a:noFill/>
+              </a:ln>
+            </p:spPr>
+            <p:txBody>
+              <a:bodyPr spcFirstLastPara="1" wrap="square" lIns="91425" tIns="91425" rIns="91425" bIns="91425" anchor="ctr" anchorCtr="0">
+                <a:noAutofit/>
+              </a:bodyPr>
+              <a:lstStyle/>
+              <a:p>
+                <a:pPr marL="0" lvl="0" indent="0" algn="l" rtl="0">
+                  <a:spcBef>
+                    <a:spcPts val="0"/>
+                  </a:spcBef>
+                  <a:spcAft>
+                    <a:spcPts val="0"/>
+                  </a:spcAft>
+                  <a:buNone/>
+                </a:pPr>
+                <a:endParaRPr/>
+              </a:p>
+            </p:txBody>
+          </p:sp>
+          <p:sp>
+            <p:nvSpPr>
+              <p:cNvPr id="283" name="Google Shape;283;p13"/>
+              <p:cNvSpPr/>
+              <p:nvPr/>
+            </p:nvSpPr>
+            <p:spPr>
+              <a:xfrm rot="-8649154">
+                <a:off x="7349891" y="283705"/>
+                <a:ext cx="1425647" cy="1425404"/>
+              </a:xfrm>
+              <a:prstGeom prst="ellipse">
+                <a:avLst/>
+              </a:prstGeom>
+              <a:solidFill>
+                <a:schemeClr val="lt1">
+                  <a:alpha val="9020"/>
+                </a:schemeClr>
+              </a:solidFill>
+              <a:ln>
+                <a:noFill/>
+              </a:ln>
+            </p:spPr>
+            <p:txBody>
+              <a:bodyPr spcFirstLastPara="1" wrap="square" lIns="91425" tIns="91425" rIns="91425" bIns="91425" anchor="ctr" anchorCtr="0">
+                <a:noAutofit/>
+              </a:bodyPr>
+              <a:lstStyle/>
+              <a:p>
+                <a:pPr marL="0" lvl="0" indent="0" algn="l" rtl="0">
+                  <a:spcBef>
+                    <a:spcPts val="0"/>
+                  </a:spcBef>
+                  <a:spcAft>
+                    <a:spcPts val="0"/>
+                  </a:spcAft>
+                  <a:buNone/>
+                </a:pPr>
+                <a:endParaRPr/>
+              </a:p>
+            </p:txBody>
+          </p:sp>
+        </p:grpSp>
+        <p:grpSp>
+          <p:nvGrpSpPr>
+            <p:cNvPr id="284" name="Google Shape;284;p13"/>
+            <p:cNvGrpSpPr/>
+            <p:nvPr/>
+          </p:nvGrpSpPr>
+          <p:grpSpPr>
+            <a:xfrm>
+              <a:off x="8207126" y="1807996"/>
+              <a:ext cx="795000" cy="795000"/>
+              <a:chOff x="8207126" y="1807996"/>
+              <a:chExt cx="795000" cy="795000"/>
+            </a:xfrm>
+          </p:grpSpPr>
+          <p:sp>
+            <p:nvSpPr>
+              <p:cNvPr id="285" name="Google Shape;285;p13"/>
+              <p:cNvSpPr/>
+              <p:nvPr/>
+            </p:nvSpPr>
+            <p:spPr>
+              <a:xfrm rot="2152054">
+                <a:off x="8319942" y="1920813"/>
+                <a:ext cx="569367" cy="569367"/>
+              </a:xfrm>
+              <a:prstGeom prst="ellipse">
+                <a:avLst/>
+              </a:prstGeom>
+              <a:solidFill>
+                <a:schemeClr val="lt1">
+                  <a:alpha val="9020"/>
+                </a:schemeClr>
+              </a:solidFill>
+              <a:ln>
+                <a:noFill/>
+              </a:ln>
+            </p:spPr>
+            <p:txBody>
+              <a:bodyPr spcFirstLastPara="1" wrap="square" lIns="91425" tIns="91425" rIns="91425" bIns="91425" anchor="ctr" anchorCtr="0">
+                <a:noAutofit/>
+              </a:bodyPr>
+              <a:lstStyle/>
+              <a:p>
+                <a:pPr marL="0" lvl="0" indent="0" algn="l" rtl="0">
+                  <a:spcBef>
+                    <a:spcPts val="0"/>
+                  </a:spcBef>
+                  <a:spcAft>
+                    <a:spcPts val="0"/>
+                  </a:spcAft>
+                  <a:buNone/>
+                </a:pPr>
+                <a:endParaRPr/>
+              </a:p>
+            </p:txBody>
+          </p:sp>
+          <p:sp>
+            <p:nvSpPr>
+              <p:cNvPr id="286" name="Google Shape;286;p13"/>
+              <p:cNvSpPr/>
+              <p:nvPr/>
+            </p:nvSpPr>
+            <p:spPr>
+              <a:xfrm rot="2150259">
+                <a:off x="8408218" y="2008610"/>
+                <a:ext cx="393004" cy="393004"/>
+              </a:xfrm>
+              <a:prstGeom prst="ellipse">
+                <a:avLst/>
+              </a:prstGeom>
+              <a:solidFill>
+                <a:schemeClr val="lt1">
+                  <a:alpha val="9020"/>
+                </a:schemeClr>
+              </a:solidFill>
+              <a:ln>
+                <a:noFill/>
+              </a:ln>
+            </p:spPr>
+            <p:txBody>
+              <a:bodyPr spcFirstLastPara="1" wrap="square" lIns="91425" tIns="91425" rIns="91425" bIns="91425" anchor="ctr" anchorCtr="0">
+                <a:noAutofit/>
+              </a:bodyPr>
+              <a:lstStyle/>
+              <a:p>
+                <a:pPr marL="0" lvl="0" indent="0" algn="l" rtl="0">
+                  <a:spcBef>
+                    <a:spcPts val="0"/>
+                  </a:spcBef>
+                  <a:spcAft>
+                    <a:spcPts val="0"/>
+                  </a:spcAft>
+                  <a:buNone/>
+                </a:pPr>
+                <a:endParaRPr/>
+              </a:p>
+            </p:txBody>
+          </p:sp>
+          <p:sp>
+            <p:nvSpPr>
+              <p:cNvPr id="287" name="Google Shape;287;p13"/>
+              <p:cNvSpPr/>
+              <p:nvPr/>
+            </p:nvSpPr>
+            <p:spPr>
+              <a:xfrm rot="2150259">
+                <a:off x="8408218" y="2008610"/>
+                <a:ext cx="393004" cy="393004"/>
+              </a:xfrm>
+              <a:prstGeom prst="pie">
+                <a:avLst>
+                  <a:gd name="adj1" fmla="val 5699893"/>
+                  <a:gd name="adj2" fmla="val 12313574"/>
+                </a:avLst>
+              </a:prstGeom>
+              <a:solidFill>
+                <a:schemeClr val="lt1">
+                  <a:alpha val="9020"/>
+                </a:schemeClr>
+              </a:solidFill>
+              <a:ln>
+                <a:noFill/>
+              </a:ln>
+            </p:spPr>
+            <p:txBody>
+              <a:bodyPr spcFirstLastPara="1" wrap="square" lIns="91425" tIns="91425" rIns="91425" bIns="91425" anchor="ctr" anchorCtr="0">
+                <a:noAutofit/>
+              </a:bodyPr>
+              <a:lstStyle/>
+              <a:p>
+                <a:pPr marL="0" lvl="0" indent="0" algn="l" rtl="0">
+                  <a:spcBef>
+                    <a:spcPts val="0"/>
+                  </a:spcBef>
+                  <a:spcAft>
+                    <a:spcPts val="0"/>
+                  </a:spcAft>
+                  <a:buNone/>
+                </a:pPr>
+                <a:endParaRPr/>
+              </a:p>
+            </p:txBody>
+          </p:sp>
+        </p:grpSp>
+        <p:grpSp>
+          <p:nvGrpSpPr>
+            <p:cNvPr id="288" name="Google Shape;288;p13"/>
+            <p:cNvGrpSpPr/>
+            <p:nvPr/>
+          </p:nvGrpSpPr>
+          <p:grpSpPr>
+            <a:xfrm>
+              <a:off x="6790514" y="118857"/>
+              <a:ext cx="548700" cy="548700"/>
+              <a:chOff x="6790514" y="118857"/>
+              <a:chExt cx="548700" cy="548700"/>
+            </a:xfrm>
+          </p:grpSpPr>
+          <p:sp>
+            <p:nvSpPr>
+              <p:cNvPr id="289" name="Google Shape;289;p13"/>
+              <p:cNvSpPr/>
+              <p:nvPr/>
+            </p:nvSpPr>
+            <p:spPr>
+              <a:xfrm rot="2150259">
+                <a:off x="6868362" y="196705"/>
+                <a:ext cx="393004" cy="393004"/>
+              </a:xfrm>
+              <a:prstGeom prst="ellipse">
+                <a:avLst/>
+              </a:prstGeom>
+              <a:solidFill>
+                <a:schemeClr val="lt1">
+                  <a:alpha val="9020"/>
+                </a:schemeClr>
+              </a:solidFill>
+              <a:ln>
+                <a:noFill/>
+              </a:ln>
+            </p:spPr>
+            <p:txBody>
+              <a:bodyPr spcFirstLastPara="1" wrap="square" lIns="91425" tIns="91425" rIns="91425" bIns="91425" anchor="ctr" anchorCtr="0">
+                <a:noAutofit/>
+              </a:bodyPr>
+              <a:lstStyle/>
+              <a:p>
+                <a:pPr marL="0" lvl="0" indent="0" algn="l" rtl="0">
+                  <a:spcBef>
+                    <a:spcPts val="0"/>
+                  </a:spcBef>
+                  <a:spcAft>
+                    <a:spcPts val="0"/>
+                  </a:spcAft>
+                  <a:buNone/>
+                </a:pPr>
+                <a:endParaRPr/>
+              </a:p>
+            </p:txBody>
+          </p:sp>
+          <p:sp>
+            <p:nvSpPr>
+              <p:cNvPr id="290" name="Google Shape;290;p13"/>
+              <p:cNvSpPr/>
+              <p:nvPr/>
+            </p:nvSpPr>
+            <p:spPr>
+              <a:xfrm rot="2150259">
+                <a:off x="6868362" y="196705"/>
+                <a:ext cx="393004" cy="393004"/>
+              </a:xfrm>
+              <a:prstGeom prst="pie">
+                <a:avLst>
+                  <a:gd name="adj1" fmla="val 5699893"/>
+                  <a:gd name="adj2" fmla="val 12313574"/>
+                </a:avLst>
+              </a:prstGeom>
+              <a:solidFill>
+                <a:schemeClr val="lt1">
+                  <a:alpha val="9020"/>
+                </a:schemeClr>
+              </a:solidFill>
+              <a:ln>
+                <a:noFill/>
+              </a:ln>
+            </p:spPr>
+            <p:txBody>
+              <a:bodyPr spcFirstLastPara="1" wrap="square" lIns="91425" tIns="91425" rIns="91425" bIns="91425" anchor="ctr" anchorCtr="0">
+                <a:noAutofit/>
+              </a:bodyPr>
+              <a:lstStyle/>
+              <a:p>
+                <a:pPr marL="0" lvl="0" indent="0" algn="l" rtl="0">
+                  <a:spcBef>
+                    <a:spcPts val="0"/>
+                  </a:spcBef>
+                  <a:spcAft>
+                    <a:spcPts val="0"/>
+                  </a:spcAft>
+                  <a:buNone/>
+                </a:pPr>
+                <a:endParaRPr/>
+              </a:p>
+            </p:txBody>
+          </p:sp>
+        </p:grpSp>
+      </p:grpSp>
+      <p:sp>
+        <p:nvSpPr>
+          <p:cNvPr id="4" name="Google Shape;277;p13">
+            <a:extLst>
+              <a:ext uri="{FF2B5EF4-FFF2-40B4-BE49-F238E27FC236}">
+                <a16:creationId xmlns:a16="http://schemas.microsoft.com/office/drawing/2014/main" id="{FDFD52D1-086F-EC21-A3E4-40E3E34EBE2C}"/>
+              </a:ext>
+            </a:extLst>
+          </p:cNvPr>
+          <p:cNvSpPr txBox="1">
+            <a:spLocks/>
+          </p:cNvSpPr>
+          <p:nvPr/>
+        </p:nvSpPr>
+        <p:spPr>
+          <a:xfrm>
+            <a:off x="640106" y="1659901"/>
+            <a:ext cx="3365212" cy="1584357"/>
+          </a:xfrm>
+          <a:prstGeom prst="rect">
+            <a:avLst/>
+          </a:prstGeom>
+          <a:solidFill>
+            <a:srgbClr val="4177D8"/>
+          </a:solidFill>
+          <a:ln w="19050" cap="flat" cmpd="sng">
+            <a:solidFill>
+              <a:srgbClr val="FFFFFF"/>
+            </a:solidFill>
+            <a:prstDash val="solid"/>
+            <a:round/>
+            <a:headEnd type="none" w="sm" len="sm"/>
+            <a:tailEnd type="none" w="sm" len="sm"/>
+          </a:ln>
+        </p:spPr>
+        <p:txBody>
+          <a:bodyPr spcFirstLastPara="1" wrap="square" lIns="91425" tIns="91425" rIns="91425" bIns="91425" anchor="ctr" anchorCtr="0">
+            <a:normAutofit/>
+          </a:bodyPr>
+          <a:lstStyle>
+            <a:defPPr marR="0" lvl="0" algn="l" rtl="0">
+              <a:lnSpc>
+                <a:spcPct val="100000"/>
+              </a:lnSpc>
+              <a:spcBef>
+                <a:spcPts val="0"/>
+              </a:spcBef>
+              <a:spcAft>
+                <a:spcPts val="0"/>
+              </a:spcAft>
+            </a:defPPr>
+            <a:lvl1pPr marR="0" lvl="0" algn="l" rtl="0">
+              <a:lnSpc>
+                <a:spcPct val="100000"/>
+              </a:lnSpc>
+              <a:spcBef>
+                <a:spcPts val="0"/>
+              </a:spcBef>
+              <a:spcAft>
+                <a:spcPts val="0"/>
+              </a:spcAft>
+              <a:buClr>
+                <a:schemeClr val="lt1"/>
+              </a:buClr>
+              <a:buSzPts val="3600"/>
+              <a:buFont typeface="Maven Pro"/>
+              <a:buNone/>
+              <a:defRPr sz="3600" b="1" i="0" u="none" strike="noStrike" cap="none">
+                <a:solidFill>
+                  <a:schemeClr val="lt1"/>
+                </a:solidFill>
+                <a:latin typeface="Maven Pro"/>
+                <a:ea typeface="Maven Pro"/>
+                <a:cs typeface="Maven Pro"/>
+                <a:sym typeface="Maven Pro"/>
+              </a:defRPr>
+            </a:lvl1pPr>
+            <a:lvl2pPr marR="0" lvl="1" algn="l" rtl="0">
+              <a:lnSpc>
+                <a:spcPct val="100000"/>
+              </a:lnSpc>
+              <a:spcBef>
+                <a:spcPts val="0"/>
+              </a:spcBef>
+              <a:spcAft>
+                <a:spcPts val="0"/>
+              </a:spcAft>
+              <a:buClr>
+                <a:schemeClr val="lt1"/>
+              </a:buClr>
+              <a:buSzPts val="3600"/>
+              <a:buFont typeface="Maven Pro"/>
+              <a:buNone/>
+              <a:defRPr sz="3600" b="1" i="0" u="none" strike="noStrike" cap="none">
+                <a:solidFill>
+                  <a:schemeClr val="lt1"/>
+                </a:solidFill>
+                <a:latin typeface="Maven Pro"/>
+                <a:ea typeface="Maven Pro"/>
+                <a:cs typeface="Maven Pro"/>
+                <a:sym typeface="Maven Pro"/>
+              </a:defRPr>
+            </a:lvl2pPr>
+            <a:lvl3pPr marR="0" lvl="2" algn="l" rtl="0">
+              <a:lnSpc>
+                <a:spcPct val="100000"/>
+              </a:lnSpc>
+              <a:spcBef>
+                <a:spcPts val="0"/>
+              </a:spcBef>
+              <a:spcAft>
+                <a:spcPts val="0"/>
+              </a:spcAft>
+              <a:buClr>
+                <a:schemeClr val="lt1"/>
+              </a:buClr>
+              <a:buSzPts val="3600"/>
+              <a:buFont typeface="Maven Pro"/>
+              <a:buNone/>
+              <a:defRPr sz="3600" b="1" i="0" u="none" strike="noStrike" cap="none">
+                <a:solidFill>
+                  <a:schemeClr val="lt1"/>
+                </a:solidFill>
+                <a:latin typeface="Maven Pro"/>
+                <a:ea typeface="Maven Pro"/>
+                <a:cs typeface="Maven Pro"/>
+                <a:sym typeface="Maven Pro"/>
+              </a:defRPr>
+            </a:lvl3pPr>
+            <a:lvl4pPr marR="0" lvl="3" algn="l" rtl="0">
+              <a:lnSpc>
+                <a:spcPct val="100000"/>
+              </a:lnSpc>
+              <a:spcBef>
+                <a:spcPts val="0"/>
+              </a:spcBef>
+              <a:spcAft>
+                <a:spcPts val="0"/>
+              </a:spcAft>
+              <a:buClr>
+                <a:schemeClr val="lt1"/>
+              </a:buClr>
+              <a:buSzPts val="3600"/>
+              <a:buFont typeface="Maven Pro"/>
+              <a:buNone/>
+              <a:defRPr sz="3600" b="1" i="0" u="none" strike="noStrike" cap="none">
+                <a:solidFill>
+                  <a:schemeClr val="lt1"/>
+                </a:solidFill>
+                <a:latin typeface="Maven Pro"/>
+                <a:ea typeface="Maven Pro"/>
+                <a:cs typeface="Maven Pro"/>
+                <a:sym typeface="Maven Pro"/>
+              </a:defRPr>
+            </a:lvl4pPr>
+            <a:lvl5pPr marR="0" lvl="4" algn="l" rtl="0">
+              <a:lnSpc>
+                <a:spcPct val="100000"/>
+              </a:lnSpc>
+              <a:spcBef>
+                <a:spcPts val="0"/>
+              </a:spcBef>
+              <a:spcAft>
+                <a:spcPts val="0"/>
+              </a:spcAft>
+              <a:buClr>
+                <a:schemeClr val="lt1"/>
+              </a:buClr>
+              <a:buSzPts val="3600"/>
+              <a:buFont typeface="Maven Pro"/>
+              <a:buNone/>
+              <a:defRPr sz="3600" b="1" i="0" u="none" strike="noStrike" cap="none">
+                <a:solidFill>
+                  <a:schemeClr val="lt1"/>
+                </a:solidFill>
+                <a:latin typeface="Maven Pro"/>
+                <a:ea typeface="Maven Pro"/>
+                <a:cs typeface="Maven Pro"/>
+                <a:sym typeface="Maven Pro"/>
+              </a:defRPr>
+            </a:lvl5pPr>
+            <a:lvl6pPr marR="0" lvl="5" algn="l" rtl="0">
+              <a:lnSpc>
+                <a:spcPct val="100000"/>
+              </a:lnSpc>
+              <a:spcBef>
+                <a:spcPts val="0"/>
+              </a:spcBef>
+              <a:spcAft>
+                <a:spcPts val="0"/>
+              </a:spcAft>
+              <a:buClr>
+                <a:schemeClr val="lt1"/>
+              </a:buClr>
+              <a:buSzPts val="3600"/>
+              <a:buFont typeface="Maven Pro"/>
+              <a:buNone/>
+              <a:defRPr sz="3600" b="1" i="0" u="none" strike="noStrike" cap="none">
+                <a:solidFill>
+                  <a:schemeClr val="lt1"/>
+                </a:solidFill>
+                <a:latin typeface="Maven Pro"/>
+                <a:ea typeface="Maven Pro"/>
+                <a:cs typeface="Maven Pro"/>
+                <a:sym typeface="Maven Pro"/>
+              </a:defRPr>
+            </a:lvl6pPr>
+            <a:lvl7pPr marR="0" lvl="6" algn="l" rtl="0">
+              <a:lnSpc>
+                <a:spcPct val="100000"/>
+              </a:lnSpc>
+              <a:spcBef>
+                <a:spcPts val="0"/>
+              </a:spcBef>
+              <a:spcAft>
+                <a:spcPts val="0"/>
+              </a:spcAft>
+              <a:buClr>
+                <a:schemeClr val="lt1"/>
+              </a:buClr>
+              <a:buSzPts val="3600"/>
+              <a:buFont typeface="Maven Pro"/>
+              <a:buNone/>
+              <a:defRPr sz="3600" b="1" i="0" u="none" strike="noStrike" cap="none">
+                <a:solidFill>
+                  <a:schemeClr val="lt1"/>
+                </a:solidFill>
+                <a:latin typeface="Maven Pro"/>
+                <a:ea typeface="Maven Pro"/>
+                <a:cs typeface="Maven Pro"/>
+                <a:sym typeface="Maven Pro"/>
+              </a:defRPr>
+            </a:lvl7pPr>
+            <a:lvl8pPr marR="0" lvl="7" algn="l" rtl="0">
+              <a:lnSpc>
+                <a:spcPct val="100000"/>
+              </a:lnSpc>
+              <a:spcBef>
+                <a:spcPts val="0"/>
+              </a:spcBef>
+              <a:spcAft>
+                <a:spcPts val="0"/>
+              </a:spcAft>
+              <a:buClr>
+                <a:schemeClr val="lt1"/>
+              </a:buClr>
+              <a:buSzPts val="3600"/>
+              <a:buFont typeface="Maven Pro"/>
+              <a:buNone/>
+              <a:defRPr sz="3600" b="1" i="0" u="none" strike="noStrike" cap="none">
+                <a:solidFill>
+                  <a:schemeClr val="lt1"/>
+                </a:solidFill>
+                <a:latin typeface="Maven Pro"/>
+                <a:ea typeface="Maven Pro"/>
+                <a:cs typeface="Maven Pro"/>
+                <a:sym typeface="Maven Pro"/>
+              </a:defRPr>
+            </a:lvl8pPr>
+            <a:lvl9pPr marR="0" lvl="8" algn="l" rtl="0">
+              <a:lnSpc>
+                <a:spcPct val="100000"/>
+              </a:lnSpc>
+              <a:spcBef>
+                <a:spcPts val="0"/>
+              </a:spcBef>
+              <a:spcAft>
+                <a:spcPts val="0"/>
+              </a:spcAft>
+              <a:buClr>
+                <a:schemeClr val="lt1"/>
+              </a:buClr>
+              <a:buSzPts val="3600"/>
+              <a:buFont typeface="Maven Pro"/>
+              <a:buNone/>
+              <a:defRPr sz="3600" b="1" i="0" u="none" strike="noStrike" cap="none">
+                <a:solidFill>
+                  <a:schemeClr val="lt1"/>
+                </a:solidFill>
+                <a:latin typeface="Maven Pro"/>
+                <a:ea typeface="Maven Pro"/>
+                <a:cs typeface="Maven Pro"/>
+                <a:sym typeface="Maven Pro"/>
+              </a:defRPr>
+            </a:lvl9pPr>
+          </a:lstStyle>
+          <a:p>
+            <a:r>
+              <a:rPr lang="en-US" sz="2800" dirty="0"/>
+              <a:t>HC-05 Bluetooth Module</a:t>
+            </a:r>
+          </a:p>
+          <a:p>
+            <a:r>
+              <a:rPr lang="en-US" sz="1300" dirty="0"/>
+              <a:t>Add Bluetooth connectivity feature on Arduino </a:t>
+            </a:r>
+          </a:p>
+          <a:p>
+            <a:endParaRPr lang="en-US" sz="2800" dirty="0"/>
+          </a:p>
+        </p:txBody>
+      </p:sp>
+      <p:pic>
+        <p:nvPicPr>
+          <p:cNvPr id="3" name="Picture 2">
+            <a:extLst>
+              <a:ext uri="{FF2B5EF4-FFF2-40B4-BE49-F238E27FC236}">
+                <a16:creationId xmlns:a16="http://schemas.microsoft.com/office/drawing/2014/main" id="{7F87FC4F-489E-0C12-C9F1-EDEC228ED8C8}"/>
+              </a:ext>
+            </a:extLst>
+          </p:cNvPr>
+          <p:cNvPicPr>
+            <a:picLocks noChangeAspect="1"/>
+          </p:cNvPicPr>
+          <p:nvPr/>
+        </p:nvPicPr>
+        <p:blipFill>
+          <a:blip r:embed="rId3"/>
+          <a:stretch>
+            <a:fillRect/>
+          </a:stretch>
+        </p:blipFill>
+        <p:spPr>
+          <a:xfrm>
+            <a:off x="4802749" y="885221"/>
+            <a:ext cx="3100927" cy="2223306"/>
+          </a:xfrm>
+          <a:prstGeom prst="rect">
+            <a:avLst/>
+          </a:prstGeom>
+        </p:spPr>
+      </p:pic>
+    </p:spTree>
+    <p:extLst>
+      <p:ext uri="{BB962C8B-B14F-4D97-AF65-F5344CB8AC3E}">
+        <p14:creationId xmlns:p14="http://schemas.microsoft.com/office/powerpoint/2010/main" val="2535887078"/>
+      </p:ext>
+    </p:extLst>
+  </p:cSld>
+  <p:clrMapOvr>
+    <a:masterClrMapping/>
+  </p:clrMapOvr>
+  <p:timing>
+    <p:tnLst>
+      <p:par>
+        <p:cTn id="1" dur="indefinite" restart="never" nodeType="tmRoot">
+          <p:childTnLst>
+            <p:seq concurrent="1" nextAc="seek">
+              <p:cTn id="2" dur="indefinite" nodeType="mainSeq">
+                <p:childTnLst>
+                  <p:par>
+                    <p:cTn id="3" fill="hold">
+                      <p:stCondLst>
+                        <p:cond delay="indefinite"/>
+                      </p:stCondLst>
+                      <p:childTnLst>
+                        <p:par>
+                          <p:cTn id="4" fill="hold">
+                            <p:stCondLst>
+                              <p:cond delay="0"/>
+                            </p:stCondLst>
+                            <p:childTnLst>
+                              <p:par>
+                                <p:cTn id="5" presetID="10" presetClass="entr" presetSubtype="0" fill="hold" nodeType="clickEffect">
+                                  <p:stCondLst>
+                                    <p:cond delay="0"/>
+                                  </p:stCondLst>
+                                  <p:childTnLst>
+                                    <p:set>
+                                      <p:cBhvr>
+                                        <p:cTn id="6" dur="1" fill="hold">
+                                          <p:stCondLst>
+                                            <p:cond delay="0"/>
+                                          </p:stCondLst>
+                                        </p:cTn>
+                                        <p:tgtEl>
+                                          <p:spTgt spid="4"/>
+                                        </p:tgtEl>
+                                        <p:attrNameLst>
+                                          <p:attrName>style.visibility</p:attrName>
+                                        </p:attrNameLst>
+                                      </p:cBhvr>
+                                      <p:to>
+                                        <p:strVal val="visible"/>
+                                      </p:to>
+                                    </p:set>
+                                    <p:animEffect transition="in" filter="fade">
+                                      <p:cBhvr>
+                                        <p:cTn id="7" dur="1000"/>
+                                        <p:tgtEl>
+                                          <p:spTgt spid="4"/>
+                                        </p:tgtEl>
+                                      </p:cBhvr>
+                                    </p:animEffect>
+                                  </p:childTnLst>
+                                </p:cTn>
+                              </p:par>
+                            </p:childTnLst>
+                          </p:cTn>
+                        </p:par>
+                      </p:childTnLst>
+                    </p:cTn>
+                  </p:par>
+                </p:childTnLst>
+              </p:cTn>
+              <p:prevCondLst>
+                <p:cond evt="onPrev" delay="0">
+                  <p:tgtEl>
+                    <p:sldTgt/>
+                  </p:tgtEl>
+                </p:cond>
+              </p:prevCondLst>
+              <p:nextCondLst>
+                <p:cond evt="onNext" delay="0">
+                  <p:tgtEl>
+                    <p:sldTgt/>
+                  </p:tgtEl>
+                </p:cond>
+              </p:nextCondLst>
+            </p:seq>
+          </p:childTnLst>
+        </p:cTn>
+      </p:par>
+    </p:tnLst>
+  </p:timing>
+</p:sld>
+</file>
+
+<file path=ppt/slides/slide14.xml><?xml version="1.0" encoding="utf-8"?>
+<p:sld xmlns:a="http://schemas.openxmlformats.org/drawingml/2006/main" xmlns:r="http://schemas.openxmlformats.org/officeDocument/2006/relationships" xmlns:p="http://schemas.openxmlformats.org/presentationml/2006/main">
+  <p:cSld>
+    <p:bg>
+      <p:bgPr>
+        <a:solidFill>
+          <a:srgbClr val="3D85C6"/>
+        </a:solidFill>
+        <a:effectLst/>
+      </p:bgPr>
+    </p:bg>
+    <p:spTree>
+      <p:nvGrpSpPr>
+        <p:cNvPr id="1" name="Shape 276"/>
+        <p:cNvGrpSpPr/>
+        <p:nvPr/>
+      </p:nvGrpSpPr>
+      <p:grpSpPr>
+        <a:xfrm>
+          <a:off x="0" y="0"/>
+          <a:ext cx="0" cy="0"/>
+          <a:chOff x="0" y="0"/>
+          <a:chExt cx="0" cy="0"/>
+        </a:xfrm>
+      </p:grpSpPr>
+      <p:sp>
+        <p:nvSpPr>
+          <p:cNvPr id="278" name="Google Shape;278;p13"/>
+          <p:cNvSpPr/>
+          <p:nvPr/>
+        </p:nvSpPr>
+        <p:spPr>
+          <a:xfrm>
+            <a:off x="8883300" y="107404"/>
+            <a:ext cx="156300" cy="161400"/>
+          </a:xfrm>
+          <a:prstGeom prst="ellipse">
+            <a:avLst/>
+          </a:prstGeom>
+          <a:solidFill>
+            <a:schemeClr val="lt1"/>
+          </a:solidFill>
+          <a:ln w="19050" cap="flat" cmpd="sng">
+            <a:solidFill>
+              <a:srgbClr val="4177D8"/>
+            </a:solidFill>
+            <a:prstDash val="solid"/>
+            <a:round/>
+            <a:headEnd type="none" w="sm" len="sm"/>
+            <a:tailEnd type="none" w="sm" len="sm"/>
+          </a:ln>
+        </p:spPr>
+        <p:txBody>
+          <a:bodyPr spcFirstLastPara="1" wrap="square" lIns="91425" tIns="91425" rIns="91425" bIns="91425" anchor="ctr" anchorCtr="0">
+            <a:noAutofit/>
+          </a:bodyPr>
+          <a:lstStyle/>
+          <a:p>
+            <a:pPr marL="0" lvl="0" indent="0" algn="l" rtl="0">
+              <a:spcBef>
+                <a:spcPts val="0"/>
+              </a:spcBef>
+              <a:spcAft>
+                <a:spcPts val="0"/>
+              </a:spcAft>
+              <a:buNone/>
+            </a:pPr>
+            <a:endParaRPr/>
+          </a:p>
+        </p:txBody>
+      </p:sp>
+      <p:grpSp>
+        <p:nvGrpSpPr>
+          <p:cNvPr id="279" name="Google Shape;279;p13"/>
+          <p:cNvGrpSpPr/>
+          <p:nvPr/>
+        </p:nvGrpSpPr>
+        <p:grpSpPr>
+          <a:xfrm>
+            <a:off x="-11" y="4061975"/>
+            <a:ext cx="942579" cy="1081522"/>
+            <a:chOff x="6790514" y="1306"/>
+            <a:chExt cx="2267451" cy="2601690"/>
+          </a:xfrm>
+        </p:grpSpPr>
+        <p:grpSp>
+          <p:nvGrpSpPr>
+            <p:cNvPr id="280" name="Google Shape;280;p13"/>
+            <p:cNvGrpSpPr/>
+            <p:nvPr/>
+          </p:nvGrpSpPr>
+          <p:grpSpPr>
+            <a:xfrm>
+              <a:off x="7067465" y="1306"/>
+              <a:ext cx="1990500" cy="1990200"/>
+              <a:chOff x="7067465" y="1306"/>
+              <a:chExt cx="1990500" cy="1990200"/>
+            </a:xfrm>
+          </p:grpSpPr>
+          <p:sp>
+            <p:nvSpPr>
+              <p:cNvPr id="281" name="Google Shape;281;p13"/>
+              <p:cNvSpPr/>
+              <p:nvPr/>
+            </p:nvSpPr>
+            <p:spPr>
+              <a:xfrm rot="-8648551">
+                <a:off x="7594313" y="527721"/>
+                <a:ext cx="937226" cy="937226"/>
+              </a:xfrm>
+              <a:prstGeom prst="ellipse">
+                <a:avLst/>
+              </a:prstGeom>
+              <a:solidFill>
+                <a:schemeClr val="lt1">
+                  <a:alpha val="9020"/>
+                </a:schemeClr>
+              </a:solidFill>
+              <a:ln>
+                <a:noFill/>
+              </a:ln>
+            </p:spPr>
+            <p:txBody>
+              <a:bodyPr spcFirstLastPara="1" wrap="square" lIns="91425" tIns="91425" rIns="91425" bIns="91425" anchor="ctr" anchorCtr="0">
+                <a:noAutofit/>
+              </a:bodyPr>
+              <a:lstStyle/>
+              <a:p>
+                <a:pPr marL="0" lvl="0" indent="0" algn="l" rtl="0">
+                  <a:spcBef>
+                    <a:spcPts val="0"/>
+                  </a:spcBef>
+                  <a:spcAft>
+                    <a:spcPts val="0"/>
+                  </a:spcAft>
+                  <a:buNone/>
+                </a:pPr>
+                <a:endParaRPr/>
+              </a:p>
+            </p:txBody>
+          </p:sp>
+          <p:sp>
+            <p:nvSpPr>
+              <p:cNvPr id="282" name="Google Shape;282;p13"/>
+              <p:cNvSpPr/>
+              <p:nvPr/>
+            </p:nvSpPr>
+            <p:spPr>
+              <a:xfrm rot="-8648551">
+                <a:off x="7594313" y="527721"/>
+                <a:ext cx="937226" cy="937226"/>
+              </a:xfrm>
+              <a:prstGeom prst="pie">
+                <a:avLst>
+                  <a:gd name="adj1" fmla="val 19376841"/>
+                  <a:gd name="adj2" fmla="val 12313574"/>
+                </a:avLst>
+              </a:prstGeom>
+              <a:solidFill>
+                <a:schemeClr val="lt1">
+                  <a:alpha val="9020"/>
+                </a:schemeClr>
+              </a:solidFill>
+              <a:ln>
+                <a:noFill/>
+              </a:ln>
+            </p:spPr>
+            <p:txBody>
+              <a:bodyPr spcFirstLastPara="1" wrap="square" lIns="91425" tIns="91425" rIns="91425" bIns="91425" anchor="ctr" anchorCtr="0">
+                <a:noAutofit/>
+              </a:bodyPr>
+              <a:lstStyle/>
+              <a:p>
+                <a:pPr marL="0" lvl="0" indent="0" algn="l" rtl="0">
+                  <a:spcBef>
+                    <a:spcPts val="0"/>
+                  </a:spcBef>
+                  <a:spcAft>
+                    <a:spcPts val="0"/>
+                  </a:spcAft>
+                  <a:buNone/>
+                </a:pPr>
+                <a:endParaRPr/>
+              </a:p>
+            </p:txBody>
+          </p:sp>
+          <p:sp>
+            <p:nvSpPr>
+              <p:cNvPr id="283" name="Google Shape;283;p13"/>
+              <p:cNvSpPr/>
+              <p:nvPr/>
+            </p:nvSpPr>
+            <p:spPr>
+              <a:xfrm rot="-8649154">
+                <a:off x="7349891" y="283705"/>
+                <a:ext cx="1425647" cy="1425404"/>
+              </a:xfrm>
+              <a:prstGeom prst="ellipse">
+                <a:avLst/>
+              </a:prstGeom>
+              <a:solidFill>
+                <a:schemeClr val="lt1">
+                  <a:alpha val="9020"/>
+                </a:schemeClr>
+              </a:solidFill>
+              <a:ln>
+                <a:noFill/>
+              </a:ln>
+            </p:spPr>
+            <p:txBody>
+              <a:bodyPr spcFirstLastPara="1" wrap="square" lIns="91425" tIns="91425" rIns="91425" bIns="91425" anchor="ctr" anchorCtr="0">
+                <a:noAutofit/>
+              </a:bodyPr>
+              <a:lstStyle/>
+              <a:p>
+                <a:pPr marL="0" lvl="0" indent="0" algn="l" rtl="0">
+                  <a:spcBef>
+                    <a:spcPts val="0"/>
+                  </a:spcBef>
+                  <a:spcAft>
+                    <a:spcPts val="0"/>
+                  </a:spcAft>
+                  <a:buNone/>
+                </a:pPr>
+                <a:endParaRPr/>
+              </a:p>
+            </p:txBody>
+          </p:sp>
+        </p:grpSp>
+        <p:grpSp>
+          <p:nvGrpSpPr>
+            <p:cNvPr id="284" name="Google Shape;284;p13"/>
+            <p:cNvGrpSpPr/>
+            <p:nvPr/>
+          </p:nvGrpSpPr>
+          <p:grpSpPr>
+            <a:xfrm>
+              <a:off x="8207126" y="1807996"/>
+              <a:ext cx="795000" cy="795000"/>
+              <a:chOff x="8207126" y="1807996"/>
+              <a:chExt cx="795000" cy="795000"/>
+            </a:xfrm>
+          </p:grpSpPr>
+          <p:sp>
+            <p:nvSpPr>
+              <p:cNvPr id="285" name="Google Shape;285;p13"/>
+              <p:cNvSpPr/>
+              <p:nvPr/>
+            </p:nvSpPr>
+            <p:spPr>
+              <a:xfrm rot="2152054">
+                <a:off x="8319942" y="1920813"/>
+                <a:ext cx="569367" cy="569367"/>
+              </a:xfrm>
+              <a:prstGeom prst="ellipse">
+                <a:avLst/>
+              </a:prstGeom>
+              <a:solidFill>
+                <a:schemeClr val="lt1">
+                  <a:alpha val="9020"/>
+                </a:schemeClr>
+              </a:solidFill>
+              <a:ln>
+                <a:noFill/>
+              </a:ln>
+            </p:spPr>
+            <p:txBody>
+              <a:bodyPr spcFirstLastPara="1" wrap="square" lIns="91425" tIns="91425" rIns="91425" bIns="91425" anchor="ctr" anchorCtr="0">
+                <a:noAutofit/>
+              </a:bodyPr>
+              <a:lstStyle/>
+              <a:p>
+                <a:pPr marL="0" lvl="0" indent="0" algn="l" rtl="0">
+                  <a:spcBef>
+                    <a:spcPts val="0"/>
+                  </a:spcBef>
+                  <a:spcAft>
+                    <a:spcPts val="0"/>
+                  </a:spcAft>
+                  <a:buNone/>
+                </a:pPr>
+                <a:endParaRPr/>
+              </a:p>
+            </p:txBody>
+          </p:sp>
+          <p:sp>
+            <p:nvSpPr>
+              <p:cNvPr id="286" name="Google Shape;286;p13"/>
+              <p:cNvSpPr/>
+              <p:nvPr/>
+            </p:nvSpPr>
+            <p:spPr>
+              <a:xfrm rot="2150259">
+                <a:off x="8408218" y="2008610"/>
+                <a:ext cx="393004" cy="393004"/>
+              </a:xfrm>
+              <a:prstGeom prst="ellipse">
+                <a:avLst/>
+              </a:prstGeom>
+              <a:solidFill>
+                <a:schemeClr val="lt1">
+                  <a:alpha val="9020"/>
+                </a:schemeClr>
+              </a:solidFill>
+              <a:ln>
+                <a:noFill/>
+              </a:ln>
+            </p:spPr>
+            <p:txBody>
+              <a:bodyPr spcFirstLastPara="1" wrap="square" lIns="91425" tIns="91425" rIns="91425" bIns="91425" anchor="ctr" anchorCtr="0">
+                <a:noAutofit/>
+              </a:bodyPr>
+              <a:lstStyle/>
+              <a:p>
+                <a:pPr marL="0" lvl="0" indent="0" algn="l" rtl="0">
+                  <a:spcBef>
+                    <a:spcPts val="0"/>
+                  </a:spcBef>
+                  <a:spcAft>
+                    <a:spcPts val="0"/>
+                  </a:spcAft>
+                  <a:buNone/>
+                </a:pPr>
+                <a:endParaRPr/>
+              </a:p>
+            </p:txBody>
+          </p:sp>
+          <p:sp>
+            <p:nvSpPr>
+              <p:cNvPr id="287" name="Google Shape;287;p13"/>
+              <p:cNvSpPr/>
+              <p:nvPr/>
+            </p:nvSpPr>
+            <p:spPr>
+              <a:xfrm rot="2150259">
+                <a:off x="8408218" y="2008610"/>
+                <a:ext cx="393004" cy="393004"/>
+              </a:xfrm>
+              <a:prstGeom prst="pie">
+                <a:avLst>
+                  <a:gd name="adj1" fmla="val 5699893"/>
+                  <a:gd name="adj2" fmla="val 12313574"/>
+                </a:avLst>
+              </a:prstGeom>
+              <a:solidFill>
+                <a:schemeClr val="lt1">
+                  <a:alpha val="9020"/>
+                </a:schemeClr>
+              </a:solidFill>
+              <a:ln>
+                <a:noFill/>
+              </a:ln>
+            </p:spPr>
+            <p:txBody>
+              <a:bodyPr spcFirstLastPara="1" wrap="square" lIns="91425" tIns="91425" rIns="91425" bIns="91425" anchor="ctr" anchorCtr="0">
+                <a:noAutofit/>
+              </a:bodyPr>
+              <a:lstStyle/>
+              <a:p>
+                <a:pPr marL="0" lvl="0" indent="0" algn="l" rtl="0">
+                  <a:spcBef>
+                    <a:spcPts val="0"/>
+                  </a:spcBef>
+                  <a:spcAft>
+                    <a:spcPts val="0"/>
+                  </a:spcAft>
+                  <a:buNone/>
+                </a:pPr>
+                <a:endParaRPr/>
+              </a:p>
+            </p:txBody>
+          </p:sp>
+        </p:grpSp>
+        <p:grpSp>
+          <p:nvGrpSpPr>
+            <p:cNvPr id="288" name="Google Shape;288;p13"/>
+            <p:cNvGrpSpPr/>
+            <p:nvPr/>
+          </p:nvGrpSpPr>
+          <p:grpSpPr>
+            <a:xfrm>
+              <a:off x="6790514" y="118857"/>
+              <a:ext cx="548700" cy="548700"/>
+              <a:chOff x="6790514" y="118857"/>
+              <a:chExt cx="548700" cy="548700"/>
+            </a:xfrm>
+          </p:grpSpPr>
+          <p:sp>
+            <p:nvSpPr>
+              <p:cNvPr id="289" name="Google Shape;289;p13"/>
+              <p:cNvSpPr/>
+              <p:nvPr/>
+            </p:nvSpPr>
+            <p:spPr>
+              <a:xfrm rot="2150259">
+                <a:off x="6868362" y="196705"/>
+                <a:ext cx="393004" cy="393004"/>
+              </a:xfrm>
+              <a:prstGeom prst="ellipse">
+                <a:avLst/>
+              </a:prstGeom>
+              <a:solidFill>
+                <a:schemeClr val="lt1">
+                  <a:alpha val="9020"/>
+                </a:schemeClr>
+              </a:solidFill>
+              <a:ln>
+                <a:noFill/>
+              </a:ln>
+            </p:spPr>
+            <p:txBody>
+              <a:bodyPr spcFirstLastPara="1" wrap="square" lIns="91425" tIns="91425" rIns="91425" bIns="91425" anchor="ctr" anchorCtr="0">
+                <a:noAutofit/>
+              </a:bodyPr>
+              <a:lstStyle/>
+              <a:p>
+                <a:pPr marL="0" lvl="0" indent="0" algn="l" rtl="0">
+                  <a:spcBef>
+                    <a:spcPts val="0"/>
+                  </a:spcBef>
+                  <a:spcAft>
+                    <a:spcPts val="0"/>
+                  </a:spcAft>
+                  <a:buNone/>
+                </a:pPr>
+                <a:endParaRPr/>
+              </a:p>
+            </p:txBody>
+          </p:sp>
+          <p:sp>
+            <p:nvSpPr>
+              <p:cNvPr id="290" name="Google Shape;290;p13"/>
+              <p:cNvSpPr/>
+              <p:nvPr/>
+            </p:nvSpPr>
+            <p:spPr>
+              <a:xfrm rot="2150259">
+                <a:off x="6868362" y="196705"/>
+                <a:ext cx="393004" cy="393004"/>
+              </a:xfrm>
+              <a:prstGeom prst="pie">
+                <a:avLst>
+                  <a:gd name="adj1" fmla="val 5699893"/>
+                  <a:gd name="adj2" fmla="val 12313574"/>
+                </a:avLst>
+              </a:prstGeom>
+              <a:solidFill>
+                <a:schemeClr val="lt1">
+                  <a:alpha val="9020"/>
+                </a:schemeClr>
+              </a:solidFill>
+              <a:ln>
+                <a:noFill/>
+              </a:ln>
+            </p:spPr>
+            <p:txBody>
+              <a:bodyPr spcFirstLastPara="1" wrap="square" lIns="91425" tIns="91425" rIns="91425" bIns="91425" anchor="ctr" anchorCtr="0">
+                <a:noAutofit/>
+              </a:bodyPr>
+              <a:lstStyle/>
+              <a:p>
+                <a:pPr marL="0" lvl="0" indent="0" algn="l" rtl="0">
+                  <a:spcBef>
+                    <a:spcPts val="0"/>
+                  </a:spcBef>
+                  <a:spcAft>
+                    <a:spcPts val="0"/>
+                  </a:spcAft>
+                  <a:buNone/>
+                </a:pPr>
+                <a:endParaRPr/>
+              </a:p>
+            </p:txBody>
+          </p:sp>
+        </p:grpSp>
+      </p:grpSp>
+      <p:sp>
+        <p:nvSpPr>
+          <p:cNvPr id="4" name="Google Shape;277;p13">
+            <a:extLst>
+              <a:ext uri="{FF2B5EF4-FFF2-40B4-BE49-F238E27FC236}">
+                <a16:creationId xmlns:a16="http://schemas.microsoft.com/office/drawing/2014/main" id="{FDFD52D1-086F-EC21-A3E4-40E3E34EBE2C}"/>
+              </a:ext>
+            </a:extLst>
+          </p:cNvPr>
+          <p:cNvSpPr txBox="1">
+            <a:spLocks/>
+          </p:cNvSpPr>
+          <p:nvPr/>
+        </p:nvSpPr>
+        <p:spPr>
+          <a:xfrm>
+            <a:off x="640105" y="1659901"/>
+            <a:ext cx="4565637" cy="1584357"/>
+          </a:xfrm>
+          <a:prstGeom prst="rect">
+            <a:avLst/>
+          </a:prstGeom>
+          <a:solidFill>
+            <a:srgbClr val="4177D8"/>
+          </a:solidFill>
+          <a:ln w="19050" cap="flat" cmpd="sng">
+            <a:solidFill>
+              <a:srgbClr val="FFFFFF"/>
+            </a:solidFill>
+            <a:prstDash val="solid"/>
+            <a:round/>
+            <a:headEnd type="none" w="sm" len="sm"/>
+            <a:tailEnd type="none" w="sm" len="sm"/>
+          </a:ln>
+        </p:spPr>
+        <p:txBody>
+          <a:bodyPr spcFirstLastPara="1" wrap="square" lIns="91425" tIns="91425" rIns="91425" bIns="91425" anchor="ctr" anchorCtr="0">
+            <a:normAutofit/>
+          </a:bodyPr>
+          <a:lstStyle>
+            <a:defPPr marR="0" lvl="0" algn="l" rtl="0">
+              <a:lnSpc>
+                <a:spcPct val="100000"/>
+              </a:lnSpc>
+              <a:spcBef>
+                <a:spcPts val="0"/>
+              </a:spcBef>
+              <a:spcAft>
+                <a:spcPts val="0"/>
+              </a:spcAft>
+            </a:defPPr>
+            <a:lvl1pPr marR="0" lvl="0" algn="l" rtl="0">
+              <a:lnSpc>
+                <a:spcPct val="100000"/>
+              </a:lnSpc>
+              <a:spcBef>
+                <a:spcPts val="0"/>
+              </a:spcBef>
+              <a:spcAft>
+                <a:spcPts val="0"/>
+              </a:spcAft>
+              <a:buClr>
+                <a:schemeClr val="lt1"/>
+              </a:buClr>
+              <a:buSzPts val="3600"/>
+              <a:buFont typeface="Maven Pro"/>
+              <a:buNone/>
+              <a:defRPr sz="3600" b="1" i="0" u="none" strike="noStrike" cap="none">
+                <a:solidFill>
+                  <a:schemeClr val="lt1"/>
+                </a:solidFill>
+                <a:latin typeface="Maven Pro"/>
+                <a:ea typeface="Maven Pro"/>
+                <a:cs typeface="Maven Pro"/>
+                <a:sym typeface="Maven Pro"/>
+              </a:defRPr>
+            </a:lvl1pPr>
+            <a:lvl2pPr marR="0" lvl="1" algn="l" rtl="0">
+              <a:lnSpc>
+                <a:spcPct val="100000"/>
+              </a:lnSpc>
+              <a:spcBef>
+                <a:spcPts val="0"/>
+              </a:spcBef>
+              <a:spcAft>
+                <a:spcPts val="0"/>
+              </a:spcAft>
+              <a:buClr>
+                <a:schemeClr val="lt1"/>
+              </a:buClr>
+              <a:buSzPts val="3600"/>
+              <a:buFont typeface="Maven Pro"/>
+              <a:buNone/>
+              <a:defRPr sz="3600" b="1" i="0" u="none" strike="noStrike" cap="none">
+                <a:solidFill>
+                  <a:schemeClr val="lt1"/>
+                </a:solidFill>
+                <a:latin typeface="Maven Pro"/>
+                <a:ea typeface="Maven Pro"/>
+                <a:cs typeface="Maven Pro"/>
+                <a:sym typeface="Maven Pro"/>
+              </a:defRPr>
+            </a:lvl2pPr>
+            <a:lvl3pPr marR="0" lvl="2" algn="l" rtl="0">
+              <a:lnSpc>
+                <a:spcPct val="100000"/>
+              </a:lnSpc>
+              <a:spcBef>
+                <a:spcPts val="0"/>
+              </a:spcBef>
+              <a:spcAft>
+                <a:spcPts val="0"/>
+              </a:spcAft>
+              <a:buClr>
+                <a:schemeClr val="lt1"/>
+              </a:buClr>
+              <a:buSzPts val="3600"/>
+              <a:buFont typeface="Maven Pro"/>
+              <a:buNone/>
+              <a:defRPr sz="3600" b="1" i="0" u="none" strike="noStrike" cap="none">
+                <a:solidFill>
+                  <a:schemeClr val="lt1"/>
+                </a:solidFill>
+                <a:latin typeface="Maven Pro"/>
+                <a:ea typeface="Maven Pro"/>
+                <a:cs typeface="Maven Pro"/>
+                <a:sym typeface="Maven Pro"/>
+              </a:defRPr>
+            </a:lvl3pPr>
+            <a:lvl4pPr marR="0" lvl="3" algn="l" rtl="0">
+              <a:lnSpc>
+                <a:spcPct val="100000"/>
+              </a:lnSpc>
+              <a:spcBef>
+                <a:spcPts val="0"/>
+              </a:spcBef>
+              <a:spcAft>
+                <a:spcPts val="0"/>
+              </a:spcAft>
+              <a:buClr>
+                <a:schemeClr val="lt1"/>
+              </a:buClr>
+              <a:buSzPts val="3600"/>
+              <a:buFont typeface="Maven Pro"/>
+              <a:buNone/>
+              <a:defRPr sz="3600" b="1" i="0" u="none" strike="noStrike" cap="none">
+                <a:solidFill>
+                  <a:schemeClr val="lt1"/>
+                </a:solidFill>
+                <a:latin typeface="Maven Pro"/>
+                <a:ea typeface="Maven Pro"/>
+                <a:cs typeface="Maven Pro"/>
+                <a:sym typeface="Maven Pro"/>
+              </a:defRPr>
+            </a:lvl4pPr>
+            <a:lvl5pPr marR="0" lvl="4" algn="l" rtl="0">
+              <a:lnSpc>
+                <a:spcPct val="100000"/>
+              </a:lnSpc>
+              <a:spcBef>
+                <a:spcPts val="0"/>
+              </a:spcBef>
+              <a:spcAft>
+                <a:spcPts val="0"/>
+              </a:spcAft>
+              <a:buClr>
+                <a:schemeClr val="lt1"/>
+              </a:buClr>
+              <a:buSzPts val="3600"/>
+              <a:buFont typeface="Maven Pro"/>
+              <a:buNone/>
+              <a:defRPr sz="3600" b="1" i="0" u="none" strike="noStrike" cap="none">
+                <a:solidFill>
+                  <a:schemeClr val="lt1"/>
+                </a:solidFill>
+                <a:latin typeface="Maven Pro"/>
+                <a:ea typeface="Maven Pro"/>
+                <a:cs typeface="Maven Pro"/>
+                <a:sym typeface="Maven Pro"/>
+              </a:defRPr>
+            </a:lvl5pPr>
+            <a:lvl6pPr marR="0" lvl="5" algn="l" rtl="0">
+              <a:lnSpc>
+                <a:spcPct val="100000"/>
+              </a:lnSpc>
+              <a:spcBef>
+                <a:spcPts val="0"/>
+              </a:spcBef>
+              <a:spcAft>
+                <a:spcPts val="0"/>
+              </a:spcAft>
+              <a:buClr>
+                <a:schemeClr val="lt1"/>
+              </a:buClr>
+              <a:buSzPts val="3600"/>
+              <a:buFont typeface="Maven Pro"/>
+              <a:buNone/>
+              <a:defRPr sz="3600" b="1" i="0" u="none" strike="noStrike" cap="none">
+                <a:solidFill>
+                  <a:schemeClr val="lt1"/>
+                </a:solidFill>
+                <a:latin typeface="Maven Pro"/>
+                <a:ea typeface="Maven Pro"/>
+                <a:cs typeface="Maven Pro"/>
+                <a:sym typeface="Maven Pro"/>
+              </a:defRPr>
+            </a:lvl6pPr>
+            <a:lvl7pPr marR="0" lvl="6" algn="l" rtl="0">
+              <a:lnSpc>
+                <a:spcPct val="100000"/>
+              </a:lnSpc>
+              <a:spcBef>
+                <a:spcPts val="0"/>
+              </a:spcBef>
+              <a:spcAft>
+                <a:spcPts val="0"/>
+              </a:spcAft>
+              <a:buClr>
+                <a:schemeClr val="lt1"/>
+              </a:buClr>
+              <a:buSzPts val="3600"/>
+              <a:buFont typeface="Maven Pro"/>
+              <a:buNone/>
+              <a:defRPr sz="3600" b="1" i="0" u="none" strike="noStrike" cap="none">
+                <a:solidFill>
+                  <a:schemeClr val="lt1"/>
+                </a:solidFill>
+                <a:latin typeface="Maven Pro"/>
+                <a:ea typeface="Maven Pro"/>
+                <a:cs typeface="Maven Pro"/>
+                <a:sym typeface="Maven Pro"/>
+              </a:defRPr>
+            </a:lvl7pPr>
+            <a:lvl8pPr marR="0" lvl="7" algn="l" rtl="0">
+              <a:lnSpc>
+                <a:spcPct val="100000"/>
+              </a:lnSpc>
+              <a:spcBef>
+                <a:spcPts val="0"/>
+              </a:spcBef>
+              <a:spcAft>
+                <a:spcPts val="0"/>
+              </a:spcAft>
+              <a:buClr>
+                <a:schemeClr val="lt1"/>
+              </a:buClr>
+              <a:buSzPts val="3600"/>
+              <a:buFont typeface="Maven Pro"/>
+              <a:buNone/>
+              <a:defRPr sz="3600" b="1" i="0" u="none" strike="noStrike" cap="none">
+                <a:solidFill>
+                  <a:schemeClr val="lt1"/>
+                </a:solidFill>
+                <a:latin typeface="Maven Pro"/>
+                <a:ea typeface="Maven Pro"/>
+                <a:cs typeface="Maven Pro"/>
+                <a:sym typeface="Maven Pro"/>
+              </a:defRPr>
+            </a:lvl8pPr>
+            <a:lvl9pPr marR="0" lvl="8" algn="l" rtl="0">
+              <a:lnSpc>
+                <a:spcPct val="100000"/>
+              </a:lnSpc>
+              <a:spcBef>
+                <a:spcPts val="0"/>
+              </a:spcBef>
+              <a:spcAft>
+                <a:spcPts val="0"/>
+              </a:spcAft>
+              <a:buClr>
+                <a:schemeClr val="lt1"/>
+              </a:buClr>
+              <a:buSzPts val="3600"/>
+              <a:buFont typeface="Maven Pro"/>
+              <a:buNone/>
+              <a:defRPr sz="3600" b="1" i="0" u="none" strike="noStrike" cap="none">
+                <a:solidFill>
+                  <a:schemeClr val="lt1"/>
+                </a:solidFill>
+                <a:latin typeface="Maven Pro"/>
+                <a:ea typeface="Maven Pro"/>
+                <a:cs typeface="Maven Pro"/>
+                <a:sym typeface="Maven Pro"/>
+              </a:defRPr>
+            </a:lvl9pPr>
+          </a:lstStyle>
+          <a:p>
+            <a:r>
+              <a:rPr lang="en-US" sz="2800" dirty="0"/>
+              <a:t>HC-SR04 Ultrasonic Module</a:t>
+            </a:r>
+          </a:p>
+          <a:p>
+            <a:r>
+              <a:rPr lang="en-US" sz="1400" dirty="0"/>
+              <a:t>For Detection of objects up to 4 meters.</a:t>
+            </a:r>
+            <a:endParaRPr lang="en-US" sz="2800" dirty="0"/>
+          </a:p>
+        </p:txBody>
+      </p:sp>
+      <p:pic>
+        <p:nvPicPr>
+          <p:cNvPr id="2" name="Picture 1">
+            <a:extLst>
+              <a:ext uri="{FF2B5EF4-FFF2-40B4-BE49-F238E27FC236}">
+                <a16:creationId xmlns:a16="http://schemas.microsoft.com/office/drawing/2014/main" id="{02193750-DF1C-F92E-7C93-E2830E5E2C29}"/>
+              </a:ext>
+            </a:extLst>
+          </p:cNvPr>
+          <p:cNvPicPr>
+            <a:picLocks noChangeAspect="1"/>
+          </p:cNvPicPr>
+          <p:nvPr/>
+        </p:nvPicPr>
+        <p:blipFill>
+          <a:blip r:embed="rId3"/>
+          <a:stretch>
+            <a:fillRect/>
+          </a:stretch>
+        </p:blipFill>
+        <p:spPr>
+          <a:xfrm>
+            <a:off x="5449018" y="1329136"/>
+            <a:ext cx="2683598" cy="1511760"/>
+          </a:xfrm>
+          <a:prstGeom prst="rect">
+            <a:avLst/>
+          </a:prstGeom>
+        </p:spPr>
+      </p:pic>
+    </p:spTree>
+    <p:extLst>
+      <p:ext uri="{BB962C8B-B14F-4D97-AF65-F5344CB8AC3E}">
+        <p14:creationId xmlns:p14="http://schemas.microsoft.com/office/powerpoint/2010/main" val="2798895190"/>
+      </p:ext>
+    </p:extLst>
+  </p:cSld>
+  <p:clrMapOvr>
+    <a:masterClrMapping/>
+  </p:clrMapOvr>
+  <p:timing>
+    <p:tnLst>
+      <p:par>
+        <p:cTn id="1" dur="indefinite" restart="never" nodeType="tmRoot">
+          <p:childTnLst>
+            <p:seq concurrent="1" nextAc="seek">
+              <p:cTn id="2" dur="indefinite" nodeType="mainSeq">
+                <p:childTnLst>
+                  <p:par>
+                    <p:cTn id="3" fill="hold">
+                      <p:stCondLst>
+                        <p:cond delay="indefinite"/>
+                      </p:stCondLst>
+                      <p:childTnLst>
+                        <p:par>
+                          <p:cTn id="4" fill="hold">
+                            <p:stCondLst>
+                              <p:cond delay="0"/>
+                            </p:stCondLst>
+                            <p:childTnLst>
+                              <p:par>
+                                <p:cTn id="5" presetID="10" presetClass="entr" presetSubtype="0" fill="hold" nodeType="clickEffect">
+                                  <p:stCondLst>
+                                    <p:cond delay="0"/>
+                                  </p:stCondLst>
+                                  <p:childTnLst>
+                                    <p:set>
+                                      <p:cBhvr>
+                                        <p:cTn id="6" dur="1" fill="hold">
+                                          <p:stCondLst>
+                                            <p:cond delay="0"/>
+                                          </p:stCondLst>
+                                        </p:cTn>
+                                        <p:tgtEl>
+                                          <p:spTgt spid="4"/>
+                                        </p:tgtEl>
+                                        <p:attrNameLst>
+                                          <p:attrName>style.visibility</p:attrName>
+                                        </p:attrNameLst>
+                                      </p:cBhvr>
+                                      <p:to>
+                                        <p:strVal val="visible"/>
+                                      </p:to>
+                                    </p:set>
+                                    <p:animEffect transition="in" filter="fade">
+                                      <p:cBhvr>
+                                        <p:cTn id="7" dur="1000"/>
+                                        <p:tgtEl>
+                                          <p:spTgt spid="4"/>
+                                        </p:tgtEl>
+                                      </p:cBhvr>
+                                    </p:animEffect>
+                                  </p:childTnLst>
+                                </p:cTn>
+                              </p:par>
+                            </p:childTnLst>
+                          </p:cTn>
+                        </p:par>
+                      </p:childTnLst>
+                    </p:cTn>
+                  </p:par>
+                </p:childTnLst>
+              </p:cTn>
+              <p:prevCondLst>
+                <p:cond evt="onPrev" delay="0">
+                  <p:tgtEl>
+                    <p:sldTgt/>
+                  </p:tgtEl>
+                </p:cond>
+              </p:prevCondLst>
+              <p:nextCondLst>
+                <p:cond evt="onNext" delay="0">
+                  <p:tgtEl>
+                    <p:sldTgt/>
+                  </p:tgtEl>
+                </p:cond>
+              </p:nextCondLst>
+            </p:seq>
+          </p:childTnLst>
+        </p:cTn>
+      </p:par>
+    </p:tnLst>
+  </p:timing>
+</p:sld>
+</file>
+
+<file path=ppt/slides/slide15.xml><?xml version="1.0" encoding="utf-8"?>
+<p:sld xmlns:a="http://schemas.openxmlformats.org/drawingml/2006/main" xmlns:r="http://schemas.openxmlformats.org/officeDocument/2006/relationships" xmlns:p="http://schemas.openxmlformats.org/presentationml/2006/main">
+  <p:cSld>
+    <p:bg>
+      <p:bgPr>
+        <a:solidFill>
+          <a:srgbClr val="3D85C6"/>
+        </a:solidFill>
+        <a:effectLst/>
+      </p:bgPr>
+    </p:bg>
+    <p:spTree>
+      <p:nvGrpSpPr>
+        <p:cNvPr id="1" name="Shape 276"/>
+        <p:cNvGrpSpPr/>
+        <p:nvPr/>
+      </p:nvGrpSpPr>
+      <p:grpSpPr>
+        <a:xfrm>
+          <a:off x="0" y="0"/>
+          <a:ext cx="0" cy="0"/>
+          <a:chOff x="0" y="0"/>
+          <a:chExt cx="0" cy="0"/>
+        </a:xfrm>
+      </p:grpSpPr>
+      <p:sp>
+        <p:nvSpPr>
+          <p:cNvPr id="278" name="Google Shape;278;p13"/>
+          <p:cNvSpPr/>
+          <p:nvPr/>
+        </p:nvSpPr>
+        <p:spPr>
+          <a:xfrm>
+            <a:off x="8883300" y="107404"/>
+            <a:ext cx="156300" cy="161400"/>
+          </a:xfrm>
+          <a:prstGeom prst="ellipse">
+            <a:avLst/>
+          </a:prstGeom>
+          <a:solidFill>
+            <a:schemeClr val="lt1"/>
+          </a:solidFill>
+          <a:ln w="19050" cap="flat" cmpd="sng">
+            <a:solidFill>
+              <a:srgbClr val="4177D8"/>
+            </a:solidFill>
+            <a:prstDash val="solid"/>
+            <a:round/>
+            <a:headEnd type="none" w="sm" len="sm"/>
+            <a:tailEnd type="none" w="sm" len="sm"/>
+          </a:ln>
+        </p:spPr>
+        <p:txBody>
+          <a:bodyPr spcFirstLastPara="1" wrap="square" lIns="91425" tIns="91425" rIns="91425" bIns="91425" anchor="ctr" anchorCtr="0">
+            <a:noAutofit/>
+          </a:bodyPr>
+          <a:lstStyle/>
+          <a:p>
+            <a:pPr marL="0" lvl="0" indent="0" algn="l" rtl="0">
+              <a:spcBef>
+                <a:spcPts val="0"/>
+              </a:spcBef>
+              <a:spcAft>
+                <a:spcPts val="0"/>
+              </a:spcAft>
+              <a:buNone/>
+            </a:pPr>
+            <a:endParaRPr/>
+          </a:p>
+        </p:txBody>
+      </p:sp>
+      <p:grpSp>
+        <p:nvGrpSpPr>
+          <p:cNvPr id="279" name="Google Shape;279;p13"/>
+          <p:cNvGrpSpPr/>
+          <p:nvPr/>
+        </p:nvGrpSpPr>
+        <p:grpSpPr>
+          <a:xfrm>
+            <a:off x="-11" y="4061975"/>
+            <a:ext cx="942579" cy="1081522"/>
+            <a:chOff x="6790514" y="1306"/>
+            <a:chExt cx="2267451" cy="2601690"/>
+          </a:xfrm>
+        </p:grpSpPr>
+        <p:grpSp>
+          <p:nvGrpSpPr>
+            <p:cNvPr id="280" name="Google Shape;280;p13"/>
+            <p:cNvGrpSpPr/>
+            <p:nvPr/>
+          </p:nvGrpSpPr>
+          <p:grpSpPr>
+            <a:xfrm>
+              <a:off x="7067465" y="1306"/>
+              <a:ext cx="1990500" cy="1990200"/>
+              <a:chOff x="7067465" y="1306"/>
+              <a:chExt cx="1990500" cy="1990200"/>
+            </a:xfrm>
+          </p:grpSpPr>
+          <p:sp>
+            <p:nvSpPr>
+              <p:cNvPr id="281" name="Google Shape;281;p13"/>
+              <p:cNvSpPr/>
+              <p:nvPr/>
+            </p:nvSpPr>
+            <p:spPr>
+              <a:xfrm rot="-8648551">
+                <a:off x="7594313" y="527721"/>
+                <a:ext cx="937226" cy="937226"/>
+              </a:xfrm>
+              <a:prstGeom prst="ellipse">
+                <a:avLst/>
+              </a:prstGeom>
+              <a:solidFill>
+                <a:schemeClr val="lt1">
+                  <a:alpha val="9020"/>
+                </a:schemeClr>
+              </a:solidFill>
+              <a:ln>
+                <a:noFill/>
+              </a:ln>
+            </p:spPr>
+            <p:txBody>
+              <a:bodyPr spcFirstLastPara="1" wrap="square" lIns="91425" tIns="91425" rIns="91425" bIns="91425" anchor="ctr" anchorCtr="0">
+                <a:noAutofit/>
+              </a:bodyPr>
+              <a:lstStyle/>
+              <a:p>
+                <a:pPr marL="0" lvl="0" indent="0" algn="l" rtl="0">
+                  <a:spcBef>
+                    <a:spcPts val="0"/>
+                  </a:spcBef>
+                  <a:spcAft>
+                    <a:spcPts val="0"/>
+                  </a:spcAft>
+                  <a:buNone/>
+                </a:pPr>
+                <a:endParaRPr/>
+              </a:p>
+            </p:txBody>
+          </p:sp>
+          <p:sp>
+            <p:nvSpPr>
+              <p:cNvPr id="282" name="Google Shape;282;p13"/>
+              <p:cNvSpPr/>
+              <p:nvPr/>
+            </p:nvSpPr>
+            <p:spPr>
+              <a:xfrm rot="-8648551">
+                <a:off x="7594313" y="527721"/>
+                <a:ext cx="937226" cy="937226"/>
+              </a:xfrm>
+              <a:prstGeom prst="pie">
+                <a:avLst>
+                  <a:gd name="adj1" fmla="val 19376841"/>
+                  <a:gd name="adj2" fmla="val 12313574"/>
+                </a:avLst>
+              </a:prstGeom>
+              <a:solidFill>
+                <a:schemeClr val="lt1">
+                  <a:alpha val="9020"/>
+                </a:schemeClr>
+              </a:solidFill>
+              <a:ln>
+                <a:noFill/>
+              </a:ln>
+            </p:spPr>
+            <p:txBody>
+              <a:bodyPr spcFirstLastPara="1" wrap="square" lIns="91425" tIns="91425" rIns="91425" bIns="91425" anchor="ctr" anchorCtr="0">
+                <a:noAutofit/>
+              </a:bodyPr>
+              <a:lstStyle/>
+              <a:p>
+                <a:pPr marL="0" lvl="0" indent="0" algn="l" rtl="0">
+                  <a:spcBef>
+                    <a:spcPts val="0"/>
+                  </a:spcBef>
+                  <a:spcAft>
+                    <a:spcPts val="0"/>
+                  </a:spcAft>
+                  <a:buNone/>
+                </a:pPr>
+                <a:endParaRPr/>
+              </a:p>
+            </p:txBody>
+          </p:sp>
+          <p:sp>
+            <p:nvSpPr>
+              <p:cNvPr id="283" name="Google Shape;283;p13"/>
+              <p:cNvSpPr/>
+              <p:nvPr/>
+            </p:nvSpPr>
+            <p:spPr>
+              <a:xfrm rot="-8649154">
+                <a:off x="7349891" y="283705"/>
+                <a:ext cx="1425647" cy="1425404"/>
+              </a:xfrm>
+              <a:prstGeom prst="ellipse">
+                <a:avLst/>
+              </a:prstGeom>
+              <a:solidFill>
+                <a:schemeClr val="lt1">
+                  <a:alpha val="9020"/>
+                </a:schemeClr>
+              </a:solidFill>
+              <a:ln>
+                <a:noFill/>
+              </a:ln>
+            </p:spPr>
+            <p:txBody>
+              <a:bodyPr spcFirstLastPara="1" wrap="square" lIns="91425" tIns="91425" rIns="91425" bIns="91425" anchor="ctr" anchorCtr="0">
+                <a:noAutofit/>
+              </a:bodyPr>
+              <a:lstStyle/>
+              <a:p>
+                <a:pPr marL="0" lvl="0" indent="0" algn="l" rtl="0">
+                  <a:spcBef>
+                    <a:spcPts val="0"/>
+                  </a:spcBef>
+                  <a:spcAft>
+                    <a:spcPts val="0"/>
+                  </a:spcAft>
+                  <a:buNone/>
+                </a:pPr>
+                <a:endParaRPr/>
+              </a:p>
+            </p:txBody>
+          </p:sp>
+        </p:grpSp>
+        <p:grpSp>
+          <p:nvGrpSpPr>
+            <p:cNvPr id="284" name="Google Shape;284;p13"/>
+            <p:cNvGrpSpPr/>
+            <p:nvPr/>
+          </p:nvGrpSpPr>
+          <p:grpSpPr>
+            <a:xfrm>
+              <a:off x="8207126" y="1807996"/>
+              <a:ext cx="795000" cy="795000"/>
+              <a:chOff x="8207126" y="1807996"/>
+              <a:chExt cx="795000" cy="795000"/>
+            </a:xfrm>
+          </p:grpSpPr>
+          <p:sp>
+            <p:nvSpPr>
+              <p:cNvPr id="285" name="Google Shape;285;p13"/>
+              <p:cNvSpPr/>
+              <p:nvPr/>
+            </p:nvSpPr>
+            <p:spPr>
+              <a:xfrm rot="2152054">
+                <a:off x="8319942" y="1920813"/>
+                <a:ext cx="569367" cy="569367"/>
+              </a:xfrm>
+              <a:prstGeom prst="ellipse">
+                <a:avLst/>
+              </a:prstGeom>
+              <a:solidFill>
+                <a:schemeClr val="lt1">
+                  <a:alpha val="9020"/>
+                </a:schemeClr>
+              </a:solidFill>
+              <a:ln>
+                <a:noFill/>
+              </a:ln>
+            </p:spPr>
+            <p:txBody>
+              <a:bodyPr spcFirstLastPara="1" wrap="square" lIns="91425" tIns="91425" rIns="91425" bIns="91425" anchor="ctr" anchorCtr="0">
+                <a:noAutofit/>
+              </a:bodyPr>
+              <a:lstStyle/>
+              <a:p>
+                <a:pPr marL="0" lvl="0" indent="0" algn="l" rtl="0">
+                  <a:spcBef>
+                    <a:spcPts val="0"/>
+                  </a:spcBef>
+                  <a:spcAft>
+                    <a:spcPts val="0"/>
+                  </a:spcAft>
+                  <a:buNone/>
+                </a:pPr>
+                <a:endParaRPr/>
+              </a:p>
+            </p:txBody>
+          </p:sp>
+          <p:sp>
+            <p:nvSpPr>
+              <p:cNvPr id="286" name="Google Shape;286;p13"/>
+              <p:cNvSpPr/>
+              <p:nvPr/>
+            </p:nvSpPr>
+            <p:spPr>
+              <a:xfrm rot="2150259">
+                <a:off x="8408218" y="2008610"/>
+                <a:ext cx="393004" cy="393004"/>
+              </a:xfrm>
+              <a:prstGeom prst="ellipse">
+                <a:avLst/>
+              </a:prstGeom>
+              <a:solidFill>
+                <a:schemeClr val="lt1">
+                  <a:alpha val="9020"/>
+                </a:schemeClr>
+              </a:solidFill>
+              <a:ln>
+                <a:noFill/>
+              </a:ln>
+            </p:spPr>
+            <p:txBody>
+              <a:bodyPr spcFirstLastPara="1" wrap="square" lIns="91425" tIns="91425" rIns="91425" bIns="91425" anchor="ctr" anchorCtr="0">
+                <a:noAutofit/>
+              </a:bodyPr>
+              <a:lstStyle/>
+              <a:p>
+                <a:pPr marL="0" lvl="0" indent="0" algn="l" rtl="0">
+                  <a:spcBef>
+                    <a:spcPts val="0"/>
+                  </a:spcBef>
+                  <a:spcAft>
+                    <a:spcPts val="0"/>
+                  </a:spcAft>
+                  <a:buNone/>
+                </a:pPr>
+                <a:endParaRPr/>
+              </a:p>
+            </p:txBody>
+          </p:sp>
+          <p:sp>
+            <p:nvSpPr>
+              <p:cNvPr id="287" name="Google Shape;287;p13"/>
+              <p:cNvSpPr/>
+              <p:nvPr/>
+            </p:nvSpPr>
+            <p:spPr>
+              <a:xfrm rot="2150259">
+                <a:off x="8408218" y="2008610"/>
+                <a:ext cx="393004" cy="393004"/>
+              </a:xfrm>
+              <a:prstGeom prst="pie">
+                <a:avLst>
+                  <a:gd name="adj1" fmla="val 5699893"/>
+                  <a:gd name="adj2" fmla="val 12313574"/>
+                </a:avLst>
+              </a:prstGeom>
+              <a:solidFill>
+                <a:schemeClr val="lt1">
+                  <a:alpha val="9020"/>
+                </a:schemeClr>
+              </a:solidFill>
+              <a:ln>
+                <a:noFill/>
+              </a:ln>
+            </p:spPr>
+            <p:txBody>
+              <a:bodyPr spcFirstLastPara="1" wrap="square" lIns="91425" tIns="91425" rIns="91425" bIns="91425" anchor="ctr" anchorCtr="0">
+                <a:noAutofit/>
+              </a:bodyPr>
+              <a:lstStyle/>
+              <a:p>
+                <a:pPr marL="0" lvl="0" indent="0" algn="l" rtl="0">
+                  <a:spcBef>
+                    <a:spcPts val="0"/>
+                  </a:spcBef>
+                  <a:spcAft>
+                    <a:spcPts val="0"/>
+                  </a:spcAft>
+                  <a:buNone/>
+                </a:pPr>
+                <a:endParaRPr/>
+              </a:p>
+            </p:txBody>
+          </p:sp>
+        </p:grpSp>
+        <p:grpSp>
+          <p:nvGrpSpPr>
+            <p:cNvPr id="288" name="Google Shape;288;p13"/>
+            <p:cNvGrpSpPr/>
+            <p:nvPr/>
+          </p:nvGrpSpPr>
+          <p:grpSpPr>
+            <a:xfrm>
+              <a:off x="6790514" y="118857"/>
+              <a:ext cx="548700" cy="548700"/>
+              <a:chOff x="6790514" y="118857"/>
+              <a:chExt cx="548700" cy="548700"/>
+            </a:xfrm>
+          </p:grpSpPr>
+          <p:sp>
+            <p:nvSpPr>
+              <p:cNvPr id="289" name="Google Shape;289;p13"/>
+              <p:cNvSpPr/>
+              <p:nvPr/>
+            </p:nvSpPr>
+            <p:spPr>
+              <a:xfrm rot="2150259">
+                <a:off x="6868362" y="196705"/>
+                <a:ext cx="393004" cy="393004"/>
+              </a:xfrm>
+              <a:prstGeom prst="ellipse">
+                <a:avLst/>
+              </a:prstGeom>
+              <a:solidFill>
+                <a:schemeClr val="lt1">
+                  <a:alpha val="9020"/>
+                </a:schemeClr>
+              </a:solidFill>
+              <a:ln>
+                <a:noFill/>
+              </a:ln>
+            </p:spPr>
+            <p:txBody>
+              <a:bodyPr spcFirstLastPara="1" wrap="square" lIns="91425" tIns="91425" rIns="91425" bIns="91425" anchor="ctr" anchorCtr="0">
+                <a:noAutofit/>
+              </a:bodyPr>
+              <a:lstStyle/>
+              <a:p>
+                <a:pPr marL="0" lvl="0" indent="0" algn="l" rtl="0">
+                  <a:spcBef>
+                    <a:spcPts val="0"/>
+                  </a:spcBef>
+                  <a:spcAft>
+                    <a:spcPts val="0"/>
+                  </a:spcAft>
+                  <a:buNone/>
+                </a:pPr>
+                <a:endParaRPr/>
+              </a:p>
+            </p:txBody>
+          </p:sp>
+          <p:sp>
+            <p:nvSpPr>
+              <p:cNvPr id="290" name="Google Shape;290;p13"/>
+              <p:cNvSpPr/>
+              <p:nvPr/>
+            </p:nvSpPr>
+            <p:spPr>
+              <a:xfrm rot="2150259">
+                <a:off x="6868362" y="196705"/>
+                <a:ext cx="393004" cy="393004"/>
+              </a:xfrm>
+              <a:prstGeom prst="pie">
+                <a:avLst>
+                  <a:gd name="adj1" fmla="val 5699893"/>
+                  <a:gd name="adj2" fmla="val 12313574"/>
+                </a:avLst>
+              </a:prstGeom>
+              <a:solidFill>
+                <a:schemeClr val="lt1">
+                  <a:alpha val="9020"/>
+                </a:schemeClr>
+              </a:solidFill>
+              <a:ln>
+                <a:noFill/>
+              </a:ln>
+            </p:spPr>
+            <p:txBody>
+              <a:bodyPr spcFirstLastPara="1" wrap="square" lIns="91425" tIns="91425" rIns="91425" bIns="91425" anchor="ctr" anchorCtr="0">
+                <a:noAutofit/>
+              </a:bodyPr>
+              <a:lstStyle/>
+              <a:p>
+                <a:pPr marL="0" lvl="0" indent="0" algn="l" rtl="0">
+                  <a:spcBef>
+                    <a:spcPts val="0"/>
+                  </a:spcBef>
+                  <a:spcAft>
+                    <a:spcPts val="0"/>
+                  </a:spcAft>
+                  <a:buNone/>
+                </a:pPr>
+                <a:endParaRPr/>
+              </a:p>
+            </p:txBody>
+          </p:sp>
+        </p:grpSp>
+      </p:grpSp>
+      <p:sp>
+        <p:nvSpPr>
+          <p:cNvPr id="4" name="Google Shape;277;p13">
+            <a:extLst>
+              <a:ext uri="{FF2B5EF4-FFF2-40B4-BE49-F238E27FC236}">
+                <a16:creationId xmlns:a16="http://schemas.microsoft.com/office/drawing/2014/main" id="{FDFD52D1-086F-EC21-A3E4-40E3E34EBE2C}"/>
+              </a:ext>
+            </a:extLst>
+          </p:cNvPr>
+          <p:cNvSpPr txBox="1">
+            <a:spLocks/>
+          </p:cNvSpPr>
+          <p:nvPr/>
+        </p:nvSpPr>
+        <p:spPr>
+          <a:xfrm>
+            <a:off x="942538" y="1487762"/>
+            <a:ext cx="3629461" cy="1584357"/>
+          </a:xfrm>
+          <a:prstGeom prst="rect">
+            <a:avLst/>
+          </a:prstGeom>
+          <a:solidFill>
+            <a:srgbClr val="4177D8"/>
+          </a:solidFill>
+          <a:ln w="19050" cap="flat" cmpd="sng">
+            <a:solidFill>
+              <a:srgbClr val="FFFFFF"/>
+            </a:solidFill>
+            <a:prstDash val="solid"/>
+            <a:round/>
+            <a:headEnd type="none" w="sm" len="sm"/>
+            <a:tailEnd type="none" w="sm" len="sm"/>
+          </a:ln>
+        </p:spPr>
+        <p:txBody>
+          <a:bodyPr spcFirstLastPara="1" wrap="square" lIns="91425" tIns="91425" rIns="91425" bIns="91425" anchor="ctr" anchorCtr="0">
+            <a:normAutofit/>
+          </a:bodyPr>
+          <a:lstStyle>
+            <a:defPPr marR="0" lvl="0" algn="l" rtl="0">
+              <a:lnSpc>
+                <a:spcPct val="100000"/>
+              </a:lnSpc>
+              <a:spcBef>
+                <a:spcPts val="0"/>
+              </a:spcBef>
+              <a:spcAft>
+                <a:spcPts val="0"/>
+              </a:spcAft>
+            </a:defPPr>
+            <a:lvl1pPr marR="0" lvl="0" algn="l" rtl="0">
+              <a:lnSpc>
+                <a:spcPct val="100000"/>
+              </a:lnSpc>
+              <a:spcBef>
+                <a:spcPts val="0"/>
+              </a:spcBef>
+              <a:spcAft>
+                <a:spcPts val="0"/>
+              </a:spcAft>
+              <a:buClr>
+                <a:schemeClr val="lt1"/>
+              </a:buClr>
+              <a:buSzPts val="3600"/>
+              <a:buFont typeface="Maven Pro"/>
+              <a:buNone/>
+              <a:defRPr sz="3600" b="1" i="0" u="none" strike="noStrike" cap="none">
+                <a:solidFill>
+                  <a:schemeClr val="lt1"/>
+                </a:solidFill>
+                <a:latin typeface="Maven Pro"/>
+                <a:ea typeface="Maven Pro"/>
+                <a:cs typeface="Maven Pro"/>
+                <a:sym typeface="Maven Pro"/>
+              </a:defRPr>
+            </a:lvl1pPr>
+            <a:lvl2pPr marR="0" lvl="1" algn="l" rtl="0">
+              <a:lnSpc>
+                <a:spcPct val="100000"/>
+              </a:lnSpc>
+              <a:spcBef>
+                <a:spcPts val="0"/>
+              </a:spcBef>
+              <a:spcAft>
+                <a:spcPts val="0"/>
+              </a:spcAft>
+              <a:buClr>
+                <a:schemeClr val="lt1"/>
+              </a:buClr>
+              <a:buSzPts val="3600"/>
+              <a:buFont typeface="Maven Pro"/>
+              <a:buNone/>
+              <a:defRPr sz="3600" b="1" i="0" u="none" strike="noStrike" cap="none">
+                <a:solidFill>
+                  <a:schemeClr val="lt1"/>
+                </a:solidFill>
+                <a:latin typeface="Maven Pro"/>
+                <a:ea typeface="Maven Pro"/>
+                <a:cs typeface="Maven Pro"/>
+                <a:sym typeface="Maven Pro"/>
+              </a:defRPr>
+            </a:lvl2pPr>
+            <a:lvl3pPr marR="0" lvl="2" algn="l" rtl="0">
+              <a:lnSpc>
+                <a:spcPct val="100000"/>
+              </a:lnSpc>
+              <a:spcBef>
+                <a:spcPts val="0"/>
+              </a:spcBef>
+              <a:spcAft>
+                <a:spcPts val="0"/>
+              </a:spcAft>
+              <a:buClr>
+                <a:schemeClr val="lt1"/>
+              </a:buClr>
+              <a:buSzPts val="3600"/>
+              <a:buFont typeface="Maven Pro"/>
+              <a:buNone/>
+              <a:defRPr sz="3600" b="1" i="0" u="none" strike="noStrike" cap="none">
+                <a:solidFill>
+                  <a:schemeClr val="lt1"/>
+                </a:solidFill>
+                <a:latin typeface="Maven Pro"/>
+                <a:ea typeface="Maven Pro"/>
+                <a:cs typeface="Maven Pro"/>
+                <a:sym typeface="Maven Pro"/>
+              </a:defRPr>
+            </a:lvl3pPr>
+            <a:lvl4pPr marR="0" lvl="3" algn="l" rtl="0">
+              <a:lnSpc>
+                <a:spcPct val="100000"/>
+              </a:lnSpc>
+              <a:spcBef>
+                <a:spcPts val="0"/>
+              </a:spcBef>
+              <a:spcAft>
+                <a:spcPts val="0"/>
+              </a:spcAft>
+              <a:buClr>
+                <a:schemeClr val="lt1"/>
+              </a:buClr>
+              <a:buSzPts val="3600"/>
+              <a:buFont typeface="Maven Pro"/>
+              <a:buNone/>
+              <a:defRPr sz="3600" b="1" i="0" u="none" strike="noStrike" cap="none">
+                <a:solidFill>
+                  <a:schemeClr val="lt1"/>
+                </a:solidFill>
+                <a:latin typeface="Maven Pro"/>
+                <a:ea typeface="Maven Pro"/>
+                <a:cs typeface="Maven Pro"/>
+                <a:sym typeface="Maven Pro"/>
+              </a:defRPr>
+            </a:lvl4pPr>
+            <a:lvl5pPr marR="0" lvl="4" algn="l" rtl="0">
+              <a:lnSpc>
+                <a:spcPct val="100000"/>
+              </a:lnSpc>
+              <a:spcBef>
+                <a:spcPts val="0"/>
+              </a:spcBef>
+              <a:spcAft>
+                <a:spcPts val="0"/>
+              </a:spcAft>
+              <a:buClr>
+                <a:schemeClr val="lt1"/>
+              </a:buClr>
+              <a:buSzPts val="3600"/>
+              <a:buFont typeface="Maven Pro"/>
+              <a:buNone/>
+              <a:defRPr sz="3600" b="1" i="0" u="none" strike="noStrike" cap="none">
+                <a:solidFill>
+                  <a:schemeClr val="lt1"/>
+                </a:solidFill>
+                <a:latin typeface="Maven Pro"/>
+                <a:ea typeface="Maven Pro"/>
+                <a:cs typeface="Maven Pro"/>
+                <a:sym typeface="Maven Pro"/>
+              </a:defRPr>
+            </a:lvl5pPr>
+            <a:lvl6pPr marR="0" lvl="5" algn="l" rtl="0">
+              <a:lnSpc>
+                <a:spcPct val="100000"/>
+              </a:lnSpc>
+              <a:spcBef>
+                <a:spcPts val="0"/>
+              </a:spcBef>
+              <a:spcAft>
+                <a:spcPts val="0"/>
+              </a:spcAft>
+              <a:buClr>
+                <a:schemeClr val="lt1"/>
+              </a:buClr>
+              <a:buSzPts val="3600"/>
+              <a:buFont typeface="Maven Pro"/>
+              <a:buNone/>
+              <a:defRPr sz="3600" b="1" i="0" u="none" strike="noStrike" cap="none">
+                <a:solidFill>
+                  <a:schemeClr val="lt1"/>
+                </a:solidFill>
+                <a:latin typeface="Maven Pro"/>
+                <a:ea typeface="Maven Pro"/>
+                <a:cs typeface="Maven Pro"/>
+                <a:sym typeface="Maven Pro"/>
+              </a:defRPr>
+            </a:lvl6pPr>
+            <a:lvl7pPr marR="0" lvl="6" algn="l" rtl="0">
+              <a:lnSpc>
+                <a:spcPct val="100000"/>
+              </a:lnSpc>
+              <a:spcBef>
+                <a:spcPts val="0"/>
+              </a:spcBef>
+              <a:spcAft>
+                <a:spcPts val="0"/>
+              </a:spcAft>
+              <a:buClr>
+                <a:schemeClr val="lt1"/>
+              </a:buClr>
+              <a:buSzPts val="3600"/>
+              <a:buFont typeface="Maven Pro"/>
+              <a:buNone/>
+              <a:defRPr sz="3600" b="1" i="0" u="none" strike="noStrike" cap="none">
+                <a:solidFill>
+                  <a:schemeClr val="lt1"/>
+                </a:solidFill>
+                <a:latin typeface="Maven Pro"/>
+                <a:ea typeface="Maven Pro"/>
+                <a:cs typeface="Maven Pro"/>
+                <a:sym typeface="Maven Pro"/>
+              </a:defRPr>
+            </a:lvl7pPr>
+            <a:lvl8pPr marR="0" lvl="7" algn="l" rtl="0">
+              <a:lnSpc>
+                <a:spcPct val="100000"/>
+              </a:lnSpc>
+              <a:spcBef>
+                <a:spcPts val="0"/>
+              </a:spcBef>
+              <a:spcAft>
+                <a:spcPts val="0"/>
+              </a:spcAft>
+              <a:buClr>
+                <a:schemeClr val="lt1"/>
+              </a:buClr>
+              <a:buSzPts val="3600"/>
+              <a:buFont typeface="Maven Pro"/>
+              <a:buNone/>
+              <a:defRPr sz="3600" b="1" i="0" u="none" strike="noStrike" cap="none">
+                <a:solidFill>
+                  <a:schemeClr val="lt1"/>
+                </a:solidFill>
+                <a:latin typeface="Maven Pro"/>
+                <a:ea typeface="Maven Pro"/>
+                <a:cs typeface="Maven Pro"/>
+                <a:sym typeface="Maven Pro"/>
+              </a:defRPr>
+            </a:lvl8pPr>
+            <a:lvl9pPr marR="0" lvl="8" algn="l" rtl="0">
+              <a:lnSpc>
+                <a:spcPct val="100000"/>
+              </a:lnSpc>
+              <a:spcBef>
+                <a:spcPts val="0"/>
+              </a:spcBef>
+              <a:spcAft>
+                <a:spcPts val="0"/>
+              </a:spcAft>
+              <a:buClr>
+                <a:schemeClr val="lt1"/>
+              </a:buClr>
+              <a:buSzPts val="3600"/>
+              <a:buFont typeface="Maven Pro"/>
+              <a:buNone/>
+              <a:defRPr sz="3600" b="1" i="0" u="none" strike="noStrike" cap="none">
+                <a:solidFill>
+                  <a:schemeClr val="lt1"/>
+                </a:solidFill>
+                <a:latin typeface="Maven Pro"/>
+                <a:ea typeface="Maven Pro"/>
+                <a:cs typeface="Maven Pro"/>
+                <a:sym typeface="Maven Pro"/>
+              </a:defRPr>
+            </a:lvl9pPr>
+          </a:lstStyle>
+          <a:p>
+            <a:r>
+              <a:rPr lang="en-US" sz="2800" dirty="0"/>
+              <a:t>LDR Sensor module</a:t>
+            </a:r>
+          </a:p>
+          <a:p>
+            <a:r>
+              <a:rPr lang="en-US" sz="1400" dirty="0"/>
+              <a:t>For the detection of intensity of light</a:t>
+            </a:r>
+          </a:p>
+        </p:txBody>
+      </p:sp>
+      <p:pic>
+        <p:nvPicPr>
+          <p:cNvPr id="3" name="Picture 2">
+            <a:extLst>
+              <a:ext uri="{FF2B5EF4-FFF2-40B4-BE49-F238E27FC236}">
+                <a16:creationId xmlns:a16="http://schemas.microsoft.com/office/drawing/2014/main" id="{9C859C7E-6080-75F9-B43B-63141487D166}"/>
+              </a:ext>
+            </a:extLst>
+          </p:cNvPr>
+          <p:cNvPicPr>
+            <a:picLocks noChangeAspect="1"/>
+          </p:cNvPicPr>
+          <p:nvPr/>
+        </p:nvPicPr>
+        <p:blipFill>
+          <a:blip r:embed="rId3"/>
+          <a:stretch>
+            <a:fillRect/>
+          </a:stretch>
+        </p:blipFill>
+        <p:spPr>
+          <a:xfrm>
+            <a:off x="5622922" y="416460"/>
+            <a:ext cx="2578540" cy="2578540"/>
+          </a:xfrm>
+          <a:prstGeom prst="rect">
+            <a:avLst/>
+          </a:prstGeom>
+        </p:spPr>
+      </p:pic>
+    </p:spTree>
+    <p:extLst>
+      <p:ext uri="{BB962C8B-B14F-4D97-AF65-F5344CB8AC3E}">
+        <p14:creationId xmlns:p14="http://schemas.microsoft.com/office/powerpoint/2010/main" val="2204998938"/>
+      </p:ext>
+    </p:extLst>
+  </p:cSld>
+  <p:clrMapOvr>
+    <a:masterClrMapping/>
+  </p:clrMapOvr>
+  <p:timing>
+    <p:tnLst>
+      <p:par>
+        <p:cTn id="1" dur="indefinite" restart="never" nodeType="tmRoot">
+          <p:childTnLst>
+            <p:seq concurrent="1" nextAc="seek">
+              <p:cTn id="2" dur="indefinite" nodeType="mainSeq">
+                <p:childTnLst>
+                  <p:par>
+                    <p:cTn id="3" fill="hold">
+                      <p:stCondLst>
+                        <p:cond delay="indefinite"/>
+                      </p:stCondLst>
+                      <p:childTnLst>
+                        <p:par>
+                          <p:cTn id="4" fill="hold">
+                            <p:stCondLst>
+                              <p:cond delay="0"/>
+                            </p:stCondLst>
+                            <p:childTnLst>
+                              <p:par>
+                                <p:cTn id="5" presetID="10" presetClass="entr" presetSubtype="0" fill="hold" nodeType="clickEffect">
+                                  <p:stCondLst>
+                                    <p:cond delay="0"/>
+                                  </p:stCondLst>
+                                  <p:childTnLst>
+                                    <p:set>
+                                      <p:cBhvr>
+                                        <p:cTn id="6" dur="1" fill="hold">
+                                          <p:stCondLst>
+                                            <p:cond delay="0"/>
+                                          </p:stCondLst>
+                                        </p:cTn>
+                                        <p:tgtEl>
+                                          <p:spTgt spid="4"/>
+                                        </p:tgtEl>
+                                        <p:attrNameLst>
+                                          <p:attrName>style.visibility</p:attrName>
+                                        </p:attrNameLst>
+                                      </p:cBhvr>
+                                      <p:to>
+                                        <p:strVal val="visible"/>
+                                      </p:to>
+                                    </p:set>
+                                    <p:animEffect transition="in" filter="fade">
+                                      <p:cBhvr>
+                                        <p:cTn id="7" dur="1000"/>
+                                        <p:tgtEl>
+                                          <p:spTgt spid="4"/>
+                                        </p:tgtEl>
+                                      </p:cBhvr>
+                                    </p:animEffect>
+                                  </p:childTnLst>
+                                </p:cTn>
+                              </p:par>
+                            </p:childTnLst>
+                          </p:cTn>
+                        </p:par>
+                      </p:childTnLst>
+                    </p:cTn>
+                  </p:par>
+                </p:childTnLst>
+              </p:cTn>
+              <p:prevCondLst>
+                <p:cond evt="onPrev" delay="0">
+                  <p:tgtEl>
+                    <p:sldTgt/>
+                  </p:tgtEl>
+                </p:cond>
+              </p:prevCondLst>
+              <p:nextCondLst>
+                <p:cond evt="onNext" delay="0">
+                  <p:tgtEl>
+                    <p:sldTgt/>
+                  </p:tgtEl>
+                </p:cond>
+              </p:nextCondLst>
+            </p:seq>
+          </p:childTnLst>
+        </p:cTn>
+      </p:par>
+    </p:tnLst>
+  </p:timing>
+</p:sld>
+</file>
+
 <file path=ppt/slides/slide2.xml><?xml version="1.0" encoding="utf-8"?>
 <p:sld xmlns:a="http://schemas.openxmlformats.org/drawingml/2006/main" xmlns:r="http://schemas.openxmlformats.org/officeDocument/2006/relationships" xmlns:p="http://schemas.openxmlformats.org/presentationml/2006/main">
   <p:cSld>
@@ -17342,8 +22399,8 @@
         </p:nvSpPr>
         <p:spPr>
           <a:xfrm>
-            <a:off x="114035" y="1368749"/>
-            <a:ext cx="5857800" cy="1872900"/>
+            <a:off x="228083" y="1408699"/>
+            <a:ext cx="5857800" cy="2011160"/>
           </a:xfrm>
           <a:prstGeom prst="rect">
             <a:avLst/>
@@ -17363,22 +22420,44 @@
         </p:spPr>
         <p:txBody>
           <a:bodyPr spcFirstLastPara="1" wrap="square" lIns="91425" tIns="91425" rIns="91425" bIns="91425" anchor="ctr" anchorCtr="0">
-            <a:normAutofit/>
+            <a:normAutofit fontScale="90000"/>
           </a:bodyPr>
           <a:lstStyle/>
           <a:p>
-            <a:pPr marL="0" lvl="0" indent="0" algn="l" rtl="0">
-              <a:spcBef>
-                <a:spcPts val="0"/>
-              </a:spcBef>
-              <a:spcAft>
-                <a:spcPts val="0"/>
-              </a:spcAft>
-              <a:buNone/>
-            </a:pPr>
+            <a:br>
+              <a:rPr lang="en-US" dirty="0"/>
+            </a:br>
+            <a:br>
+              <a:rPr lang="en-US" dirty="0"/>
+            </a:br>
             <a:r>
               <a:rPr lang="en-US" dirty="0"/>
-              <a:t>What is Arduino? </a:t>
+              <a:t>What is Arduino?</a:t>
+            </a:r>
+            <a:br>
+              <a:rPr lang="en-US" dirty="0"/>
+            </a:br>
+            <a:r>
+              <a:rPr lang="en-NP" sz="1800" dirty="0"/>
+              <a:t>An Arduino is an open-source hardware development platform </a:t>
+            </a:r>
+            <a:r>
+              <a:rPr lang="en-US" sz="1800" dirty="0"/>
+              <a:t>used to develop easy-to-use electronic devices</a:t>
+            </a:r>
+            <a:r>
+              <a:rPr lang="en-NP" sz="1800" dirty="0"/>
+              <a:t> to interact with the real world. The hardware configuration of an Arduino is open source which means that it can be modified in order to make different versions of itself.</a:t>
+            </a:r>
+            <a:br>
+              <a:rPr lang="en-NP" dirty="0"/>
+            </a:br>
+            <a:br>
+              <a:rPr lang="en-US" dirty="0"/>
+            </a:br>
+            <a:r>
+              <a:rPr lang="en-US" dirty="0"/>
+              <a:t> </a:t>
             </a:r>
             <a:endParaRPr dirty="0"/>
           </a:p>
@@ -17968,8 +23047,8 @@
         </p:nvSpPr>
         <p:spPr>
           <a:xfrm>
-            <a:off x="114035" y="1368749"/>
-            <a:ext cx="3193609" cy="1203001"/>
+            <a:off x="228083" y="1681324"/>
+            <a:ext cx="3650928" cy="1780851"/>
           </a:xfrm>
           <a:prstGeom prst="rect">
             <a:avLst/>
@@ -17989,22 +23068,29 @@
         </p:spPr>
         <p:txBody>
           <a:bodyPr spcFirstLastPara="1" wrap="square" lIns="91425" tIns="91425" rIns="91425" bIns="91425" anchor="ctr" anchorCtr="0">
-            <a:normAutofit/>
+            <a:normAutofit fontScale="90000"/>
           </a:bodyPr>
           <a:lstStyle/>
           <a:p>
-            <a:pPr marL="0" lvl="0" indent="0" algn="l" rtl="0">
-              <a:spcBef>
-                <a:spcPts val="0"/>
-              </a:spcBef>
-              <a:spcAft>
-                <a:spcPts val="0"/>
-              </a:spcAft>
-              <a:buNone/>
-            </a:pPr>
+            <a:pPr lvl="0"/>
             <a:r>
               <a:rPr lang="en-US" dirty="0"/>
-              <a:t>Arduino UNO </a:t>
+              <a:t>Arduino UNO</a:t>
+            </a:r>
+            <a:br>
+              <a:rPr lang="en-US" dirty="0"/>
+            </a:br>
+            <a:r>
+              <a:rPr lang="en-NP" sz="1400" dirty="0"/>
+              <a:t>An Arduino UNO is an open-source microcontroller board whi</a:t>
+            </a:r>
+            <a:r>
+              <a:rPr lang="en-US" sz="1400" dirty="0" err="1"/>
+              <a:t>ch</a:t>
+            </a:r>
+            <a:r>
+              <a:rPr lang="en-US" sz="1400" dirty="0"/>
+              <a:t> is based on Atmega328p. It is a standard board of Arduino which is easy to operate in comparison to other  Arduino boards. </a:t>
             </a:r>
             <a:endParaRPr dirty="0"/>
           </a:p>
@@ -18483,7 +23569,7 @@
         </p:blipFill>
         <p:spPr>
           <a:xfrm>
-            <a:off x="3764963" y="607470"/>
+            <a:off x="4058474" y="438137"/>
             <a:ext cx="4142789" cy="2932536"/>
           </a:xfrm>
           <a:prstGeom prst="rect">
@@ -18664,10 +23750,10 @@
               <a:buNone/>
             </a:pPr>
             <a:r>
-              <a:rPr lang="en-US" dirty="0"/>
+              <a:rPr lang="en-US" sz="3200" dirty="0"/>
               <a:t>Components of Arduino UNO</a:t>
             </a:r>
-            <a:endParaRPr dirty="0"/>
+            <a:endParaRPr sz="3200" dirty="0"/>
           </a:p>
         </p:txBody>
       </p:sp>
@@ -19285,7 +24371,7 @@
         </p:nvSpPr>
         <p:spPr>
           <a:xfrm>
-            <a:off x="114034" y="2672266"/>
+            <a:off x="640106" y="2543540"/>
             <a:ext cx="4110761" cy="1247966"/>
           </a:xfrm>
           <a:prstGeom prst="rect">
@@ -19306,7 +24392,7 @@
         </p:spPr>
         <p:txBody>
           <a:bodyPr spcFirstLastPara="1" wrap="square" lIns="91425" tIns="91425" rIns="91425" bIns="91425" anchor="ctr" anchorCtr="0">
-            <a:normAutofit/>
+            <a:normAutofit fontScale="90000"/>
           </a:bodyPr>
           <a:lstStyle/>
           <a:p>
@@ -19319,11 +24405,33 @@
               </a:spcAft>
               <a:buNone/>
             </a:pPr>
+            <a:br>
+              <a:rPr lang="en-US" sz="3000" dirty="0"/>
+            </a:br>
+            <a:br>
+              <a:rPr lang="en-US" sz="3000" dirty="0"/>
+            </a:br>
             <a:r>
-              <a:rPr lang="en-US" sz="3200" dirty="0"/>
+              <a:rPr lang="en-US" sz="3000" dirty="0"/>
               <a:t>Analog pins</a:t>
             </a:r>
-            <a:endParaRPr sz="3200" dirty="0"/>
+            <a:br>
+              <a:rPr lang="en-US" sz="3000" dirty="0"/>
+            </a:br>
+            <a:r>
+              <a:rPr lang="en-US" sz="1300" dirty="0"/>
+              <a:t>There are a total of 6 analog input pins which can read voltage from external devices like sensors. </a:t>
+            </a:r>
+            <a:br>
+              <a:rPr lang="en-US" sz="1300" dirty="0"/>
+            </a:br>
+            <a:br>
+              <a:rPr lang="en-US" sz="3000" dirty="0"/>
+            </a:br>
+            <a:br>
+              <a:rPr lang="en-US" sz="3000" dirty="0"/>
+            </a:br>
+            <a:endParaRPr sz="3000" dirty="0"/>
           </a:p>
         </p:txBody>
       </p:sp>
@@ -19800,8 +24908,8 @@
         </p:blipFill>
         <p:spPr>
           <a:xfrm>
-            <a:off x="4405776" y="552261"/>
-            <a:ext cx="4624189" cy="1147401"/>
+            <a:off x="4926212" y="597066"/>
+            <a:ext cx="4110760" cy="1147401"/>
           </a:xfrm>
           <a:prstGeom prst="rect">
             <a:avLst/>
@@ -19824,8 +24932,8 @@
         </p:nvSpPr>
         <p:spPr>
           <a:xfrm>
-            <a:off x="114035" y="559199"/>
-            <a:ext cx="4110761" cy="1147401"/>
+            <a:off x="588874" y="784198"/>
+            <a:ext cx="4110761" cy="1417237"/>
           </a:xfrm>
           <a:prstGeom prst="rect">
             <a:avLst/>
@@ -19845,7 +24953,7 @@
         </p:spPr>
         <p:txBody>
           <a:bodyPr spcFirstLastPara="1" wrap="square" lIns="91425" tIns="91425" rIns="91425" bIns="91425" anchor="ctr" anchorCtr="0">
-            <a:normAutofit lnSpcReduction="10000"/>
+            <a:normAutofit fontScale="77500" lnSpcReduction="20000"/>
           </a:bodyPr>
           <a:lstStyle>
             <a:defPPr marR="0" lvl="0" algn="l" rtl="0">
@@ -20095,10 +25203,26 @@
             </a:lvl9pPr>
           </a:lstStyle>
           <a:p>
+            <a:endParaRPr lang="en-US" sz="3000" dirty="0"/>
+          </a:p>
+          <a:p>
             <a:r>
-              <a:rPr lang="en-US" sz="3200" dirty="0"/>
-              <a:t>Digital input/output pins</a:t>
+              <a:rPr lang="en-US" sz="3000" dirty="0"/>
+              <a:t>Digital I/O pins</a:t>
             </a:r>
+          </a:p>
+          <a:p>
+            <a:endParaRPr lang="en-US" sz="3000" dirty="0"/>
+          </a:p>
+          <a:p>
+            <a:r>
+              <a:rPr lang="en-NP" sz="1600" dirty="0"/>
+              <a:t>There are a total of 14 digital pins in Arduino Uno where 6 pin support PWM</a:t>
+            </a:r>
+            <a:endParaRPr lang="en-US" sz="1400" dirty="0"/>
+          </a:p>
+          <a:p>
+            <a:endParaRPr lang="en-US" sz="3200" dirty="0"/>
           </a:p>
         </p:txBody>
       </p:sp>
@@ -20124,8 +25248,8 @@
         </p:blipFill>
         <p:spPr>
           <a:xfrm>
-            <a:off x="4426471" y="2490338"/>
-            <a:ext cx="3044283" cy="1734549"/>
+            <a:off x="4926212" y="2322159"/>
+            <a:ext cx="3044283" cy="1417237"/>
           </a:xfrm>
           <a:prstGeom prst="rect">
             <a:avLst/>
@@ -20369,7 +25493,7 @@
         </p:spPr>
         <p:txBody>
           <a:bodyPr spcFirstLastPara="1" wrap="square" lIns="91425" tIns="91425" rIns="91425" bIns="91425" anchor="ctr" anchorCtr="0">
-            <a:normAutofit/>
+            <a:normAutofit fontScale="90000"/>
           </a:bodyPr>
           <a:lstStyle/>
           <a:p>
@@ -20385,6 +25509,13 @@
             <a:r>
               <a:rPr lang="en-US" sz="3200" dirty="0"/>
               <a:t>Microcontroller</a:t>
+            </a:r>
+            <a:br>
+              <a:rPr lang="en-US" sz="3200" dirty="0"/>
+            </a:br>
+            <a:r>
+              <a:rPr lang="en-US" sz="1400" dirty="0"/>
+              <a:t>It is a main component of the Arduino UNO board based on ATmega328.</a:t>
             </a:r>
             <a:endParaRPr sz="3200" dirty="0"/>
           </a:p>
@@ -20888,7 +26019,7 @@
         <p:spPr>
           <a:xfrm>
             <a:off x="1056574" y="2738046"/>
-            <a:ext cx="2723330" cy="960133"/>
+            <a:ext cx="2928404" cy="960133"/>
           </a:xfrm>
           <a:prstGeom prst="rect">
             <a:avLst/>
@@ -20908,7 +26039,7 @@
         </p:spPr>
         <p:txBody>
           <a:bodyPr spcFirstLastPara="1" wrap="square" lIns="91425" tIns="91425" rIns="91425" bIns="91425" anchor="ctr" anchorCtr="0">
-            <a:normAutofit fontScale="92500"/>
+            <a:normAutofit fontScale="92500" lnSpcReduction="10000"/>
           </a:bodyPr>
           <a:lstStyle>
             <a:defPPr marR="0" lvl="0" algn="l" rtl="0">
@@ -21161,6 +26292,12 @@
             <a:r>
               <a:rPr lang="en-US" sz="3200" dirty="0"/>
               <a:t>Reset Button</a:t>
+            </a:r>
+          </a:p>
+          <a:p>
+            <a:r>
+              <a:rPr lang="en-US" sz="1400" dirty="0"/>
+              <a:t>Reset the device to the initialized state </a:t>
             </a:r>
           </a:p>
         </p:txBody>
@@ -21187,7 +26324,7 @@
         </p:blipFill>
         <p:spPr>
           <a:xfrm>
-            <a:off x="4965875" y="2571750"/>
+            <a:off x="4662311" y="2424994"/>
             <a:ext cx="2207304" cy="1405595"/>
           </a:xfrm>
           <a:prstGeom prst="rect">
@@ -21381,8 +26518,8 @@
         </p:nvSpPr>
         <p:spPr>
           <a:xfrm>
-            <a:off x="1408404" y="692112"/>
-            <a:ext cx="2959424" cy="960132"/>
+            <a:off x="640106" y="1152379"/>
+            <a:ext cx="3344219" cy="960132"/>
           </a:xfrm>
           <a:prstGeom prst="rect">
             <a:avLst/>
@@ -21402,7 +26539,7 @@
         </p:spPr>
         <p:txBody>
           <a:bodyPr spcFirstLastPara="1" wrap="square" lIns="91425" tIns="91425" rIns="91425" bIns="91425" anchor="ctr" anchorCtr="0">
-            <a:normAutofit/>
+            <a:normAutofit fontScale="90000"/>
           </a:bodyPr>
           <a:lstStyle/>
           <a:p>
@@ -21419,7 +26556,14 @@
               <a:rPr lang="en-US" sz="3200" dirty="0"/>
               <a:t>Tx Rx LED </a:t>
             </a:r>
-            <a:endParaRPr sz="3200" dirty="0"/>
+            <a:br>
+              <a:rPr lang="en-US" sz="3200" dirty="0"/>
+            </a:br>
+            <a:r>
+              <a:rPr lang="en-US" sz="1400" dirty="0"/>
+              <a:t>Blinks when data is transmitted or  received from the computer to Arduino</a:t>
+            </a:r>
+            <a:endParaRPr sz="1400" dirty="0"/>
           </a:p>
         </p:txBody>
       </p:sp>
@@ -21890,7 +27034,7 @@
         </p:nvSpPr>
         <p:spPr>
           <a:xfrm>
-            <a:off x="338667" y="2600108"/>
+            <a:off x="528843" y="3030989"/>
             <a:ext cx="4753861" cy="960133"/>
           </a:xfrm>
           <a:prstGeom prst="rect">
@@ -21911,7 +27055,7 @@
         </p:spPr>
         <p:txBody>
           <a:bodyPr spcFirstLastPara="1" wrap="square" lIns="91425" tIns="91425" rIns="91425" bIns="91425" anchor="ctr" anchorCtr="0">
-            <a:normAutofit fontScale="92500"/>
+            <a:normAutofit fontScale="92500" lnSpcReduction="10000"/>
           </a:bodyPr>
           <a:lstStyle>
             <a:defPPr marR="0" lvl="0" algn="l" rtl="0">
@@ -22164,6 +27308,12 @@
             <a:r>
               <a:rPr lang="en-US" sz="3200" dirty="0"/>
               <a:t>AREF(Analog Reference)</a:t>
+            </a:r>
+          </a:p>
+          <a:p>
+            <a:r>
+              <a:rPr lang="en-US" sz="1400" dirty="0"/>
+              <a:t>For providing the external reference voltage for analog–to–digital converter.</a:t>
             </a:r>
           </a:p>
         </p:txBody>
@@ -22190,7 +27340,7 @@
         </p:blipFill>
         <p:spPr>
           <a:xfrm>
-            <a:off x="5329594" y="748912"/>
+            <a:off x="4783692" y="1142000"/>
             <a:ext cx="1539643" cy="903332"/>
           </a:xfrm>
           <a:prstGeom prst="rect">
@@ -22220,7 +27370,7 @@
         </p:blipFill>
         <p:spPr>
           <a:xfrm rot="5400000">
-            <a:off x="6156770" y="2116809"/>
+            <a:off x="6179348" y="2405156"/>
             <a:ext cx="675064" cy="1926731"/>
           </a:xfrm>
           <a:prstGeom prst="rect">
@@ -22414,8 +27564,8 @@
         </p:nvSpPr>
         <p:spPr>
           <a:xfrm>
-            <a:off x="1205203" y="955824"/>
-            <a:ext cx="3558707" cy="696421"/>
+            <a:off x="754115" y="1027662"/>
+            <a:ext cx="4708119" cy="1316596"/>
           </a:xfrm>
           <a:prstGeom prst="rect">
             <a:avLst/>
@@ -22435,7 +27585,7 @@
         </p:spPr>
         <p:txBody>
           <a:bodyPr spcFirstLastPara="1" wrap="square" lIns="91425" tIns="91425" rIns="91425" bIns="91425" anchor="ctr" anchorCtr="0">
-            <a:normAutofit fontScale="90000"/>
+            <a:normAutofit/>
           </a:bodyPr>
           <a:lstStyle/>
           <a:p>
@@ -22452,7 +27602,14 @@
               <a:rPr lang="en-US" sz="3200" dirty="0"/>
               <a:t>  Crystal Oscillator </a:t>
             </a:r>
-            <a:endParaRPr sz="3200" dirty="0"/>
+            <a:br>
+              <a:rPr lang="en-US" sz="3200" dirty="0"/>
+            </a:br>
+            <a:r>
+              <a:rPr lang="en-US" sz="1300" dirty="0"/>
+              <a:t>provides a precise clock signal to the microcontroller and synchronized internal operation.</a:t>
+            </a:r>
+            <a:endParaRPr sz="1300" dirty="0"/>
           </a:p>
         </p:txBody>
       </p:sp>
@@ -22923,8 +28080,8 @@
         </p:nvSpPr>
         <p:spPr>
           <a:xfrm>
-            <a:off x="1205203" y="2978150"/>
-            <a:ext cx="4143022" cy="696421"/>
+            <a:off x="868202" y="2799242"/>
+            <a:ext cx="4235930" cy="1024208"/>
           </a:xfrm>
           <a:prstGeom prst="rect">
             <a:avLst/>
@@ -22944,7 +28101,7 @@
         </p:spPr>
         <p:txBody>
           <a:bodyPr spcFirstLastPara="1" wrap="square" lIns="91425" tIns="91425" rIns="91425" bIns="91425" anchor="ctr" anchorCtr="0">
-            <a:normAutofit/>
+            <a:normAutofit fontScale="70000" lnSpcReduction="20000"/>
           </a:bodyPr>
           <a:lstStyle>
             <a:defPPr marR="0" lvl="0" algn="l" rtl="0">
@@ -23194,10 +28351,26 @@
             </a:lvl9pPr>
           </a:lstStyle>
           <a:p>
+            <a:endParaRPr lang="en-US" sz="3200" dirty="0"/>
+          </a:p>
+          <a:p>
             <a:r>
               <a:rPr lang="en-US" sz="3200" dirty="0"/>
-              <a:t>Voltage Regulator </a:t>
+              <a:t>Voltage Regulator</a:t>
             </a:r>
+          </a:p>
+          <a:p>
+            <a:r>
+              <a:rPr lang="en-US" sz="1300" dirty="0"/>
+              <a:t> </a:t>
+            </a:r>
+            <a:r>
+              <a:rPr lang="en-US" sz="1500" dirty="0"/>
+              <a:t>Regulate the input voltage to a constant suitable voltage. </a:t>
+            </a:r>
+          </a:p>
+          <a:p>
+            <a:endParaRPr lang="en-US" sz="3200" dirty="0"/>
           </a:p>
         </p:txBody>
       </p:sp>
@@ -23223,7 +28396,7 @@
         </p:blipFill>
         <p:spPr>
           <a:xfrm>
-            <a:off x="5348225" y="738722"/>
+            <a:off x="5674150" y="925870"/>
             <a:ext cx="2100331" cy="1130623"/>
           </a:xfrm>
           <a:prstGeom prst="rect">
@@ -23253,7 +28426,7 @@
         </p:blipFill>
         <p:spPr>
           <a:xfrm>
-            <a:off x="5896945" y="2761048"/>
+            <a:off x="5674150" y="2761047"/>
             <a:ext cx="1375591" cy="1130623"/>
           </a:xfrm>
           <a:prstGeom prst="rect">
@@ -23447,8 +28620,8 @@
         </p:nvSpPr>
         <p:spPr>
           <a:xfrm>
-            <a:off x="1013293" y="790222"/>
-            <a:ext cx="4236040" cy="1027289"/>
+            <a:off x="1013293" y="790221"/>
+            <a:ext cx="4236040" cy="1942567"/>
           </a:xfrm>
           <a:prstGeom prst="rect">
             <a:avLst/>
@@ -23483,8 +28656,42 @@
             </a:pPr>
             <a:r>
               <a:rPr lang="en-US" sz="3200" dirty="0"/>
-              <a:t>  ICSP(In-Circuit Serial Programming) </a:t>
+              <a:t>  </a:t>
             </a:r>
+            <a:br>
+              <a:rPr lang="en-US" sz="3200" dirty="0"/>
+            </a:br>
+            <a:br>
+              <a:rPr lang="en-US" sz="3200" dirty="0"/>
+            </a:br>
+            <a:r>
+              <a:rPr lang="en-US" sz="3100" dirty="0"/>
+              <a:t>ICSP(</a:t>
+            </a:r>
+            <a:r>
+              <a:rPr lang="en-US" sz="2700" dirty="0"/>
+              <a:t>In-Circuit</a:t>
+            </a:r>
+            <a:r>
+              <a:rPr lang="en-US" sz="3100" dirty="0"/>
+              <a:t> Serial Programming) pins </a:t>
+            </a:r>
+            <a:br>
+              <a:rPr lang="en-US" sz="3100" dirty="0"/>
+            </a:br>
+            <a:r>
+              <a:rPr lang="en-US" sz="1400" dirty="0"/>
+              <a:t> Allows interworking of two or more Arduino board</a:t>
+            </a:r>
+            <a:br>
+              <a:rPr lang="en-US" sz="3100" dirty="0"/>
+            </a:br>
+            <a:br>
+              <a:rPr lang="en-US" sz="3100" dirty="0"/>
+            </a:br>
+            <a:br>
+              <a:rPr lang="en-US" sz="3200" dirty="0"/>
+            </a:br>
             <a:endParaRPr sz="3200" dirty="0"/>
           </a:p>
         </p:txBody>
@@ -23956,8 +29163,8 @@
         </p:nvSpPr>
         <p:spPr>
           <a:xfrm>
-            <a:off x="1229136" y="2977779"/>
-            <a:ext cx="2744554" cy="696421"/>
+            <a:off x="1140041" y="3204117"/>
+            <a:ext cx="3042659" cy="906723"/>
           </a:xfrm>
           <a:prstGeom prst="rect">
             <a:avLst/>
@@ -23977,7 +29184,7 @@
         </p:spPr>
         <p:txBody>
           <a:bodyPr spcFirstLastPara="1" wrap="square" lIns="91425" tIns="91425" rIns="91425" bIns="91425" anchor="ctr" anchorCtr="0">
-            <a:normAutofit fontScale="92500"/>
+            <a:normAutofit fontScale="92500" lnSpcReduction="10000"/>
           </a:bodyPr>
           <a:lstStyle>
             <a:defPPr marR="0" lvl="0" algn="l" rtl="0">
@@ -24231,6 +29438,21 @@
               <a:rPr lang="en-US" sz="3200" dirty="0"/>
               <a:t>ATmega16U2</a:t>
             </a:r>
+          </a:p>
+          <a:p>
+            <a:r>
+              <a:rPr lang="en-US" sz="1200" dirty="0"/>
+              <a:t>Act as a bridge between the computer  </a:t>
+            </a:r>
+            <a:r>
+              <a:rPr lang="en-US" sz="1200" dirty="0" err="1"/>
+              <a:t>usb</a:t>
+            </a:r>
+            <a:r>
+              <a:rPr lang="en-US" sz="1200" dirty="0"/>
+              <a:t> and serial port</a:t>
+            </a:r>
+            <a:endParaRPr lang="en-US" sz="1300" dirty="0"/>
           </a:p>
         </p:txBody>
       </p:sp>

--- a/New.pptx
+++ b/New.pptx
@@ -16860,7 +16860,7 @@
         <p:spPr>
           <a:xfrm>
             <a:off x="1013293" y="790223"/>
-            <a:ext cx="3829640" cy="1027288"/>
+            <a:ext cx="3829640" cy="1143000"/>
           </a:xfrm>
           <a:prstGeom prst="rect">
             <a:avLst/>
@@ -16905,10 +16905,14 @@
               <a:t> </a:t>
             </a:r>
             <a:r>
-              <a:rPr lang="en-US" sz="1300" dirty="0"/>
+              <a:rPr lang="en-US" sz="1300" dirty="0">
+                <a:latin typeface=""/>
+              </a:rPr>
               <a:t>supply power to input and output component </a:t>
             </a:r>
-            <a:endParaRPr sz="1300" dirty="0"/>
+            <a:endParaRPr sz="1300" dirty="0">
+              <a:latin typeface=""/>
+            </a:endParaRPr>
           </a:p>
         </p:txBody>
       </p:sp>
@@ -17657,7 +17661,9 @@
           </a:p>
           <a:p>
             <a:r>
-              <a:rPr lang="en-US" sz="1300" dirty="0"/>
+              <a:rPr lang="en-US" sz="1300" dirty="0">
+                <a:latin typeface=""/>
+              </a:rPr>
               <a:t>Back up power  supplies for Arduino and filtering out noise </a:t>
             </a:r>
           </a:p>
@@ -17685,8 +17691,8 @@
         </p:blipFill>
         <p:spPr>
           <a:xfrm>
-            <a:off x="6441607" y="674511"/>
-            <a:ext cx="1689100" cy="1143000"/>
+            <a:off x="5564809" y="646912"/>
+            <a:ext cx="1900881" cy="1286310"/>
           </a:xfrm>
           <a:prstGeom prst="rect">
             <a:avLst/>
@@ -17715,8 +17721,8 @@
         </p:blipFill>
         <p:spPr>
           <a:xfrm>
-            <a:off x="5271912" y="2571750"/>
-            <a:ext cx="1473200" cy="939800"/>
+            <a:off x="5271912" y="2638778"/>
+            <a:ext cx="1791728" cy="1142999"/>
           </a:xfrm>
           <a:prstGeom prst="rect">
             <a:avLst/>
@@ -18642,7 +18648,9 @@
           </a:p>
           <a:p>
             <a:r>
-              <a:rPr lang="en-US" sz="1300" dirty="0"/>
+              <a:rPr lang="en-US" sz="1300" dirty="0">
+                <a:latin typeface=""/>
+              </a:rPr>
               <a:t>It is a ready-to-use board for enhancing the functionality of Arduino</a:t>
             </a:r>
           </a:p>
@@ -19517,7 +19525,9 @@
           </a:p>
           <a:p>
             <a:r>
-              <a:rPr lang="en-US" sz="1300" dirty="0"/>
+              <a:rPr lang="en-US" sz="1300" dirty="0">
+                <a:latin typeface=""/>
+              </a:rPr>
               <a:t>Add WIFI connectivity feature on Arduino </a:t>
             </a:r>
           </a:p>
@@ -19548,8 +19558,8 @@
         </p:blipFill>
         <p:spPr>
           <a:xfrm>
-            <a:off x="4985242" y="1018395"/>
-            <a:ext cx="2221315" cy="1942088"/>
+            <a:off x="4973953" y="871639"/>
+            <a:ext cx="2634758" cy="2303560"/>
           </a:xfrm>
           <a:prstGeom prst="rect">
             <a:avLst/>
@@ -20422,7 +20432,9 @@
           </a:p>
           <a:p>
             <a:r>
-              <a:rPr lang="en-US" sz="1300" dirty="0"/>
+              <a:rPr lang="en-US" sz="1300" dirty="0">
+                <a:latin typeface=""/>
+              </a:rPr>
               <a:t>Add Bluetooth connectivity feature on Arduino </a:t>
             </a:r>
           </a:p>
@@ -21049,7 +21061,7 @@
         </p:nvSpPr>
         <p:spPr>
           <a:xfrm>
-            <a:off x="640105" y="1659901"/>
+            <a:off x="404666" y="1341636"/>
             <a:ext cx="4565637" cy="1584357"/>
           </a:xfrm>
           <a:prstGeom prst="rect">
@@ -21327,10 +21339,14 @@
           </a:p>
           <a:p>
             <a:r>
-              <a:rPr lang="en-US" sz="1400" dirty="0"/>
+              <a:rPr lang="en-US" sz="1400" dirty="0">
+                <a:latin typeface=""/>
+              </a:rPr>
               <a:t>For Detection of objects up to 4 meters.</a:t>
             </a:r>
-            <a:endParaRPr lang="en-US" sz="2800" dirty="0"/>
+            <a:endParaRPr lang="en-US" sz="2800" dirty="0">
+              <a:latin typeface=""/>
+            </a:endParaRPr>
           </a:p>
         </p:txBody>
       </p:sp>
@@ -21356,8 +21372,8 @@
         </p:blipFill>
         <p:spPr>
           <a:xfrm>
-            <a:off x="5449018" y="1329136"/>
-            <a:ext cx="2683598" cy="1511760"/>
+            <a:off x="5369960" y="1141512"/>
+            <a:ext cx="3111357" cy="1752731"/>
           </a:xfrm>
           <a:prstGeom prst="rect">
             <a:avLst/>
@@ -21952,8 +21968,8 @@
         </p:nvSpPr>
         <p:spPr>
           <a:xfrm>
-            <a:off x="942538" y="1487762"/>
-            <a:ext cx="3629461" cy="1584357"/>
+            <a:off x="800924" y="1447565"/>
+            <a:ext cx="4035862" cy="1695705"/>
           </a:xfrm>
           <a:prstGeom prst="rect">
             <a:avLst/>
@@ -22230,8 +22246,10 @@
           </a:p>
           <a:p>
             <a:r>
-              <a:rPr lang="en-US" sz="1400" dirty="0"/>
-              <a:t>For the detection of intensity of light</a:t>
+              <a:rPr lang="en-US" sz="1400" dirty="0">
+                <a:latin typeface=""/>
+              </a:rPr>
+              <a:t>For the detection of the intensity of light</a:t>
             </a:r>
           </a:p>
         </p:txBody>
@@ -22258,7 +22276,7 @@
         </p:blipFill>
         <p:spPr>
           <a:xfrm>
-            <a:off x="5622922" y="416460"/>
+            <a:off x="5532611" y="653527"/>
             <a:ext cx="2578540" cy="2578540"/>
           </a:xfrm>
           <a:prstGeom prst="rect">
@@ -22438,19 +22456,27 @@
               <a:rPr lang="en-US" dirty="0"/>
             </a:br>
             <a:r>
-              <a:rPr lang="en-NP" sz="1800" dirty="0"/>
+              <a:rPr lang="en-NP" sz="1800" dirty="0">
+                <a:latin typeface=""/>
+              </a:rPr>
               <a:t>An Arduino is an open-source hardware development platform </a:t>
             </a:r>
             <a:r>
-              <a:rPr lang="en-US" sz="1800" dirty="0"/>
+              <a:rPr lang="en-US" sz="1800" dirty="0">
+                <a:latin typeface=""/>
+              </a:rPr>
               <a:t>used to develop easy-to-use electronic devices</a:t>
             </a:r>
             <a:r>
-              <a:rPr lang="en-NP" sz="1800" dirty="0"/>
+              <a:rPr lang="en-NP" sz="1800" dirty="0">
+                <a:latin typeface=""/>
+              </a:rPr>
               <a:t> to interact with the real world. The hardware configuration of an Arduino is open source which means that it can be modified in order to make different versions of itself.</a:t>
             </a:r>
             <a:br>
-              <a:rPr lang="en-NP" dirty="0"/>
+              <a:rPr lang="en-NP" dirty="0">
+                <a:latin typeface=""/>
+              </a:rPr>
             </a:br>
             <a:br>
               <a:rPr lang="en-US" dirty="0"/>
@@ -23081,18 +23107,26 @@
               <a:rPr lang="en-US" dirty="0"/>
             </a:br>
             <a:r>
-              <a:rPr lang="en-NP" sz="1400" dirty="0"/>
+              <a:rPr lang="en-NP" sz="1400" dirty="0">
+                <a:latin typeface=""/>
+              </a:rPr>
               <a:t>An Arduino UNO is an open-source microcontroller board whi</a:t>
             </a:r>
             <a:r>
-              <a:rPr lang="en-US" sz="1400" dirty="0" err="1"/>
+              <a:rPr lang="en-US" sz="1400" dirty="0" err="1">
+                <a:latin typeface=""/>
+              </a:rPr>
               <a:t>ch</a:t>
             </a:r>
             <a:r>
-              <a:rPr lang="en-US" sz="1400" dirty="0"/>
+              <a:rPr lang="en-US" sz="1400" dirty="0">
+                <a:latin typeface=""/>
+              </a:rPr>
               <a:t> is based on Atmega328p. It is a standard board of Arduino which is easy to operate in comparison to other  Arduino boards. </a:t>
             </a:r>
-            <a:endParaRPr dirty="0"/>
+            <a:endParaRPr dirty="0">
+              <a:latin typeface=""/>
+            </a:endParaRPr>
           </a:p>
         </p:txBody>
       </p:sp>
@@ -24419,7 +24453,9 @@
               <a:rPr lang="en-US" sz="3000" dirty="0"/>
             </a:br>
             <a:r>
-              <a:rPr lang="en-US" sz="1300" dirty="0"/>
+              <a:rPr lang="en-US" sz="1300" dirty="0">
+                <a:latin typeface=""/>
+              </a:rPr>
               <a:t>There are a total of 6 analog input pins which can read voltage from external devices like sensors. </a:t>
             </a:r>
             <a:br>
@@ -24953,7 +24989,7 @@
         </p:spPr>
         <p:txBody>
           <a:bodyPr spcFirstLastPara="1" wrap="square" lIns="91425" tIns="91425" rIns="91425" bIns="91425" anchor="ctr" anchorCtr="0">
-            <a:normAutofit fontScale="77500" lnSpcReduction="20000"/>
+            <a:normAutofit fontScale="70000" lnSpcReduction="20000"/>
           </a:bodyPr>
           <a:lstStyle>
             <a:defPPr marR="0" lvl="0" algn="l" rtl="0">
@@ -25207,7 +25243,7 @@
           </a:p>
           <a:p>
             <a:r>
-              <a:rPr lang="en-US" sz="3000" dirty="0"/>
+              <a:rPr lang="en-US" dirty="0"/>
               <a:t>Digital I/O pins</a:t>
             </a:r>
           </a:p>
@@ -25216,10 +25252,14 @@
           </a:p>
           <a:p>
             <a:r>
-              <a:rPr lang="en-NP" sz="1600" dirty="0"/>
-              <a:t>There are a total of 14 digital pins in Arduino Uno where 6 pin support PWM</a:t>
+              <a:rPr lang="en-NP" sz="1800" dirty="0">
+                <a:latin typeface=""/>
+              </a:rPr>
+              <a:t>There are a total of 14 digital pins in Arduino Uno where 6 pin support PWM.</a:t>
             </a:r>
-            <a:endParaRPr lang="en-US" sz="1400" dirty="0"/>
+            <a:endParaRPr lang="en-US" sz="1500" dirty="0">
+              <a:latin typeface=""/>
+            </a:endParaRPr>
           </a:p>
           <a:p>
             <a:endParaRPr lang="en-US" sz="3200" dirty="0"/>
@@ -25514,10 +25554,14 @@
               <a:rPr lang="en-US" sz="3200" dirty="0"/>
             </a:br>
             <a:r>
-              <a:rPr lang="en-US" sz="1400" dirty="0"/>
+              <a:rPr lang="en-US" sz="1400" dirty="0">
+                <a:latin typeface=""/>
+              </a:rPr>
               <a:t>It is a main component of the Arduino UNO board based on ATmega328.</a:t>
             </a:r>
-            <a:endParaRPr sz="3200" dirty="0"/>
+            <a:endParaRPr sz="3200" dirty="0">
+              <a:latin typeface=""/>
+            </a:endParaRPr>
           </a:p>
         </p:txBody>
       </p:sp>
@@ -26296,7 +26340,9 @@
           </a:p>
           <a:p>
             <a:r>
-              <a:rPr lang="en-US" sz="1400" dirty="0"/>
+              <a:rPr lang="en-US" sz="1400" dirty="0">
+                <a:latin typeface=""/>
+              </a:rPr>
               <a:t>Reset the device to the initialized state </a:t>
             </a:r>
           </a:p>
@@ -26560,10 +26606,14 @@
               <a:rPr lang="en-US" sz="3200" dirty="0"/>
             </a:br>
             <a:r>
-              <a:rPr lang="en-US" sz="1400" dirty="0"/>
+              <a:rPr lang="en-US" sz="1400" dirty="0">
+                <a:latin typeface=""/>
+              </a:rPr>
               <a:t>Blinks when data is transmitted or  received from the computer to Arduino</a:t>
             </a:r>
-            <a:endParaRPr sz="1400" dirty="0"/>
+            <a:endParaRPr sz="1400" dirty="0">
+              <a:latin typeface=""/>
+            </a:endParaRPr>
           </a:p>
         </p:txBody>
       </p:sp>
@@ -27313,7 +27363,13 @@
           <a:p>
             <a:r>
               <a:rPr lang="en-US" sz="1400" dirty="0"/>
-              <a:t>For providing the external reference voltage for analog–to–digital converter.</a:t>
+              <a:t>F</a:t>
+            </a:r>
+            <a:r>
+              <a:rPr lang="en-US" sz="1400" dirty="0">
+                <a:latin typeface=""/>
+              </a:rPr>
+              <a:t>or providing the external reference voltage for analog–to–digital converter.</a:t>
             </a:r>
           </a:p>
         </p:txBody>
@@ -27340,7 +27396,7 @@
         </p:blipFill>
         <p:spPr>
           <a:xfrm>
-            <a:off x="4783692" y="1142000"/>
+            <a:off x="4621007" y="1152378"/>
             <a:ext cx="1539643" cy="903332"/>
           </a:xfrm>
           <a:prstGeom prst="rect">
@@ -27564,7 +27620,7 @@
         </p:nvSpPr>
         <p:spPr>
           <a:xfrm>
-            <a:off x="754115" y="1027662"/>
+            <a:off x="868202" y="925870"/>
             <a:ext cx="4708119" cy="1316596"/>
           </a:xfrm>
           <a:prstGeom prst="rect">
@@ -27606,10 +27662,16 @@
               <a:rPr lang="en-US" sz="3200" dirty="0"/>
             </a:br>
             <a:r>
-              <a:rPr lang="en-US" sz="1300" dirty="0"/>
+              <a:rPr lang="en-US" sz="1300" dirty="0">
+                <a:latin typeface=""/>
+                <a:cs typeface="Nadeem" pitchFamily="2" charset="-78"/>
+              </a:rPr>
               <a:t>provides a precise clock signal to the microcontroller and synchronized internal operation.</a:t>
             </a:r>
-            <a:endParaRPr sz="1300" dirty="0"/>
+            <a:endParaRPr sz="1300" dirty="0">
+              <a:latin typeface=""/>
+              <a:cs typeface="Nadeem" pitchFamily="2" charset="-78"/>
+            </a:endParaRPr>
           </a:p>
         </p:txBody>
       </p:sp>
@@ -28080,8 +28142,8 @@
         </p:nvSpPr>
         <p:spPr>
           <a:xfrm>
-            <a:off x="868202" y="2799242"/>
-            <a:ext cx="4235930" cy="1024208"/>
+            <a:off x="754115" y="2799242"/>
+            <a:ext cx="4483929" cy="1024208"/>
           </a:xfrm>
           <a:prstGeom prst="rect">
             <a:avLst/>
@@ -28365,8 +28427,14 @@
               <a:t> </a:t>
             </a:r>
             <a:r>
-              <a:rPr lang="en-US" sz="1500" dirty="0"/>
-              <a:t>Regulate the input voltage to a constant suitable voltage. </a:t>
+              <a:rPr lang="en-US" sz="1700" dirty="0">
+                <a:latin typeface=""/>
+              </a:rPr>
+              <a:t>Regulate the input voltage to a constant suitable voltage</a:t>
+            </a:r>
+            <a:r>
+              <a:rPr lang="en-US" sz="1700" dirty="0"/>
+              <a:t>. </a:t>
             </a:r>
           </a:p>
           <a:p>
@@ -28681,7 +28749,13 @@
             </a:br>
             <a:r>
               <a:rPr lang="en-US" sz="1400" dirty="0"/>
-              <a:t> Allows interworking of two or more Arduino board</a:t>
+              <a:t> </a:t>
+            </a:r>
+            <a:r>
+              <a:rPr lang="en-US" sz="1400" dirty="0">
+                <a:latin typeface=""/>
+              </a:rPr>
+              <a:t>Allows interworking of two or more Arduino board</a:t>
             </a:r>
             <a:br>
               <a:rPr lang="en-US" sz="3100" dirty="0"/>
@@ -29164,7 +29238,7 @@
         <p:spPr>
           <a:xfrm>
             <a:off x="1140041" y="3204117"/>
-            <a:ext cx="3042659" cy="906723"/>
+            <a:ext cx="3042659" cy="1149162"/>
           </a:xfrm>
           <a:prstGeom prst="rect">
             <a:avLst/>
@@ -29184,7 +29258,7 @@
         </p:spPr>
         <p:txBody>
           <a:bodyPr spcFirstLastPara="1" wrap="square" lIns="91425" tIns="91425" rIns="91425" bIns="91425" anchor="ctr" anchorCtr="0">
-            <a:normAutofit fontScale="92500" lnSpcReduction="10000"/>
+            <a:normAutofit/>
           </a:bodyPr>
           <a:lstStyle>
             <a:defPPr marR="0" lvl="0" algn="l" rtl="0">
@@ -29441,18 +29515,14 @@
           </a:p>
           <a:p>
             <a:r>
-              <a:rPr lang="en-US" sz="1200" dirty="0"/>
-              <a:t>Act as a bridge between the computer  </a:t>
+              <a:rPr lang="en-US" sz="1300" dirty="0">
+                <a:latin typeface=""/>
+              </a:rPr>
+              <a:t>Act as a bridge between the computer  USB and serial port</a:t>
             </a:r>
-            <a:r>
-              <a:rPr lang="en-US" sz="1200" dirty="0" err="1"/>
-              <a:t>usb</a:t>
-            </a:r>
-            <a:r>
-              <a:rPr lang="en-US" sz="1200" dirty="0"/>
-              <a:t> and serial port</a:t>
-            </a:r>
-            <a:endParaRPr lang="en-US" sz="1300" dirty="0"/>
+            <a:endParaRPr lang="en-US" sz="1500" dirty="0">
+              <a:latin typeface=""/>
+            </a:endParaRPr>
           </a:p>
         </p:txBody>
       </p:sp>
@@ -29478,7 +29548,7 @@
         </p:blipFill>
         <p:spPr>
           <a:xfrm>
-            <a:off x="5862660" y="268804"/>
+            <a:off x="5738483" y="673412"/>
             <a:ext cx="805346" cy="1898338"/>
           </a:xfrm>
           <a:prstGeom prst="rect">
@@ -29508,7 +29578,7 @@
         </p:blipFill>
         <p:spPr>
           <a:xfrm>
-            <a:off x="4701823" y="2732789"/>
+            <a:off x="4701823" y="3224767"/>
             <a:ext cx="1563510" cy="1398139"/>
           </a:xfrm>
           <a:prstGeom prst="rect">
